--- a/slides/ppt/05_Generics.pptx
+++ b/slides/ppt/05_Generics.pptx
@@ -4,8 +4,11 @@
   <p:sldMasterIdLst>
     <p:sldMasterId id="2147483660" r:id="rId1"/>
   </p:sldMasterIdLst>
+  <p:notesMasterIdLst>
+    <p:notesMasterId r:id="rId30"/>
+  </p:notesMasterIdLst>
   <p:sldIdLst>
-    <p:sldId id="256" r:id="rId2"/>
+    <p:sldId id="257" r:id="rId2"/>
     <p:sldId id="276" r:id="rId3"/>
     <p:sldId id="262" r:id="rId4"/>
     <p:sldId id="263" r:id="rId5"/>
@@ -24,23 +27,23 @@
     <p:sldId id="267" r:id="rId18"/>
     <p:sldId id="285" r:id="rId19"/>
     <p:sldId id="268" r:id="rId20"/>
-    <p:sldId id="286" r:id="rId21"/>
-    <p:sldId id="287" r:id="rId22"/>
-    <p:sldId id="288" r:id="rId23"/>
-    <p:sldId id="289" r:id="rId24"/>
-    <p:sldId id="269" r:id="rId25"/>
+    <p:sldId id="287" r:id="rId21"/>
+    <p:sldId id="288" r:id="rId22"/>
+    <p:sldId id="269" r:id="rId23"/>
+    <p:sldId id="291" r:id="rId24"/>
+    <p:sldId id="292" r:id="rId25"/>
     <p:sldId id="277" r:id="rId26"/>
     <p:sldId id="270" r:id="rId27"/>
     <p:sldId id="271" r:id="rId28"/>
     <p:sldId id="273" r:id="rId29"/>
   </p:sldIdLst>
-  <p:sldSz cx="9144000" cy="6858000" type="screen4x3"/>
+  <p:sldSz cx="12192000" cy="6858000"/>
   <p:notesSz cx="6858000" cy="9144000"/>
   <p:defaultTextStyle>
     <a:defPPr>
-      <a:defRPr lang="en-US"/>
+      <a:defRPr lang="it-IT"/>
     </a:defPPr>
-    <a:lvl1pPr marL="0" algn="l" defTabSz="457200" rtl="0" eaLnBrk="1" latinLnBrk="0" hangingPunct="1">
+    <a:lvl1pPr marL="0" algn="l" defTabSz="914400" rtl="0" eaLnBrk="1" latinLnBrk="0" hangingPunct="1">
       <a:defRPr sz="1800" kern="1200">
         <a:solidFill>
           <a:schemeClr val="tx1"/>
@@ -50,7 +53,7 @@
         <a:cs typeface="+mn-cs"/>
       </a:defRPr>
     </a:lvl1pPr>
-    <a:lvl2pPr marL="457200" algn="l" defTabSz="457200" rtl="0" eaLnBrk="1" latinLnBrk="0" hangingPunct="1">
+    <a:lvl2pPr marL="457200" algn="l" defTabSz="914400" rtl="0" eaLnBrk="1" latinLnBrk="0" hangingPunct="1">
       <a:defRPr sz="1800" kern="1200">
         <a:solidFill>
           <a:schemeClr val="tx1"/>
@@ -60,7 +63,7 @@
         <a:cs typeface="+mn-cs"/>
       </a:defRPr>
     </a:lvl2pPr>
-    <a:lvl3pPr marL="914400" algn="l" defTabSz="457200" rtl="0" eaLnBrk="1" latinLnBrk="0" hangingPunct="1">
+    <a:lvl3pPr marL="914400" algn="l" defTabSz="914400" rtl="0" eaLnBrk="1" latinLnBrk="0" hangingPunct="1">
       <a:defRPr sz="1800" kern="1200">
         <a:solidFill>
           <a:schemeClr val="tx1"/>
@@ -70,7 +73,7 @@
         <a:cs typeface="+mn-cs"/>
       </a:defRPr>
     </a:lvl3pPr>
-    <a:lvl4pPr marL="1371600" algn="l" defTabSz="457200" rtl="0" eaLnBrk="1" latinLnBrk="0" hangingPunct="1">
+    <a:lvl4pPr marL="1371600" algn="l" defTabSz="914400" rtl="0" eaLnBrk="1" latinLnBrk="0" hangingPunct="1">
       <a:defRPr sz="1800" kern="1200">
         <a:solidFill>
           <a:schemeClr val="tx1"/>
@@ -80,7 +83,7 @@
         <a:cs typeface="+mn-cs"/>
       </a:defRPr>
     </a:lvl4pPr>
-    <a:lvl5pPr marL="1828800" algn="l" defTabSz="457200" rtl="0" eaLnBrk="1" latinLnBrk="0" hangingPunct="1">
+    <a:lvl5pPr marL="1828800" algn="l" defTabSz="914400" rtl="0" eaLnBrk="1" latinLnBrk="0" hangingPunct="1">
       <a:defRPr sz="1800" kern="1200">
         <a:solidFill>
           <a:schemeClr val="tx1"/>
@@ -90,7 +93,7 @@
         <a:cs typeface="+mn-cs"/>
       </a:defRPr>
     </a:lvl5pPr>
-    <a:lvl6pPr marL="2286000" algn="l" defTabSz="457200" rtl="0" eaLnBrk="1" latinLnBrk="0" hangingPunct="1">
+    <a:lvl6pPr marL="2286000" algn="l" defTabSz="914400" rtl="0" eaLnBrk="1" latinLnBrk="0" hangingPunct="1">
       <a:defRPr sz="1800" kern="1200">
         <a:solidFill>
           <a:schemeClr val="tx1"/>
@@ -100,7 +103,7 @@
         <a:cs typeface="+mn-cs"/>
       </a:defRPr>
     </a:lvl6pPr>
-    <a:lvl7pPr marL="2743200" algn="l" defTabSz="457200" rtl="0" eaLnBrk="1" latinLnBrk="0" hangingPunct="1">
+    <a:lvl7pPr marL="2743200" algn="l" defTabSz="914400" rtl="0" eaLnBrk="1" latinLnBrk="0" hangingPunct="1">
       <a:defRPr sz="1800" kern="1200">
         <a:solidFill>
           <a:schemeClr val="tx1"/>
@@ -110,7 +113,7 @@
         <a:cs typeface="+mn-cs"/>
       </a:defRPr>
     </a:lvl7pPr>
-    <a:lvl8pPr marL="3200400" algn="l" defTabSz="457200" rtl="0" eaLnBrk="1" latinLnBrk="0" hangingPunct="1">
+    <a:lvl8pPr marL="3200400" algn="l" defTabSz="914400" rtl="0" eaLnBrk="1" latinLnBrk="0" hangingPunct="1">
       <a:defRPr sz="1800" kern="1200">
         <a:solidFill>
           <a:schemeClr val="tx1"/>
@@ -120,7 +123,7 @@
         <a:cs typeface="+mn-cs"/>
       </a:defRPr>
     </a:lvl8pPr>
-    <a:lvl9pPr marL="3657600" algn="l" defTabSz="457200" rtl="0" eaLnBrk="1" latinLnBrk="0" hangingPunct="1">
+    <a:lvl9pPr marL="3657600" algn="l" defTabSz="914400" rtl="0" eaLnBrk="1" latinLnBrk="0" hangingPunct="1">
       <a:defRPr sz="1800" kern="1200">
         <a:solidFill>
           <a:schemeClr val="tx1"/>
@@ -133,21 +136,780 @@
   </p:defaultTextStyle>
   <p:extLst>
     <p:ext uri="{EFAFB233-063F-42B5-8137-9DF3F51BA10A}">
-      <p15:sldGuideLst xmlns:p15="http://schemas.microsoft.com/office/powerpoint/2012/main">
-        <p15:guide id="1" orient="horz" pos="2160">
-          <p15:clr>
-            <a:srgbClr val="A4A3A4"/>
-          </p15:clr>
-        </p15:guide>
-        <p15:guide id="2" pos="2880">
-          <p15:clr>
-            <a:srgbClr val="A4A3A4"/>
-          </p15:clr>
-        </p15:guide>
-      </p15:sldGuideLst>
+      <p15:sldGuideLst xmlns:p15="http://schemas.microsoft.com/office/powerpoint/2012/main"/>
     </p:ext>
   </p:extLst>
 </p:presentation>
+</file>
+
+<file path=ppt/notesMasters/notesMaster1.xml><?xml version="1.0" encoding="utf-8"?>
+<p:notesMaster xmlns:a="http://schemas.openxmlformats.org/drawingml/2006/main" xmlns:r="http://schemas.openxmlformats.org/officeDocument/2006/relationships" xmlns:p="http://schemas.openxmlformats.org/presentationml/2006/main">
+  <p:cSld>
+    <p:bg>
+      <p:bgRef idx="1001">
+        <a:schemeClr val="bg1"/>
+      </p:bgRef>
+    </p:bg>
+    <p:spTree>
+      <p:nvGrpSpPr>
+        <p:cNvPr id="1" name=""/>
+        <p:cNvGrpSpPr/>
+        <p:nvPr/>
+      </p:nvGrpSpPr>
+      <p:grpSpPr>
+        <a:xfrm>
+          <a:off x="0" y="0"/>
+          <a:ext cx="0" cy="0"/>
+          <a:chOff x="0" y="0"/>
+          <a:chExt cx="0" cy="0"/>
+        </a:xfrm>
+      </p:grpSpPr>
+      <p:sp>
+        <p:nvSpPr>
+          <p:cNvPr id="2" name="Header Placeholder 1"/>
+          <p:cNvSpPr>
+            <a:spLocks noGrp="1"/>
+          </p:cNvSpPr>
+          <p:nvPr>
+            <p:ph type="hdr" sz="quarter"/>
+          </p:nvPr>
+        </p:nvSpPr>
+        <p:spPr>
+          <a:xfrm>
+            <a:off x="0" y="0"/>
+            <a:ext cx="2971800" cy="458788"/>
+          </a:xfrm>
+          <a:prstGeom prst="rect">
+            <a:avLst/>
+          </a:prstGeom>
+        </p:spPr>
+        <p:txBody>
+          <a:bodyPr vert="horz" lIns="91440" tIns="45720" rIns="91440" bIns="45720" rtlCol="0"/>
+          <a:lstStyle>
+            <a:lvl1pPr algn="l">
+              <a:defRPr sz="1200"/>
+            </a:lvl1pPr>
+          </a:lstStyle>
+          <a:p>
+            <a:endParaRPr lang="en-GB"/>
+          </a:p>
+        </p:txBody>
+      </p:sp>
+      <p:sp>
+        <p:nvSpPr>
+          <p:cNvPr id="3" name="Date Placeholder 2"/>
+          <p:cNvSpPr>
+            <a:spLocks noGrp="1"/>
+          </p:cNvSpPr>
+          <p:nvPr>
+            <p:ph type="dt" idx="1"/>
+          </p:nvPr>
+        </p:nvSpPr>
+        <p:spPr>
+          <a:xfrm>
+            <a:off x="3884613" y="0"/>
+            <a:ext cx="2971800" cy="458788"/>
+          </a:xfrm>
+          <a:prstGeom prst="rect">
+            <a:avLst/>
+          </a:prstGeom>
+        </p:spPr>
+        <p:txBody>
+          <a:bodyPr vert="horz" lIns="91440" tIns="45720" rIns="91440" bIns="45720" rtlCol="0"/>
+          <a:lstStyle>
+            <a:lvl1pPr algn="r">
+              <a:defRPr sz="1200"/>
+            </a:lvl1pPr>
+          </a:lstStyle>
+          <a:p>
+            <a:fld id="{70E4EDBC-5E1F-4A4C-9AD7-1625F2312FBA}" type="datetimeFigureOut">
+              <a:rPr lang="en-GB" smtClean="0"/>
+              <a:t>14/03/2020</a:t>
+            </a:fld>
+            <a:endParaRPr lang="en-GB"/>
+          </a:p>
+        </p:txBody>
+      </p:sp>
+      <p:sp>
+        <p:nvSpPr>
+          <p:cNvPr id="4" name="Slide Image Placeholder 3"/>
+          <p:cNvSpPr>
+            <a:spLocks noGrp="1" noRot="1" noChangeAspect="1"/>
+          </p:cNvSpPr>
+          <p:nvPr>
+            <p:ph type="sldImg" idx="2"/>
+          </p:nvPr>
+        </p:nvSpPr>
+        <p:spPr>
+          <a:xfrm>
+            <a:off x="685800" y="1143000"/>
+            <a:ext cx="5486400" cy="3086100"/>
+          </a:xfrm>
+          <a:prstGeom prst="rect">
+            <a:avLst/>
+          </a:prstGeom>
+          <a:noFill/>
+          <a:ln w="12700">
+            <a:solidFill>
+              <a:prstClr val="black"/>
+            </a:solidFill>
+          </a:ln>
+        </p:spPr>
+        <p:txBody>
+          <a:bodyPr vert="horz" lIns="91440" tIns="45720" rIns="91440" bIns="45720" rtlCol="0" anchor="ctr"/>
+          <a:lstStyle/>
+          <a:p>
+            <a:endParaRPr lang="en-GB"/>
+          </a:p>
+        </p:txBody>
+      </p:sp>
+      <p:sp>
+        <p:nvSpPr>
+          <p:cNvPr id="5" name="Notes Placeholder 4"/>
+          <p:cNvSpPr>
+            <a:spLocks noGrp="1"/>
+          </p:cNvSpPr>
+          <p:nvPr>
+            <p:ph type="body" sz="quarter" idx="3"/>
+          </p:nvPr>
+        </p:nvSpPr>
+        <p:spPr>
+          <a:xfrm>
+            <a:off x="685800" y="4400550"/>
+            <a:ext cx="5486400" cy="3600450"/>
+          </a:xfrm>
+          <a:prstGeom prst="rect">
+            <a:avLst/>
+          </a:prstGeom>
+        </p:spPr>
+        <p:txBody>
+          <a:bodyPr vert="horz" lIns="91440" tIns="45720" rIns="91440" bIns="45720" rtlCol="0"/>
+          <a:lstStyle/>
+          <a:p>
+            <a:pPr lvl="0"/>
+            <a:r>
+              <a:rPr lang="en-US"/>
+              <a:t>Edit Master text styles</a:t>
+            </a:r>
+          </a:p>
+          <a:p>
+            <a:pPr lvl="1"/>
+            <a:r>
+              <a:rPr lang="en-US"/>
+              <a:t>Second level</a:t>
+            </a:r>
+          </a:p>
+          <a:p>
+            <a:pPr lvl="2"/>
+            <a:r>
+              <a:rPr lang="en-US"/>
+              <a:t>Third level</a:t>
+            </a:r>
+          </a:p>
+          <a:p>
+            <a:pPr lvl="3"/>
+            <a:r>
+              <a:rPr lang="en-US"/>
+              <a:t>Fourth level</a:t>
+            </a:r>
+          </a:p>
+          <a:p>
+            <a:pPr lvl="4"/>
+            <a:r>
+              <a:rPr lang="en-US"/>
+              <a:t>Fifth level</a:t>
+            </a:r>
+            <a:endParaRPr lang="en-GB"/>
+          </a:p>
+        </p:txBody>
+      </p:sp>
+      <p:sp>
+        <p:nvSpPr>
+          <p:cNvPr id="6" name="Footer Placeholder 5"/>
+          <p:cNvSpPr>
+            <a:spLocks noGrp="1"/>
+          </p:cNvSpPr>
+          <p:nvPr>
+            <p:ph type="ftr" sz="quarter" idx="4"/>
+          </p:nvPr>
+        </p:nvSpPr>
+        <p:spPr>
+          <a:xfrm>
+            <a:off x="0" y="8685213"/>
+            <a:ext cx="2971800" cy="458787"/>
+          </a:xfrm>
+          <a:prstGeom prst="rect">
+            <a:avLst/>
+          </a:prstGeom>
+        </p:spPr>
+        <p:txBody>
+          <a:bodyPr vert="horz" lIns="91440" tIns="45720" rIns="91440" bIns="45720" rtlCol="0" anchor="b"/>
+          <a:lstStyle>
+            <a:lvl1pPr algn="l">
+              <a:defRPr sz="1200"/>
+            </a:lvl1pPr>
+          </a:lstStyle>
+          <a:p>
+            <a:endParaRPr lang="en-GB"/>
+          </a:p>
+        </p:txBody>
+      </p:sp>
+      <p:sp>
+        <p:nvSpPr>
+          <p:cNvPr id="7" name="Slide Number Placeholder 6"/>
+          <p:cNvSpPr>
+            <a:spLocks noGrp="1"/>
+          </p:cNvSpPr>
+          <p:nvPr>
+            <p:ph type="sldNum" sz="quarter" idx="5"/>
+          </p:nvPr>
+        </p:nvSpPr>
+        <p:spPr>
+          <a:xfrm>
+            <a:off x="3884613" y="8685213"/>
+            <a:ext cx="2971800" cy="458787"/>
+          </a:xfrm>
+          <a:prstGeom prst="rect">
+            <a:avLst/>
+          </a:prstGeom>
+        </p:spPr>
+        <p:txBody>
+          <a:bodyPr vert="horz" lIns="91440" tIns="45720" rIns="91440" bIns="45720" rtlCol="0" anchor="b"/>
+          <a:lstStyle>
+            <a:lvl1pPr algn="r">
+              <a:defRPr sz="1200"/>
+            </a:lvl1pPr>
+          </a:lstStyle>
+          <a:p>
+            <a:fld id="{B3F1CB1E-316D-CB40-A76B-486C4D0819C1}" type="slidenum">
+              <a:rPr lang="en-GB" smtClean="0"/>
+              <a:t>‹#›</a:t>
+            </a:fld>
+            <a:endParaRPr lang="en-GB"/>
+          </a:p>
+        </p:txBody>
+      </p:sp>
+    </p:spTree>
+    <p:extLst>
+      <p:ext uri="{BB962C8B-B14F-4D97-AF65-F5344CB8AC3E}">
+        <p14:creationId xmlns:p14="http://schemas.microsoft.com/office/powerpoint/2010/main" val="4249399665"/>
+      </p:ext>
+    </p:extLst>
+  </p:cSld>
+  <p:clrMap bg1="lt1" tx1="dk1" bg2="lt2" tx2="dk2" accent1="accent1" accent2="accent2" accent3="accent3" accent4="accent4" accent5="accent5" accent6="accent6" hlink="hlink" folHlink="folHlink"/>
+  <p:notesStyle>
+    <a:lvl1pPr marL="0" algn="l" defTabSz="914400" rtl="0" eaLnBrk="1" latinLnBrk="0" hangingPunct="1">
+      <a:defRPr sz="1200" kern="1200">
+        <a:solidFill>
+          <a:schemeClr val="tx1"/>
+        </a:solidFill>
+        <a:latin typeface="+mn-lt"/>
+        <a:ea typeface="+mn-ea"/>
+        <a:cs typeface="+mn-cs"/>
+      </a:defRPr>
+    </a:lvl1pPr>
+    <a:lvl2pPr marL="457200" algn="l" defTabSz="914400" rtl="0" eaLnBrk="1" latinLnBrk="0" hangingPunct="1">
+      <a:defRPr sz="1200" kern="1200">
+        <a:solidFill>
+          <a:schemeClr val="tx1"/>
+        </a:solidFill>
+        <a:latin typeface="+mn-lt"/>
+        <a:ea typeface="+mn-ea"/>
+        <a:cs typeface="+mn-cs"/>
+      </a:defRPr>
+    </a:lvl2pPr>
+    <a:lvl3pPr marL="914400" algn="l" defTabSz="914400" rtl="0" eaLnBrk="1" latinLnBrk="0" hangingPunct="1">
+      <a:defRPr sz="1200" kern="1200">
+        <a:solidFill>
+          <a:schemeClr val="tx1"/>
+        </a:solidFill>
+        <a:latin typeface="+mn-lt"/>
+        <a:ea typeface="+mn-ea"/>
+        <a:cs typeface="+mn-cs"/>
+      </a:defRPr>
+    </a:lvl3pPr>
+    <a:lvl4pPr marL="1371600" algn="l" defTabSz="914400" rtl="0" eaLnBrk="1" latinLnBrk="0" hangingPunct="1">
+      <a:defRPr sz="1200" kern="1200">
+        <a:solidFill>
+          <a:schemeClr val="tx1"/>
+        </a:solidFill>
+        <a:latin typeface="+mn-lt"/>
+        <a:ea typeface="+mn-ea"/>
+        <a:cs typeface="+mn-cs"/>
+      </a:defRPr>
+    </a:lvl4pPr>
+    <a:lvl5pPr marL="1828800" algn="l" defTabSz="914400" rtl="0" eaLnBrk="1" latinLnBrk="0" hangingPunct="1">
+      <a:defRPr sz="1200" kern="1200">
+        <a:solidFill>
+          <a:schemeClr val="tx1"/>
+        </a:solidFill>
+        <a:latin typeface="+mn-lt"/>
+        <a:ea typeface="+mn-ea"/>
+        <a:cs typeface="+mn-cs"/>
+      </a:defRPr>
+    </a:lvl5pPr>
+    <a:lvl6pPr marL="2286000" algn="l" defTabSz="914400" rtl="0" eaLnBrk="1" latinLnBrk="0" hangingPunct="1">
+      <a:defRPr sz="1200" kern="1200">
+        <a:solidFill>
+          <a:schemeClr val="tx1"/>
+        </a:solidFill>
+        <a:latin typeface="+mn-lt"/>
+        <a:ea typeface="+mn-ea"/>
+        <a:cs typeface="+mn-cs"/>
+      </a:defRPr>
+    </a:lvl6pPr>
+    <a:lvl7pPr marL="2743200" algn="l" defTabSz="914400" rtl="0" eaLnBrk="1" latinLnBrk="0" hangingPunct="1">
+      <a:defRPr sz="1200" kern="1200">
+        <a:solidFill>
+          <a:schemeClr val="tx1"/>
+        </a:solidFill>
+        <a:latin typeface="+mn-lt"/>
+        <a:ea typeface="+mn-ea"/>
+        <a:cs typeface="+mn-cs"/>
+      </a:defRPr>
+    </a:lvl7pPr>
+    <a:lvl8pPr marL="3200400" algn="l" defTabSz="914400" rtl="0" eaLnBrk="1" latinLnBrk="0" hangingPunct="1">
+      <a:defRPr sz="1200" kern="1200">
+        <a:solidFill>
+          <a:schemeClr val="tx1"/>
+        </a:solidFill>
+        <a:latin typeface="+mn-lt"/>
+        <a:ea typeface="+mn-ea"/>
+        <a:cs typeface="+mn-cs"/>
+      </a:defRPr>
+    </a:lvl8pPr>
+    <a:lvl9pPr marL="3657600" algn="l" defTabSz="914400" rtl="0" eaLnBrk="1" latinLnBrk="0" hangingPunct="1">
+      <a:defRPr sz="1200" kern="1200">
+        <a:solidFill>
+          <a:schemeClr val="tx1"/>
+        </a:solidFill>
+        <a:latin typeface="+mn-lt"/>
+        <a:ea typeface="+mn-ea"/>
+        <a:cs typeface="+mn-cs"/>
+      </a:defRPr>
+    </a:lvl9pPr>
+  </p:notesStyle>
+</p:notesMaster>
+</file>
+
+<file path=ppt/notesSlides/notesSlide1.xml><?xml version="1.0" encoding="utf-8"?>
+<p:notes xmlns:a="http://schemas.openxmlformats.org/drawingml/2006/main" xmlns:r="http://schemas.openxmlformats.org/officeDocument/2006/relationships" xmlns:p="http://schemas.openxmlformats.org/presentationml/2006/main">
+  <p:cSld>
+    <p:spTree>
+      <p:nvGrpSpPr>
+        <p:cNvPr id="1" name=""/>
+        <p:cNvGrpSpPr/>
+        <p:nvPr/>
+      </p:nvGrpSpPr>
+      <p:grpSpPr>
+        <a:xfrm>
+          <a:off x="0" y="0"/>
+          <a:ext cx="0" cy="0"/>
+          <a:chOff x="0" y="0"/>
+          <a:chExt cx="0" cy="0"/>
+        </a:xfrm>
+      </p:grpSpPr>
+      <p:sp>
+        <p:nvSpPr>
+          <p:cNvPr id="2" name="Slide Image Placeholder 1"/>
+          <p:cNvSpPr>
+            <a:spLocks noGrp="1" noRot="1" noChangeAspect="1"/>
+          </p:cNvSpPr>
+          <p:nvPr>
+            <p:ph type="sldImg"/>
+          </p:nvPr>
+        </p:nvSpPr>
+        <p:spPr/>
+      </p:sp>
+      <p:sp>
+        <p:nvSpPr>
+          <p:cNvPr id="3" name="Notes Placeholder 2"/>
+          <p:cNvSpPr>
+            <a:spLocks noGrp="1"/>
+          </p:cNvSpPr>
+          <p:nvPr>
+            <p:ph type="body" idx="1"/>
+          </p:nvPr>
+        </p:nvSpPr>
+        <p:spPr/>
+        <p:txBody>
+          <a:bodyPr/>
+          <a:lstStyle/>
+          <a:p>
+            <a:endParaRPr lang="en-GB"/>
+          </a:p>
+        </p:txBody>
+      </p:sp>
+      <p:sp>
+        <p:nvSpPr>
+          <p:cNvPr id="4" name="Slide Number Placeholder 3"/>
+          <p:cNvSpPr>
+            <a:spLocks noGrp="1"/>
+          </p:cNvSpPr>
+          <p:nvPr>
+            <p:ph type="sldNum" sz="quarter" idx="10"/>
+          </p:nvPr>
+        </p:nvSpPr>
+        <p:spPr/>
+        <p:txBody>
+          <a:bodyPr/>
+          <a:lstStyle/>
+          <a:p>
+            <a:fld id="{D4BEF00D-F5E6-CC47-B444-9ABDFEBF23F1}" type="slidenum">
+              <a:rPr lang="en-GB" smtClean="0"/>
+              <a:t>1</a:t>
+            </a:fld>
+            <a:endParaRPr lang="en-GB"/>
+          </a:p>
+        </p:txBody>
+      </p:sp>
+    </p:spTree>
+    <p:extLst>
+      <p:ext uri="{BB962C8B-B14F-4D97-AF65-F5344CB8AC3E}">
+        <p14:creationId xmlns:p14="http://schemas.microsoft.com/office/powerpoint/2010/main" val="269665635"/>
+      </p:ext>
+    </p:extLst>
+  </p:cSld>
+  <p:clrMapOvr>
+    <a:masterClrMapping/>
+  </p:clrMapOvr>
+</p:notes>
+</file>
+
+<file path=ppt/notesSlides/notesSlide2.xml><?xml version="1.0" encoding="utf-8"?>
+<p:notes xmlns:a="http://schemas.openxmlformats.org/drawingml/2006/main" xmlns:r="http://schemas.openxmlformats.org/officeDocument/2006/relationships" xmlns:p="http://schemas.openxmlformats.org/presentationml/2006/main">
+  <p:cSld>
+    <p:spTree>
+      <p:nvGrpSpPr>
+        <p:cNvPr id="1" name=""/>
+        <p:cNvGrpSpPr/>
+        <p:nvPr/>
+      </p:nvGrpSpPr>
+      <p:grpSpPr>
+        <a:xfrm>
+          <a:off x="0" y="0"/>
+          <a:ext cx="0" cy="0"/>
+          <a:chOff x="0" y="0"/>
+          <a:chExt cx="0" cy="0"/>
+        </a:xfrm>
+      </p:grpSpPr>
+      <p:sp>
+        <p:nvSpPr>
+          <p:cNvPr id="2" name="Slide Image Placeholder 1"/>
+          <p:cNvSpPr>
+            <a:spLocks noGrp="1" noRot="1" noChangeAspect="1"/>
+          </p:cNvSpPr>
+          <p:nvPr>
+            <p:ph type="sldImg"/>
+          </p:nvPr>
+        </p:nvSpPr>
+        <p:spPr/>
+      </p:sp>
+      <p:sp>
+        <p:nvSpPr>
+          <p:cNvPr id="3" name="Notes Placeholder 2"/>
+          <p:cNvSpPr>
+            <a:spLocks noGrp="1"/>
+          </p:cNvSpPr>
+          <p:nvPr>
+            <p:ph type="body" idx="1"/>
+          </p:nvPr>
+        </p:nvSpPr>
+        <p:spPr/>
+        <p:txBody>
+          <a:bodyPr/>
+          <a:lstStyle/>
+          <a:p>
+            <a:endParaRPr lang="en-GB"/>
+          </a:p>
+        </p:txBody>
+      </p:sp>
+      <p:sp>
+        <p:nvSpPr>
+          <p:cNvPr id="4" name="Slide Number Placeholder 3"/>
+          <p:cNvSpPr>
+            <a:spLocks noGrp="1"/>
+          </p:cNvSpPr>
+          <p:nvPr>
+            <p:ph type="sldNum" sz="quarter" idx="10"/>
+          </p:nvPr>
+        </p:nvSpPr>
+        <p:spPr/>
+        <p:txBody>
+          <a:bodyPr/>
+          <a:lstStyle/>
+          <a:p>
+            <a:fld id="{D4BEF00D-F5E6-CC47-B444-9ABDFEBF23F1}" type="slidenum">
+              <a:rPr lang="en-GB" smtClean="0"/>
+              <a:t>16</a:t>
+            </a:fld>
+            <a:endParaRPr lang="en-GB"/>
+          </a:p>
+        </p:txBody>
+      </p:sp>
+    </p:spTree>
+    <p:extLst>
+      <p:ext uri="{BB962C8B-B14F-4D97-AF65-F5344CB8AC3E}">
+        <p14:creationId xmlns:p14="http://schemas.microsoft.com/office/powerpoint/2010/main" val="3162884912"/>
+      </p:ext>
+    </p:extLst>
+  </p:cSld>
+  <p:clrMapOvr>
+    <a:masterClrMapping/>
+  </p:clrMapOvr>
+</p:notes>
+</file>
+
+<file path=ppt/notesSlides/notesSlide3.xml><?xml version="1.0" encoding="utf-8"?>
+<p:notes xmlns:a="http://schemas.openxmlformats.org/drawingml/2006/main" xmlns:r="http://schemas.openxmlformats.org/officeDocument/2006/relationships" xmlns:p="http://schemas.openxmlformats.org/presentationml/2006/main">
+  <p:cSld>
+    <p:spTree>
+      <p:nvGrpSpPr>
+        <p:cNvPr id="1" name=""/>
+        <p:cNvGrpSpPr/>
+        <p:nvPr/>
+      </p:nvGrpSpPr>
+      <p:grpSpPr>
+        <a:xfrm>
+          <a:off x="0" y="0"/>
+          <a:ext cx="0" cy="0"/>
+          <a:chOff x="0" y="0"/>
+          <a:chExt cx="0" cy="0"/>
+        </a:xfrm>
+      </p:grpSpPr>
+      <p:sp>
+        <p:nvSpPr>
+          <p:cNvPr id="2" name="Slide Image Placeholder 1"/>
+          <p:cNvSpPr>
+            <a:spLocks noGrp="1" noRot="1" noChangeAspect="1"/>
+          </p:cNvSpPr>
+          <p:nvPr>
+            <p:ph type="sldImg"/>
+          </p:nvPr>
+        </p:nvSpPr>
+        <p:spPr/>
+      </p:sp>
+      <p:sp>
+        <p:nvSpPr>
+          <p:cNvPr id="3" name="Notes Placeholder 2"/>
+          <p:cNvSpPr>
+            <a:spLocks noGrp="1"/>
+          </p:cNvSpPr>
+          <p:nvPr>
+            <p:ph type="body" idx="1"/>
+          </p:nvPr>
+        </p:nvSpPr>
+        <p:spPr/>
+        <p:txBody>
+          <a:bodyPr/>
+          <a:lstStyle/>
+          <a:p>
+            <a:endParaRPr lang="en-GB"/>
+          </a:p>
+        </p:txBody>
+      </p:sp>
+      <p:sp>
+        <p:nvSpPr>
+          <p:cNvPr id="4" name="Slide Number Placeholder 3"/>
+          <p:cNvSpPr>
+            <a:spLocks noGrp="1"/>
+          </p:cNvSpPr>
+          <p:nvPr>
+            <p:ph type="sldNum" sz="quarter" idx="10"/>
+          </p:nvPr>
+        </p:nvSpPr>
+        <p:spPr/>
+        <p:txBody>
+          <a:bodyPr/>
+          <a:lstStyle/>
+          <a:p>
+            <a:fld id="{D4BEF00D-F5E6-CC47-B444-9ABDFEBF23F1}" type="slidenum">
+              <a:rPr lang="en-GB" smtClean="0"/>
+              <a:t>17</a:t>
+            </a:fld>
+            <a:endParaRPr lang="en-GB"/>
+          </a:p>
+        </p:txBody>
+      </p:sp>
+    </p:spTree>
+    <p:extLst>
+      <p:ext uri="{BB962C8B-B14F-4D97-AF65-F5344CB8AC3E}">
+        <p14:creationId xmlns:p14="http://schemas.microsoft.com/office/powerpoint/2010/main" val="3143230019"/>
+      </p:ext>
+    </p:extLst>
+  </p:cSld>
+  <p:clrMapOvr>
+    <a:masterClrMapping/>
+  </p:clrMapOvr>
+</p:notes>
+</file>
+
+<file path=ppt/notesSlides/notesSlide4.xml><?xml version="1.0" encoding="utf-8"?>
+<p:notes xmlns:a="http://schemas.openxmlformats.org/drawingml/2006/main" xmlns:r="http://schemas.openxmlformats.org/officeDocument/2006/relationships" xmlns:p="http://schemas.openxmlformats.org/presentationml/2006/main">
+  <p:cSld>
+    <p:spTree>
+      <p:nvGrpSpPr>
+        <p:cNvPr id="1" name=""/>
+        <p:cNvGrpSpPr/>
+        <p:nvPr/>
+      </p:nvGrpSpPr>
+      <p:grpSpPr>
+        <a:xfrm>
+          <a:off x="0" y="0"/>
+          <a:ext cx="0" cy="0"/>
+          <a:chOff x="0" y="0"/>
+          <a:chExt cx="0" cy="0"/>
+        </a:xfrm>
+      </p:grpSpPr>
+      <p:sp>
+        <p:nvSpPr>
+          <p:cNvPr id="2" name="Slide Image Placeholder 1"/>
+          <p:cNvSpPr>
+            <a:spLocks noGrp="1" noRot="1" noChangeAspect="1"/>
+          </p:cNvSpPr>
+          <p:nvPr>
+            <p:ph type="sldImg"/>
+          </p:nvPr>
+        </p:nvSpPr>
+        <p:spPr/>
+      </p:sp>
+      <p:sp>
+        <p:nvSpPr>
+          <p:cNvPr id="3" name="Notes Placeholder 2"/>
+          <p:cNvSpPr>
+            <a:spLocks noGrp="1"/>
+          </p:cNvSpPr>
+          <p:nvPr>
+            <p:ph type="body" idx="1"/>
+          </p:nvPr>
+        </p:nvSpPr>
+        <p:spPr/>
+        <p:txBody>
+          <a:bodyPr/>
+          <a:lstStyle/>
+          <a:p>
+            <a:endParaRPr lang="en-GB"/>
+          </a:p>
+        </p:txBody>
+      </p:sp>
+      <p:sp>
+        <p:nvSpPr>
+          <p:cNvPr id="4" name="Slide Number Placeholder 3"/>
+          <p:cNvSpPr>
+            <a:spLocks noGrp="1"/>
+          </p:cNvSpPr>
+          <p:nvPr>
+            <p:ph type="sldNum" sz="quarter" idx="10"/>
+          </p:nvPr>
+        </p:nvSpPr>
+        <p:spPr/>
+        <p:txBody>
+          <a:bodyPr/>
+          <a:lstStyle/>
+          <a:p>
+            <a:fld id="{D4BEF00D-F5E6-CC47-B444-9ABDFEBF23F1}" type="slidenum">
+              <a:rPr lang="en-GB" smtClean="0"/>
+              <a:t>18</a:t>
+            </a:fld>
+            <a:endParaRPr lang="en-GB"/>
+          </a:p>
+        </p:txBody>
+      </p:sp>
+    </p:spTree>
+    <p:extLst>
+      <p:ext uri="{BB962C8B-B14F-4D97-AF65-F5344CB8AC3E}">
+        <p14:creationId xmlns:p14="http://schemas.microsoft.com/office/powerpoint/2010/main" val="813157263"/>
+      </p:ext>
+    </p:extLst>
+  </p:cSld>
+  <p:clrMapOvr>
+    <a:masterClrMapping/>
+  </p:clrMapOvr>
+</p:notes>
+</file>
+
+<file path=ppt/notesSlides/notesSlide5.xml><?xml version="1.0" encoding="utf-8"?>
+<p:notes xmlns:a="http://schemas.openxmlformats.org/drawingml/2006/main" xmlns:r="http://schemas.openxmlformats.org/officeDocument/2006/relationships" xmlns:p="http://schemas.openxmlformats.org/presentationml/2006/main">
+  <p:cSld>
+    <p:spTree>
+      <p:nvGrpSpPr>
+        <p:cNvPr id="1" name=""/>
+        <p:cNvGrpSpPr/>
+        <p:nvPr/>
+      </p:nvGrpSpPr>
+      <p:grpSpPr>
+        <a:xfrm>
+          <a:off x="0" y="0"/>
+          <a:ext cx="0" cy="0"/>
+          <a:chOff x="0" y="0"/>
+          <a:chExt cx="0" cy="0"/>
+        </a:xfrm>
+      </p:grpSpPr>
+      <p:sp>
+        <p:nvSpPr>
+          <p:cNvPr id="2" name="Slide Image Placeholder 1"/>
+          <p:cNvSpPr>
+            <a:spLocks noGrp="1" noRot="1" noChangeAspect="1"/>
+          </p:cNvSpPr>
+          <p:nvPr>
+            <p:ph type="sldImg"/>
+          </p:nvPr>
+        </p:nvSpPr>
+        <p:spPr/>
+      </p:sp>
+      <p:sp>
+        <p:nvSpPr>
+          <p:cNvPr id="3" name="Notes Placeholder 2"/>
+          <p:cNvSpPr>
+            <a:spLocks noGrp="1"/>
+          </p:cNvSpPr>
+          <p:nvPr>
+            <p:ph type="body" idx="1"/>
+          </p:nvPr>
+        </p:nvSpPr>
+        <p:spPr/>
+        <p:txBody>
+          <a:bodyPr/>
+          <a:lstStyle/>
+          <a:p>
+            <a:endParaRPr lang="en-GB"/>
+          </a:p>
+        </p:txBody>
+      </p:sp>
+      <p:sp>
+        <p:nvSpPr>
+          <p:cNvPr id="4" name="Slide Number Placeholder 3"/>
+          <p:cNvSpPr>
+            <a:spLocks noGrp="1"/>
+          </p:cNvSpPr>
+          <p:nvPr>
+            <p:ph type="sldNum" sz="quarter" idx="10"/>
+          </p:nvPr>
+        </p:nvSpPr>
+        <p:spPr/>
+        <p:txBody>
+          <a:bodyPr/>
+          <a:lstStyle/>
+          <a:p>
+            <a:fld id="{D4BEF00D-F5E6-CC47-B444-9ABDFEBF23F1}" type="slidenum">
+              <a:rPr lang="en-GB" smtClean="0"/>
+              <a:t>19</a:t>
+            </a:fld>
+            <a:endParaRPr lang="en-GB"/>
+          </a:p>
+        </p:txBody>
+      </p:sp>
+    </p:spTree>
+    <p:extLst>
+      <p:ext uri="{BB962C8B-B14F-4D97-AF65-F5344CB8AC3E}">
+        <p14:creationId xmlns:p14="http://schemas.microsoft.com/office/powerpoint/2010/main" val="1660279190"/>
+      </p:ext>
+    </p:extLst>
+  </p:cSld>
+  <p:clrMapOvr>
+    <a:masterClrMapping/>
+  </p:clrMapOvr>
+</p:notes>
 </file>
 
 <file path=ppt/slideLayouts/slideLayout1.xml><?xml version="1.0" encoding="utf-8"?>
@@ -179,8 +941,8 @@
         </p:nvSpPr>
         <p:spPr>
           <a:xfrm>
-            <a:off x="685800" y="2130425"/>
-            <a:ext cx="7772400" cy="1470025"/>
+            <a:off x="914400" y="2130426"/>
+            <a:ext cx="10363200" cy="1470025"/>
           </a:xfrm>
         </p:spPr>
         <p:txBody>
@@ -188,10 +950,9 @@
           <a:lstStyle/>
           <a:p>
             <a:r>
-              <a:rPr lang="it-IT"/>
+              <a:rPr lang="en-US"/>
               <a:t>Click to edit Master title style</a:t>
             </a:r>
-            <a:endParaRPr lang="en-US"/>
           </a:p>
         </p:txBody>
       </p:sp>
@@ -207,8 +968,8 @@
         </p:nvSpPr>
         <p:spPr>
           <a:xfrm>
-            <a:off x="1371600" y="3886200"/>
-            <a:ext cx="6400800" cy="1752600"/>
+            <a:off x="1828800" y="3886200"/>
+            <a:ext cx="8534400" cy="1752600"/>
           </a:xfrm>
         </p:spPr>
         <p:txBody>
@@ -309,7 +1070,7 @@
           </a:lstStyle>
           <a:p>
             <a:r>
-              <a:rPr lang="it-IT"/>
+              <a:rPr lang="en-US"/>
               <a:t>Click to edit Master subtitle style</a:t>
             </a:r>
             <a:endParaRPr lang="en-US" dirty="0"/>
@@ -328,8 +1089,8 @@
         </p:nvSpPr>
         <p:spPr>
           <a:xfrm>
-            <a:off x="3836609" y="6362700"/>
-            <a:ext cx="4850191" cy="365125"/>
+            <a:off x="5115480" y="6362701"/>
+            <a:ext cx="6466921" cy="365125"/>
           </a:xfrm>
           <a:prstGeom prst="rect">
             <a:avLst/>
@@ -339,11 +1100,11 @@
           <a:bodyPr/>
           <a:lstStyle/>
           <a:p>
-            <a:fld id="{B0C43BE2-C3DB-1649-80AB-79CFABC9D3BB}" type="slidenum">
-              <a:rPr lang="en-US" smtClean="0"/>
+            <a:fld id="{97135A26-7131-4E45-9CE6-C5A17AF4886F}" type="slidenum">
+              <a:rPr lang="en-GB" smtClean="0"/>
               <a:t>‹#›</a:t>
             </a:fld>
-            <a:endParaRPr lang="en-US"/>
+            <a:endParaRPr lang="en-GB"/>
           </a:p>
         </p:txBody>
       </p:sp>
@@ -355,8 +1116,8 @@
         </p:nvCxnSpPr>
         <p:spPr>
           <a:xfrm flipV="1">
-            <a:off x="457200" y="3600450"/>
-            <a:ext cx="8686800" cy="2"/>
+            <a:off x="609600" y="3600450"/>
+            <a:ext cx="11582400" cy="2"/>
           </a:xfrm>
           <a:prstGeom prst="line">
             <a:avLst/>
@@ -394,7 +1155,7 @@
     </p:spTree>
     <p:extLst>
       <p:ext uri="{BB962C8B-B14F-4D97-AF65-F5344CB8AC3E}">
-        <p14:creationId xmlns:p14="http://schemas.microsoft.com/office/powerpoint/2010/main" val="1414566732"/>
+        <p14:creationId xmlns:p14="http://schemas.microsoft.com/office/powerpoint/2010/main" val="948792519"/>
       </p:ext>
     </p:extLst>
   </p:cSld>
@@ -437,10 +1198,9 @@
           <a:lstStyle/>
           <a:p>
             <a:r>
-              <a:rPr lang="it-IT"/>
+              <a:rPr lang="en-US"/>
               <a:t>Click to edit Master title style</a:t>
             </a:r>
-            <a:endParaRPr lang="en-US"/>
           </a:p>
         </p:txBody>
       </p:sp>
@@ -461,38 +1221,37 @@
           <a:p>
             <a:pPr lvl="0"/>
             <a:r>
-              <a:rPr lang="it-IT"/>
-              <a:t>Click to edit Master text styles</a:t>
+              <a:rPr lang="en-US"/>
+              <a:t>Edit Master text styles</a:t>
             </a:r>
           </a:p>
           <a:p>
             <a:pPr lvl="1"/>
             <a:r>
-              <a:rPr lang="it-IT"/>
+              <a:rPr lang="en-US"/>
               <a:t>Second level</a:t>
             </a:r>
           </a:p>
           <a:p>
             <a:pPr lvl="2"/>
             <a:r>
-              <a:rPr lang="it-IT"/>
+              <a:rPr lang="en-US"/>
               <a:t>Third level</a:t>
             </a:r>
           </a:p>
           <a:p>
             <a:pPr lvl="3"/>
             <a:r>
-              <a:rPr lang="it-IT"/>
+              <a:rPr lang="en-US"/>
               <a:t>Fourth level</a:t>
             </a:r>
           </a:p>
           <a:p>
             <a:pPr lvl="4"/>
             <a:r>
-              <a:rPr lang="it-IT"/>
+              <a:rPr lang="en-US"/>
               <a:t>Fifth level</a:t>
             </a:r>
-            <a:endParaRPr lang="en-US"/>
           </a:p>
         </p:txBody>
       </p:sp>
@@ -508,8 +1267,8 @@
         </p:nvSpPr>
         <p:spPr>
           <a:xfrm>
-            <a:off x="3836609" y="6362700"/>
-            <a:ext cx="4850191" cy="365125"/>
+            <a:off x="5115480" y="6362701"/>
+            <a:ext cx="6466921" cy="365125"/>
           </a:xfrm>
           <a:prstGeom prst="rect">
             <a:avLst/>
@@ -519,11 +1278,11 @@
           <a:bodyPr/>
           <a:lstStyle/>
           <a:p>
-            <a:fld id="{B0C43BE2-C3DB-1649-80AB-79CFABC9D3BB}" type="slidenum">
-              <a:rPr lang="en-US" smtClean="0"/>
+            <a:fld id="{97135A26-7131-4E45-9CE6-C5A17AF4886F}" type="slidenum">
+              <a:rPr lang="en-GB" smtClean="0"/>
               <a:t>‹#›</a:t>
             </a:fld>
-            <a:endParaRPr lang="en-US"/>
+            <a:endParaRPr lang="en-GB"/>
           </a:p>
         </p:txBody>
       </p:sp>
@@ -535,8 +1294,8 @@
         </p:nvCxnSpPr>
         <p:spPr>
           <a:xfrm flipV="1">
-            <a:off x="457200" y="1388917"/>
-            <a:ext cx="8686800" cy="2"/>
+            <a:off x="609600" y="1388917"/>
+            <a:ext cx="11582400" cy="2"/>
           </a:xfrm>
           <a:prstGeom prst="line">
             <a:avLst/>
@@ -574,7 +1333,7 @@
     </p:spTree>
     <p:extLst>
       <p:ext uri="{BB962C8B-B14F-4D97-AF65-F5344CB8AC3E}">
-        <p14:creationId xmlns:p14="http://schemas.microsoft.com/office/powerpoint/2010/main" val="3004086258"/>
+        <p14:creationId xmlns:p14="http://schemas.microsoft.com/office/powerpoint/2010/main" val="434194108"/>
       </p:ext>
     </p:extLst>
   </p:cSld>
@@ -613,8 +1372,8 @@
         </p:nvSpPr>
         <p:spPr>
           <a:xfrm>
-            <a:off x="6629400" y="274638"/>
-            <a:ext cx="2057400" cy="5851525"/>
+            <a:off x="8839200" y="274639"/>
+            <a:ext cx="2743200" cy="5851525"/>
           </a:xfrm>
         </p:spPr>
         <p:txBody>
@@ -622,10 +1381,9 @@
           <a:lstStyle/>
           <a:p>
             <a:r>
-              <a:rPr lang="it-IT"/>
+              <a:rPr lang="en-US"/>
               <a:t>Click to edit Master title style</a:t>
             </a:r>
-            <a:endParaRPr lang="en-US"/>
           </a:p>
         </p:txBody>
       </p:sp>
@@ -641,8 +1399,8 @@
         </p:nvSpPr>
         <p:spPr>
           <a:xfrm>
-            <a:off x="457200" y="274638"/>
-            <a:ext cx="6019800" cy="5851525"/>
+            <a:off x="609600" y="274639"/>
+            <a:ext cx="8026400" cy="5851525"/>
           </a:xfrm>
         </p:spPr>
         <p:txBody>
@@ -651,38 +1409,37 @@
           <a:p>
             <a:pPr lvl="0"/>
             <a:r>
-              <a:rPr lang="it-IT"/>
-              <a:t>Click to edit Master text styles</a:t>
+              <a:rPr lang="en-US"/>
+              <a:t>Edit Master text styles</a:t>
             </a:r>
           </a:p>
           <a:p>
             <a:pPr lvl="1"/>
             <a:r>
-              <a:rPr lang="it-IT"/>
+              <a:rPr lang="en-US"/>
               <a:t>Second level</a:t>
             </a:r>
           </a:p>
           <a:p>
             <a:pPr lvl="2"/>
             <a:r>
-              <a:rPr lang="it-IT"/>
+              <a:rPr lang="en-US"/>
               <a:t>Third level</a:t>
             </a:r>
           </a:p>
           <a:p>
             <a:pPr lvl="3"/>
             <a:r>
-              <a:rPr lang="it-IT"/>
+              <a:rPr lang="en-US"/>
               <a:t>Fourth level</a:t>
             </a:r>
           </a:p>
           <a:p>
             <a:pPr lvl="4"/>
             <a:r>
-              <a:rPr lang="it-IT"/>
+              <a:rPr lang="en-US"/>
               <a:t>Fifth level</a:t>
             </a:r>
-            <a:endParaRPr lang="en-US"/>
           </a:p>
         </p:txBody>
       </p:sp>
@@ -698,8 +1455,8 @@
         </p:nvSpPr>
         <p:spPr>
           <a:xfrm>
-            <a:off x="3836609" y="6362700"/>
-            <a:ext cx="4850191" cy="365125"/>
+            <a:off x="5115480" y="6362701"/>
+            <a:ext cx="6466921" cy="365125"/>
           </a:xfrm>
           <a:prstGeom prst="rect">
             <a:avLst/>
@@ -709,18 +1466,18 @@
           <a:bodyPr/>
           <a:lstStyle/>
           <a:p>
-            <a:fld id="{B0C43BE2-C3DB-1649-80AB-79CFABC9D3BB}" type="slidenum">
-              <a:rPr lang="en-US" smtClean="0"/>
+            <a:fld id="{97135A26-7131-4E45-9CE6-C5A17AF4886F}" type="slidenum">
+              <a:rPr lang="en-GB" smtClean="0"/>
               <a:t>‹#›</a:t>
             </a:fld>
-            <a:endParaRPr lang="en-US"/>
+            <a:endParaRPr lang="en-GB"/>
           </a:p>
         </p:txBody>
       </p:sp>
     </p:spTree>
     <p:extLst>
       <p:ext uri="{BB962C8B-B14F-4D97-AF65-F5344CB8AC3E}">
-        <p14:creationId xmlns:p14="http://schemas.microsoft.com/office/powerpoint/2010/main" val="2528228811"/>
+        <p14:creationId xmlns:p14="http://schemas.microsoft.com/office/powerpoint/2010/main" val="3317698787"/>
       </p:ext>
     </p:extLst>
   </p:cSld>
@@ -763,10 +1520,9 @@
           <a:lstStyle/>
           <a:p>
             <a:r>
-              <a:rPr lang="it-IT"/>
+              <a:rPr lang="en-US"/>
               <a:t>Click to edit Master title style</a:t>
             </a:r>
-            <a:endParaRPr lang="en-US"/>
           </a:p>
         </p:txBody>
       </p:sp>
@@ -787,38 +1543,37 @@
           <a:p>
             <a:pPr lvl="0"/>
             <a:r>
-              <a:rPr lang="it-IT"/>
-              <a:t>Click to edit Master text styles</a:t>
+              <a:rPr lang="en-US"/>
+              <a:t>Edit Master text styles</a:t>
             </a:r>
           </a:p>
           <a:p>
             <a:pPr lvl="1"/>
             <a:r>
-              <a:rPr lang="it-IT"/>
+              <a:rPr lang="en-US"/>
               <a:t>Second level</a:t>
             </a:r>
           </a:p>
           <a:p>
             <a:pPr lvl="2"/>
             <a:r>
-              <a:rPr lang="it-IT"/>
+              <a:rPr lang="en-US"/>
               <a:t>Third level</a:t>
             </a:r>
           </a:p>
           <a:p>
             <a:pPr lvl="3"/>
             <a:r>
-              <a:rPr lang="it-IT"/>
+              <a:rPr lang="en-US"/>
               <a:t>Fourth level</a:t>
             </a:r>
           </a:p>
           <a:p>
             <a:pPr lvl="4"/>
             <a:r>
-              <a:rPr lang="it-IT"/>
+              <a:rPr lang="en-US"/>
               <a:t>Fifth level</a:t>
             </a:r>
-            <a:endParaRPr lang="en-US"/>
           </a:p>
         </p:txBody>
       </p:sp>
@@ -834,8 +1589,8 @@
         </p:nvSpPr>
         <p:spPr>
           <a:xfrm>
-            <a:off x="3836609" y="6362700"/>
-            <a:ext cx="4850191" cy="365125"/>
+            <a:off x="5115480" y="6362701"/>
+            <a:ext cx="6466921" cy="365125"/>
           </a:xfrm>
           <a:prstGeom prst="rect">
             <a:avLst/>
@@ -845,11 +1600,11 @@
           <a:bodyPr/>
           <a:lstStyle/>
           <a:p>
-            <a:fld id="{B0C43BE2-C3DB-1649-80AB-79CFABC9D3BB}" type="slidenum">
-              <a:rPr lang="en-US" smtClean="0"/>
+            <a:fld id="{97135A26-7131-4E45-9CE6-C5A17AF4886F}" type="slidenum">
+              <a:rPr lang="en-GB" smtClean="0"/>
               <a:t>‹#›</a:t>
             </a:fld>
-            <a:endParaRPr lang="en-US"/>
+            <a:endParaRPr lang="en-GB"/>
           </a:p>
         </p:txBody>
       </p:sp>
@@ -861,8 +1616,8 @@
         </p:nvCxnSpPr>
         <p:spPr>
           <a:xfrm flipV="1">
-            <a:off x="457200" y="1388917"/>
-            <a:ext cx="8686800" cy="2"/>
+            <a:off x="609600" y="1388917"/>
+            <a:ext cx="11582400" cy="2"/>
           </a:xfrm>
           <a:prstGeom prst="line">
             <a:avLst/>
@@ -900,7 +1655,7 @@
     </p:spTree>
     <p:extLst>
       <p:ext uri="{BB962C8B-B14F-4D97-AF65-F5344CB8AC3E}">
-        <p14:creationId xmlns:p14="http://schemas.microsoft.com/office/powerpoint/2010/main" val="2295525336"/>
+        <p14:creationId xmlns:p14="http://schemas.microsoft.com/office/powerpoint/2010/main" val="149329645"/>
       </p:ext>
     </p:extLst>
   </p:cSld>
@@ -939,8 +1694,8 @@
         </p:nvSpPr>
         <p:spPr>
           <a:xfrm>
-            <a:off x="722313" y="4406900"/>
-            <a:ext cx="7772400" cy="1362075"/>
+            <a:off x="963084" y="4406901"/>
+            <a:ext cx="10363200" cy="1362075"/>
           </a:xfrm>
         </p:spPr>
         <p:txBody>
@@ -952,10 +1707,9 @@
           </a:lstStyle>
           <a:p>
             <a:r>
-              <a:rPr lang="it-IT"/>
+              <a:rPr lang="en-US"/>
               <a:t>Click to edit Master title style</a:t>
             </a:r>
-            <a:endParaRPr lang="en-US"/>
           </a:p>
         </p:txBody>
       </p:sp>
@@ -971,8 +1725,8 @@
         </p:nvSpPr>
         <p:spPr>
           <a:xfrm>
-            <a:off x="722313" y="2906713"/>
-            <a:ext cx="7772400" cy="1500187"/>
+            <a:off x="963084" y="2906713"/>
+            <a:ext cx="10363200" cy="1500187"/>
           </a:xfrm>
         </p:spPr>
         <p:txBody>
@@ -1072,8 +1826,8 @@
           <a:p>
             <a:pPr lvl="0"/>
             <a:r>
-              <a:rPr lang="it-IT"/>
-              <a:t>Click to edit Master text styles</a:t>
+              <a:rPr lang="en-US"/>
+              <a:t>Edit Master text styles</a:t>
             </a:r>
           </a:p>
         </p:txBody>
@@ -1090,8 +1844,8 @@
         </p:nvSpPr>
         <p:spPr>
           <a:xfrm>
-            <a:off x="3836609" y="6362700"/>
-            <a:ext cx="4850191" cy="365125"/>
+            <a:off x="5115480" y="6362701"/>
+            <a:ext cx="6466921" cy="365125"/>
           </a:xfrm>
           <a:prstGeom prst="rect">
             <a:avLst/>
@@ -1101,11 +1855,11 @@
           <a:bodyPr/>
           <a:lstStyle/>
           <a:p>
-            <a:fld id="{B0C43BE2-C3DB-1649-80AB-79CFABC9D3BB}" type="slidenum">
-              <a:rPr lang="en-US" smtClean="0"/>
+            <a:fld id="{97135A26-7131-4E45-9CE6-C5A17AF4886F}" type="slidenum">
+              <a:rPr lang="en-GB" smtClean="0"/>
               <a:t>‹#›</a:t>
             </a:fld>
-            <a:endParaRPr lang="en-US"/>
+            <a:endParaRPr lang="en-GB"/>
           </a:p>
         </p:txBody>
       </p:sp>
@@ -1117,8 +1871,8 @@
         </p:nvCxnSpPr>
         <p:spPr>
           <a:xfrm flipV="1">
-            <a:off x="722313" y="4406900"/>
-            <a:ext cx="8421687" cy="2"/>
+            <a:off x="963085" y="4406900"/>
+            <a:ext cx="11228916" cy="2"/>
           </a:xfrm>
           <a:prstGeom prst="line">
             <a:avLst/>
@@ -1156,7 +1910,7 @@
     </p:spTree>
     <p:extLst>
       <p:ext uri="{BB962C8B-B14F-4D97-AF65-F5344CB8AC3E}">
-        <p14:creationId xmlns:p14="http://schemas.microsoft.com/office/powerpoint/2010/main" val="1606505602"/>
+        <p14:creationId xmlns:p14="http://schemas.microsoft.com/office/powerpoint/2010/main" val="3581945689"/>
       </p:ext>
     </p:extLst>
   </p:cSld>
@@ -1199,10 +1953,9 @@
           <a:lstStyle/>
           <a:p>
             <a:r>
-              <a:rPr lang="it-IT"/>
+              <a:rPr lang="en-US"/>
               <a:t>Click to edit Master title style</a:t>
             </a:r>
-            <a:endParaRPr lang="en-US"/>
           </a:p>
         </p:txBody>
       </p:sp>
@@ -1218,8 +1971,8 @@
         </p:nvSpPr>
         <p:spPr>
           <a:xfrm>
-            <a:off x="457200" y="1600200"/>
-            <a:ext cx="4038600" cy="4525963"/>
+            <a:off x="609600" y="1600201"/>
+            <a:ext cx="5384800" cy="4525963"/>
           </a:xfrm>
         </p:spPr>
         <p:txBody>
@@ -1256,38 +2009,37 @@
           <a:p>
             <a:pPr lvl="0"/>
             <a:r>
-              <a:rPr lang="it-IT"/>
-              <a:t>Click to edit Master text styles</a:t>
+              <a:rPr lang="en-US"/>
+              <a:t>Edit Master text styles</a:t>
             </a:r>
           </a:p>
           <a:p>
             <a:pPr lvl="1"/>
             <a:r>
-              <a:rPr lang="it-IT"/>
+              <a:rPr lang="en-US"/>
               <a:t>Second level</a:t>
             </a:r>
           </a:p>
           <a:p>
             <a:pPr lvl="2"/>
             <a:r>
-              <a:rPr lang="it-IT"/>
+              <a:rPr lang="en-US"/>
               <a:t>Third level</a:t>
             </a:r>
           </a:p>
           <a:p>
             <a:pPr lvl="3"/>
             <a:r>
-              <a:rPr lang="it-IT"/>
+              <a:rPr lang="en-US"/>
               <a:t>Fourth level</a:t>
             </a:r>
           </a:p>
           <a:p>
             <a:pPr lvl="4"/>
             <a:r>
-              <a:rPr lang="it-IT"/>
+              <a:rPr lang="en-US"/>
               <a:t>Fifth level</a:t>
             </a:r>
-            <a:endParaRPr lang="en-US"/>
           </a:p>
         </p:txBody>
       </p:sp>
@@ -1303,8 +2055,8 @@
         </p:nvSpPr>
         <p:spPr>
           <a:xfrm>
-            <a:off x="4648200" y="1600200"/>
-            <a:ext cx="4038600" cy="4525963"/>
+            <a:off x="6197600" y="1600201"/>
+            <a:ext cx="5384800" cy="4525963"/>
           </a:xfrm>
         </p:spPr>
         <p:txBody>
@@ -1341,38 +2093,37 @@
           <a:p>
             <a:pPr lvl="0"/>
             <a:r>
-              <a:rPr lang="it-IT"/>
-              <a:t>Click to edit Master text styles</a:t>
+              <a:rPr lang="en-US"/>
+              <a:t>Edit Master text styles</a:t>
             </a:r>
           </a:p>
           <a:p>
             <a:pPr lvl="1"/>
             <a:r>
-              <a:rPr lang="it-IT"/>
+              <a:rPr lang="en-US"/>
               <a:t>Second level</a:t>
             </a:r>
           </a:p>
           <a:p>
             <a:pPr lvl="2"/>
             <a:r>
-              <a:rPr lang="it-IT"/>
+              <a:rPr lang="en-US"/>
               <a:t>Third level</a:t>
             </a:r>
           </a:p>
           <a:p>
             <a:pPr lvl="3"/>
             <a:r>
-              <a:rPr lang="it-IT"/>
+              <a:rPr lang="en-US"/>
               <a:t>Fourth level</a:t>
             </a:r>
           </a:p>
           <a:p>
             <a:pPr lvl="4"/>
             <a:r>
-              <a:rPr lang="it-IT"/>
+              <a:rPr lang="en-US"/>
               <a:t>Fifth level</a:t>
             </a:r>
-            <a:endParaRPr lang="en-US"/>
           </a:p>
         </p:txBody>
       </p:sp>
@@ -1388,8 +2139,8 @@
         </p:nvSpPr>
         <p:spPr>
           <a:xfrm>
-            <a:off x="3836609" y="6362700"/>
-            <a:ext cx="4850191" cy="365125"/>
+            <a:off x="5115480" y="6362701"/>
+            <a:ext cx="6466921" cy="365125"/>
           </a:xfrm>
           <a:prstGeom prst="rect">
             <a:avLst/>
@@ -1399,11 +2150,11 @@
           <a:bodyPr/>
           <a:lstStyle/>
           <a:p>
-            <a:fld id="{B0C43BE2-C3DB-1649-80AB-79CFABC9D3BB}" type="slidenum">
-              <a:rPr lang="en-US" smtClean="0"/>
+            <a:fld id="{97135A26-7131-4E45-9CE6-C5A17AF4886F}" type="slidenum">
+              <a:rPr lang="en-GB" smtClean="0"/>
               <a:t>‹#›</a:t>
             </a:fld>
-            <a:endParaRPr lang="en-US"/>
+            <a:endParaRPr lang="en-GB"/>
           </a:p>
         </p:txBody>
       </p:sp>
@@ -1415,8 +2166,8 @@
         </p:nvCxnSpPr>
         <p:spPr>
           <a:xfrm flipV="1">
-            <a:off x="457200" y="1388917"/>
-            <a:ext cx="8686800" cy="2"/>
+            <a:off x="609600" y="1388917"/>
+            <a:ext cx="11582400" cy="2"/>
           </a:xfrm>
           <a:prstGeom prst="line">
             <a:avLst/>
@@ -1454,7 +2205,7 @@
     </p:spTree>
     <p:extLst>
       <p:ext uri="{BB962C8B-B14F-4D97-AF65-F5344CB8AC3E}">
-        <p14:creationId xmlns:p14="http://schemas.microsoft.com/office/powerpoint/2010/main" val="1368979457"/>
+        <p14:creationId xmlns:p14="http://schemas.microsoft.com/office/powerpoint/2010/main" val="428189418"/>
       </p:ext>
     </p:extLst>
   </p:cSld>
@@ -1501,10 +2252,9 @@
           </a:lstStyle>
           <a:p>
             <a:r>
-              <a:rPr lang="it-IT"/>
+              <a:rPr lang="en-US"/>
               <a:t>Click to edit Master title style</a:t>
             </a:r>
-            <a:endParaRPr lang="en-US"/>
           </a:p>
         </p:txBody>
       </p:sp>
@@ -1520,8 +2270,8 @@
         </p:nvSpPr>
         <p:spPr>
           <a:xfrm>
-            <a:off x="457200" y="1535113"/>
-            <a:ext cx="4040188" cy="639762"/>
+            <a:off x="609600" y="1535113"/>
+            <a:ext cx="5386917" cy="639762"/>
           </a:xfrm>
         </p:spPr>
         <p:txBody>
@@ -1567,8 +2317,8 @@
           <a:p>
             <a:pPr lvl="0"/>
             <a:r>
-              <a:rPr lang="it-IT"/>
-              <a:t>Click to edit Master text styles</a:t>
+              <a:rPr lang="en-US"/>
+              <a:t>Edit Master text styles</a:t>
             </a:r>
           </a:p>
         </p:txBody>
@@ -1585,8 +2335,8 @@
         </p:nvSpPr>
         <p:spPr>
           <a:xfrm>
-            <a:off x="457200" y="2174875"/>
-            <a:ext cx="4040188" cy="3951288"/>
+            <a:off x="609600" y="2174875"/>
+            <a:ext cx="5386917" cy="3951288"/>
           </a:xfrm>
         </p:spPr>
         <p:txBody>
@@ -1623,38 +2373,37 @@
           <a:p>
             <a:pPr lvl="0"/>
             <a:r>
-              <a:rPr lang="it-IT"/>
-              <a:t>Click to edit Master text styles</a:t>
+              <a:rPr lang="en-US"/>
+              <a:t>Edit Master text styles</a:t>
             </a:r>
           </a:p>
           <a:p>
             <a:pPr lvl="1"/>
             <a:r>
-              <a:rPr lang="it-IT"/>
+              <a:rPr lang="en-US"/>
               <a:t>Second level</a:t>
             </a:r>
           </a:p>
           <a:p>
             <a:pPr lvl="2"/>
             <a:r>
-              <a:rPr lang="it-IT"/>
+              <a:rPr lang="en-US"/>
               <a:t>Third level</a:t>
             </a:r>
           </a:p>
           <a:p>
             <a:pPr lvl="3"/>
             <a:r>
-              <a:rPr lang="it-IT"/>
+              <a:rPr lang="en-US"/>
               <a:t>Fourth level</a:t>
             </a:r>
           </a:p>
           <a:p>
             <a:pPr lvl="4"/>
             <a:r>
-              <a:rPr lang="it-IT"/>
+              <a:rPr lang="en-US"/>
               <a:t>Fifth level</a:t>
             </a:r>
-            <a:endParaRPr lang="en-US"/>
           </a:p>
         </p:txBody>
       </p:sp>
@@ -1670,8 +2419,8 @@
         </p:nvSpPr>
         <p:spPr>
           <a:xfrm>
-            <a:off x="4645025" y="1535113"/>
-            <a:ext cx="4041775" cy="639762"/>
+            <a:off x="6193368" y="1535113"/>
+            <a:ext cx="5389033" cy="639762"/>
           </a:xfrm>
         </p:spPr>
         <p:txBody>
@@ -1717,8 +2466,8 @@
           <a:p>
             <a:pPr lvl="0"/>
             <a:r>
-              <a:rPr lang="it-IT"/>
-              <a:t>Click to edit Master text styles</a:t>
+              <a:rPr lang="en-US"/>
+              <a:t>Edit Master text styles</a:t>
             </a:r>
           </a:p>
         </p:txBody>
@@ -1735,8 +2484,8 @@
         </p:nvSpPr>
         <p:spPr>
           <a:xfrm>
-            <a:off x="4645025" y="2174875"/>
-            <a:ext cx="4041775" cy="3951288"/>
+            <a:off x="6193368" y="2174875"/>
+            <a:ext cx="5389033" cy="3951288"/>
           </a:xfrm>
         </p:spPr>
         <p:txBody>
@@ -1773,38 +2522,37 @@
           <a:p>
             <a:pPr lvl="0"/>
             <a:r>
-              <a:rPr lang="it-IT"/>
-              <a:t>Click to edit Master text styles</a:t>
+              <a:rPr lang="en-US"/>
+              <a:t>Edit Master text styles</a:t>
             </a:r>
           </a:p>
           <a:p>
             <a:pPr lvl="1"/>
             <a:r>
-              <a:rPr lang="it-IT"/>
+              <a:rPr lang="en-US"/>
               <a:t>Second level</a:t>
             </a:r>
           </a:p>
           <a:p>
             <a:pPr lvl="2"/>
             <a:r>
-              <a:rPr lang="it-IT"/>
+              <a:rPr lang="en-US"/>
               <a:t>Third level</a:t>
             </a:r>
           </a:p>
           <a:p>
             <a:pPr lvl="3"/>
             <a:r>
-              <a:rPr lang="it-IT"/>
+              <a:rPr lang="en-US"/>
               <a:t>Fourth level</a:t>
             </a:r>
           </a:p>
           <a:p>
             <a:pPr lvl="4"/>
             <a:r>
-              <a:rPr lang="it-IT"/>
+              <a:rPr lang="en-US"/>
               <a:t>Fifth level</a:t>
             </a:r>
-            <a:endParaRPr lang="en-US"/>
           </a:p>
         </p:txBody>
       </p:sp>
@@ -1820,8 +2568,8 @@
         </p:nvSpPr>
         <p:spPr>
           <a:xfrm>
-            <a:off x="3836609" y="6362700"/>
-            <a:ext cx="4850191" cy="365125"/>
+            <a:off x="5115480" y="6362701"/>
+            <a:ext cx="6466921" cy="365125"/>
           </a:xfrm>
           <a:prstGeom prst="rect">
             <a:avLst/>
@@ -1831,11 +2579,11 @@
           <a:bodyPr/>
           <a:lstStyle/>
           <a:p>
-            <a:fld id="{B0C43BE2-C3DB-1649-80AB-79CFABC9D3BB}" type="slidenum">
-              <a:rPr lang="en-US" smtClean="0"/>
+            <a:fld id="{97135A26-7131-4E45-9CE6-C5A17AF4886F}" type="slidenum">
+              <a:rPr lang="en-GB" smtClean="0"/>
               <a:t>‹#›</a:t>
             </a:fld>
-            <a:endParaRPr lang="en-US"/>
+            <a:endParaRPr lang="en-GB"/>
           </a:p>
         </p:txBody>
       </p:sp>
@@ -1847,8 +2595,8 @@
         </p:nvCxnSpPr>
         <p:spPr>
           <a:xfrm flipV="1">
-            <a:off x="457200" y="1388917"/>
-            <a:ext cx="8686800" cy="2"/>
+            <a:off x="609600" y="1388917"/>
+            <a:ext cx="11582400" cy="2"/>
           </a:xfrm>
           <a:prstGeom prst="line">
             <a:avLst/>
@@ -1886,7 +2634,7 @@
     </p:spTree>
     <p:extLst>
       <p:ext uri="{BB962C8B-B14F-4D97-AF65-F5344CB8AC3E}">
-        <p14:creationId xmlns:p14="http://schemas.microsoft.com/office/powerpoint/2010/main" val="826361269"/>
+        <p14:creationId xmlns:p14="http://schemas.microsoft.com/office/powerpoint/2010/main" val="1039173668"/>
       </p:ext>
     </p:extLst>
   </p:cSld>
@@ -1929,10 +2677,9 @@
           <a:lstStyle/>
           <a:p>
             <a:r>
-              <a:rPr lang="it-IT"/>
+              <a:rPr lang="en-US"/>
               <a:t>Click to edit Master title style</a:t>
             </a:r>
-            <a:endParaRPr lang="en-US"/>
           </a:p>
         </p:txBody>
       </p:sp>
@@ -1948,8 +2695,8 @@
         </p:nvSpPr>
         <p:spPr>
           <a:xfrm>
-            <a:off x="3836609" y="6362700"/>
-            <a:ext cx="4850191" cy="365125"/>
+            <a:off x="5115480" y="6362701"/>
+            <a:ext cx="6466921" cy="365125"/>
           </a:xfrm>
           <a:prstGeom prst="rect">
             <a:avLst/>
@@ -1959,11 +2706,11 @@
           <a:bodyPr/>
           <a:lstStyle/>
           <a:p>
-            <a:fld id="{B0C43BE2-C3DB-1649-80AB-79CFABC9D3BB}" type="slidenum">
-              <a:rPr lang="en-US" smtClean="0"/>
+            <a:fld id="{97135A26-7131-4E45-9CE6-C5A17AF4886F}" type="slidenum">
+              <a:rPr lang="en-GB" smtClean="0"/>
               <a:t>‹#›</a:t>
             </a:fld>
-            <a:endParaRPr lang="en-US"/>
+            <a:endParaRPr lang="en-GB"/>
           </a:p>
         </p:txBody>
       </p:sp>
@@ -1975,8 +2722,8 @@
         </p:nvCxnSpPr>
         <p:spPr>
           <a:xfrm flipV="1">
-            <a:off x="457200" y="1388917"/>
-            <a:ext cx="8686800" cy="2"/>
+            <a:off x="609600" y="1388917"/>
+            <a:ext cx="11582400" cy="2"/>
           </a:xfrm>
           <a:prstGeom prst="line">
             <a:avLst/>
@@ -2014,7 +2761,7 @@
     </p:spTree>
     <p:extLst>
       <p:ext uri="{BB962C8B-B14F-4D97-AF65-F5344CB8AC3E}">
-        <p14:creationId xmlns:p14="http://schemas.microsoft.com/office/powerpoint/2010/main" val="3754717069"/>
+        <p14:creationId xmlns:p14="http://schemas.microsoft.com/office/powerpoint/2010/main" val="430759592"/>
       </p:ext>
     </p:extLst>
   </p:cSld>
@@ -2053,8 +2800,8 @@
         </p:nvSpPr>
         <p:spPr>
           <a:xfrm>
-            <a:off x="3836609" y="6362700"/>
-            <a:ext cx="4850191" cy="365125"/>
+            <a:off x="5115480" y="6362701"/>
+            <a:ext cx="6466921" cy="365125"/>
           </a:xfrm>
           <a:prstGeom prst="rect">
             <a:avLst/>
@@ -2064,18 +2811,18 @@
           <a:bodyPr/>
           <a:lstStyle/>
           <a:p>
-            <a:fld id="{B0C43BE2-C3DB-1649-80AB-79CFABC9D3BB}" type="slidenum">
-              <a:rPr lang="en-US" smtClean="0"/>
+            <a:fld id="{97135A26-7131-4E45-9CE6-C5A17AF4886F}" type="slidenum">
+              <a:rPr lang="en-GB" smtClean="0"/>
               <a:t>‹#›</a:t>
             </a:fld>
-            <a:endParaRPr lang="en-US"/>
+            <a:endParaRPr lang="en-GB"/>
           </a:p>
         </p:txBody>
       </p:sp>
     </p:spTree>
     <p:extLst>
       <p:ext uri="{BB962C8B-B14F-4D97-AF65-F5344CB8AC3E}">
-        <p14:creationId xmlns:p14="http://schemas.microsoft.com/office/powerpoint/2010/main" val="1807065275"/>
+        <p14:creationId xmlns:p14="http://schemas.microsoft.com/office/powerpoint/2010/main" val="4238051842"/>
       </p:ext>
     </p:extLst>
   </p:cSld>
@@ -2114,8 +2861,8 @@
         </p:nvSpPr>
         <p:spPr>
           <a:xfrm>
-            <a:off x="457200" y="273050"/>
-            <a:ext cx="3008313" cy="1162050"/>
+            <a:off x="609601" y="273050"/>
+            <a:ext cx="4011084" cy="1162050"/>
           </a:xfrm>
         </p:spPr>
         <p:txBody>
@@ -2127,10 +2874,9 @@
           </a:lstStyle>
           <a:p>
             <a:r>
-              <a:rPr lang="it-IT"/>
+              <a:rPr lang="en-US"/>
               <a:t>Click to edit Master title style</a:t>
             </a:r>
-            <a:endParaRPr lang="en-US"/>
           </a:p>
         </p:txBody>
       </p:sp>
@@ -2146,8 +2892,8 @@
         </p:nvSpPr>
         <p:spPr>
           <a:xfrm>
-            <a:off x="3575050" y="273050"/>
-            <a:ext cx="5111750" cy="5853113"/>
+            <a:off x="4766733" y="273051"/>
+            <a:ext cx="6815667" cy="5853113"/>
           </a:xfrm>
         </p:spPr>
         <p:txBody>
@@ -2184,38 +2930,37 @@
           <a:p>
             <a:pPr lvl="0"/>
             <a:r>
-              <a:rPr lang="it-IT"/>
-              <a:t>Click to edit Master text styles</a:t>
+              <a:rPr lang="en-US"/>
+              <a:t>Edit Master text styles</a:t>
             </a:r>
           </a:p>
           <a:p>
             <a:pPr lvl="1"/>
             <a:r>
-              <a:rPr lang="it-IT"/>
+              <a:rPr lang="en-US"/>
               <a:t>Second level</a:t>
             </a:r>
           </a:p>
           <a:p>
             <a:pPr lvl="2"/>
             <a:r>
-              <a:rPr lang="it-IT"/>
+              <a:rPr lang="en-US"/>
               <a:t>Third level</a:t>
             </a:r>
           </a:p>
           <a:p>
             <a:pPr lvl="3"/>
             <a:r>
-              <a:rPr lang="it-IT"/>
+              <a:rPr lang="en-US"/>
               <a:t>Fourth level</a:t>
             </a:r>
           </a:p>
           <a:p>
             <a:pPr lvl="4"/>
             <a:r>
-              <a:rPr lang="it-IT"/>
+              <a:rPr lang="en-US"/>
               <a:t>Fifth level</a:t>
             </a:r>
-            <a:endParaRPr lang="en-US"/>
           </a:p>
         </p:txBody>
       </p:sp>
@@ -2231,8 +2976,8 @@
         </p:nvSpPr>
         <p:spPr>
           <a:xfrm>
-            <a:off x="457200" y="1435100"/>
-            <a:ext cx="3008313" cy="4691063"/>
+            <a:off x="609601" y="1435101"/>
+            <a:ext cx="4011084" cy="4691063"/>
           </a:xfrm>
         </p:spPr>
         <p:txBody>
@@ -2278,8 +3023,8 @@
           <a:p>
             <a:pPr lvl="0"/>
             <a:r>
-              <a:rPr lang="it-IT"/>
-              <a:t>Click to edit Master text styles</a:t>
+              <a:rPr lang="en-US"/>
+              <a:t>Edit Master text styles</a:t>
             </a:r>
           </a:p>
         </p:txBody>
@@ -2296,8 +3041,8 @@
         </p:nvSpPr>
         <p:spPr>
           <a:xfrm>
-            <a:off x="3836609" y="6362700"/>
-            <a:ext cx="4850191" cy="365125"/>
+            <a:off x="5115480" y="6362701"/>
+            <a:ext cx="6466921" cy="365125"/>
           </a:xfrm>
           <a:prstGeom prst="rect">
             <a:avLst/>
@@ -2307,18 +3052,18 @@
           <a:bodyPr/>
           <a:lstStyle/>
           <a:p>
-            <a:fld id="{B0C43BE2-C3DB-1649-80AB-79CFABC9D3BB}" type="slidenum">
-              <a:rPr lang="en-US" smtClean="0"/>
+            <a:fld id="{97135A26-7131-4E45-9CE6-C5A17AF4886F}" type="slidenum">
+              <a:rPr lang="en-GB" smtClean="0"/>
               <a:t>‹#›</a:t>
             </a:fld>
-            <a:endParaRPr lang="en-US"/>
+            <a:endParaRPr lang="en-GB"/>
           </a:p>
         </p:txBody>
       </p:sp>
     </p:spTree>
     <p:extLst>
       <p:ext uri="{BB962C8B-B14F-4D97-AF65-F5344CB8AC3E}">
-        <p14:creationId xmlns:p14="http://schemas.microsoft.com/office/powerpoint/2010/main" val="3721473086"/>
+        <p14:creationId xmlns:p14="http://schemas.microsoft.com/office/powerpoint/2010/main" val="3093520722"/>
       </p:ext>
     </p:extLst>
   </p:cSld>
@@ -2357,8 +3102,8 @@
         </p:nvSpPr>
         <p:spPr>
           <a:xfrm>
-            <a:off x="1792288" y="4800600"/>
-            <a:ext cx="5486400" cy="566738"/>
+            <a:off x="2389717" y="4800600"/>
+            <a:ext cx="7315200" cy="566738"/>
           </a:xfrm>
         </p:spPr>
         <p:txBody>
@@ -2370,10 +3115,9 @@
           </a:lstStyle>
           <a:p>
             <a:r>
-              <a:rPr lang="it-IT"/>
+              <a:rPr lang="en-US"/>
               <a:t>Click to edit Master title style</a:t>
             </a:r>
-            <a:endParaRPr lang="en-US"/>
           </a:p>
         </p:txBody>
       </p:sp>
@@ -2389,8 +3133,8 @@
         </p:nvSpPr>
         <p:spPr>
           <a:xfrm>
-            <a:off x="1792288" y="612775"/>
-            <a:ext cx="5486400" cy="4114800"/>
+            <a:off x="2389717" y="612775"/>
+            <a:ext cx="7315200" cy="4114800"/>
           </a:xfrm>
         </p:spPr>
         <p:txBody>
@@ -2435,10 +3179,9 @@
           </a:lstStyle>
           <a:p>
             <a:r>
-              <a:rPr lang="it-IT"/>
-              <a:t>Drag picture to placeholder or click icon to add</a:t>
-            </a:r>
-            <a:endParaRPr lang="en-US"/>
+              <a:rPr lang="en-US"/>
+              <a:t>Click icon to add picture</a:t>
+            </a:r>
           </a:p>
         </p:txBody>
       </p:sp>
@@ -2454,8 +3197,8 @@
         </p:nvSpPr>
         <p:spPr>
           <a:xfrm>
-            <a:off x="1792288" y="5367338"/>
-            <a:ext cx="5486400" cy="804862"/>
+            <a:off x="2389717" y="5367338"/>
+            <a:ext cx="7315200" cy="804862"/>
           </a:xfrm>
         </p:spPr>
         <p:txBody>
@@ -2501,8 +3244,8 @@
           <a:p>
             <a:pPr lvl="0"/>
             <a:r>
-              <a:rPr lang="it-IT"/>
-              <a:t>Click to edit Master text styles</a:t>
+              <a:rPr lang="en-US"/>
+              <a:t>Edit Master text styles</a:t>
             </a:r>
           </a:p>
         </p:txBody>
@@ -2519,8 +3262,8 @@
         </p:nvSpPr>
         <p:spPr>
           <a:xfrm>
-            <a:off x="3836609" y="6362700"/>
-            <a:ext cx="4850191" cy="365125"/>
+            <a:off x="5115480" y="6362701"/>
+            <a:ext cx="6466921" cy="365125"/>
           </a:xfrm>
           <a:prstGeom prst="rect">
             <a:avLst/>
@@ -2530,11 +3273,11 @@
           <a:bodyPr/>
           <a:lstStyle/>
           <a:p>
-            <a:fld id="{B0C43BE2-C3DB-1649-80AB-79CFABC9D3BB}" type="slidenum">
-              <a:rPr lang="en-US" smtClean="0"/>
+            <a:fld id="{97135A26-7131-4E45-9CE6-C5A17AF4886F}" type="slidenum">
+              <a:rPr lang="en-GB" smtClean="0"/>
               <a:t>‹#›</a:t>
             </a:fld>
-            <a:endParaRPr lang="en-US"/>
+            <a:endParaRPr lang="en-GB"/>
           </a:p>
         </p:txBody>
       </p:sp>
@@ -2546,8 +3289,8 @@
         </p:nvCxnSpPr>
         <p:spPr>
           <a:xfrm flipV="1">
-            <a:off x="457200" y="4752218"/>
-            <a:ext cx="8686800" cy="2"/>
+            <a:off x="609600" y="4752218"/>
+            <a:ext cx="11582400" cy="2"/>
           </a:xfrm>
           <a:prstGeom prst="line">
             <a:avLst/>
@@ -2585,7 +3328,7 @@
     </p:spTree>
     <p:extLst>
       <p:ext uri="{BB962C8B-B14F-4D97-AF65-F5344CB8AC3E}">
-        <p14:creationId xmlns:p14="http://schemas.microsoft.com/office/powerpoint/2010/main" val="1990657624"/>
+        <p14:creationId xmlns:p14="http://schemas.microsoft.com/office/powerpoint/2010/main" val="852211871"/>
       </p:ext>
     </p:extLst>
   </p:cSld>
@@ -2629,8 +3372,8 @@
         </p:nvSpPr>
         <p:spPr>
           <a:xfrm>
-            <a:off x="457200" y="274638"/>
-            <a:ext cx="8229600" cy="1143000"/>
+            <a:off x="609600" y="274638"/>
+            <a:ext cx="10972800" cy="1143000"/>
           </a:xfrm>
           <a:prstGeom prst="rect">
             <a:avLst/>
@@ -2643,7 +3386,7 @@
           <a:lstStyle/>
           <a:p>
             <a:r>
-              <a:rPr lang="it-IT"/>
+              <a:rPr lang="en-US"/>
               <a:t>Click to edit Master title style</a:t>
             </a:r>
             <a:endParaRPr lang="en-US" dirty="0"/>
@@ -2662,8 +3405,8 @@
         </p:nvSpPr>
         <p:spPr>
           <a:xfrm>
-            <a:off x="457200" y="1600200"/>
-            <a:ext cx="8229600" cy="4525963"/>
+            <a:off x="609600" y="1600201"/>
+            <a:ext cx="10972800" cy="4525963"/>
           </a:xfrm>
           <a:prstGeom prst="rect">
             <a:avLst/>
@@ -2677,35 +3420,35 @@
           <a:p>
             <a:pPr lvl="0"/>
             <a:r>
-              <a:rPr lang="it-IT"/>
-              <a:t>Click to edit Master text styles</a:t>
+              <a:rPr lang="en-US"/>
+              <a:t>Edit Master text styles</a:t>
             </a:r>
           </a:p>
           <a:p>
             <a:pPr lvl="1"/>
             <a:r>
-              <a:rPr lang="it-IT"/>
+              <a:rPr lang="en-US"/>
               <a:t>Second level</a:t>
             </a:r>
           </a:p>
           <a:p>
             <a:pPr lvl="2"/>
             <a:r>
-              <a:rPr lang="it-IT"/>
+              <a:rPr lang="en-US"/>
               <a:t>Third level</a:t>
             </a:r>
           </a:p>
           <a:p>
             <a:pPr lvl="3"/>
             <a:r>
-              <a:rPr lang="it-IT"/>
+              <a:rPr lang="en-US"/>
               <a:t>Fourth level</a:t>
             </a:r>
           </a:p>
           <a:p>
             <a:pPr lvl="4"/>
             <a:r>
-              <a:rPr lang="it-IT"/>
+              <a:rPr lang="en-US"/>
               <a:t>Fifth level</a:t>
             </a:r>
             <a:endParaRPr lang="en-US" dirty="0"/>
@@ -2724,8 +3467,8 @@
         </p:nvSpPr>
         <p:spPr>
           <a:xfrm>
-            <a:off x="3836609" y="6362700"/>
-            <a:ext cx="4850191" cy="365125"/>
+            <a:off x="5115480" y="6362701"/>
+            <a:ext cx="6466921" cy="365125"/>
           </a:xfrm>
           <a:prstGeom prst="rect">
             <a:avLst/>
@@ -2739,11 +3482,11 @@
             </a:lvl1pPr>
           </a:lstStyle>
           <a:p>
-            <a:fld id="{B0C43BE2-C3DB-1649-80AB-79CFABC9D3BB}" type="slidenum">
-              <a:rPr lang="en-US" smtClean="0"/>
+            <a:fld id="{97135A26-7131-4E45-9CE6-C5A17AF4886F}" type="slidenum">
+              <a:rPr lang="en-GB" smtClean="0"/>
               <a:t>‹#›</a:t>
             </a:fld>
-            <a:endParaRPr lang="en-US"/>
+            <a:endParaRPr lang="en-GB"/>
           </a:p>
         </p:txBody>
       </p:sp>
@@ -2769,8 +3512,8 @@
         </p:blipFill>
         <p:spPr>
           <a:xfrm>
-            <a:off x="24190" y="5829300"/>
-            <a:ext cx="1689100" cy="1066800"/>
+            <a:off x="32254" y="5829300"/>
+            <a:ext cx="2252133" cy="1066800"/>
           </a:xfrm>
           <a:prstGeom prst="rect">
             <a:avLst/>
@@ -2780,7 +3523,7 @@
     </p:spTree>
     <p:extLst>
       <p:ext uri="{BB962C8B-B14F-4D97-AF65-F5344CB8AC3E}">
-        <p14:creationId xmlns:p14="http://schemas.microsoft.com/office/powerpoint/2010/main" val="1745424456"/>
+        <p14:creationId xmlns:p14="http://schemas.microsoft.com/office/powerpoint/2010/main" val="2798781897"/>
       </p:ext>
     </p:extLst>
   </p:cSld>
@@ -3103,7 +3846,7 @@
         </p:nvSpPr>
         <p:spPr>
           <a:xfrm>
-            <a:off x="1371600" y="3886200"/>
+            <a:off x="2895600" y="3886200"/>
             <a:ext cx="6400800" cy="1752600"/>
           </a:xfrm>
         </p:spPr>
@@ -3151,7 +3894,7 @@
     </p:spTree>
     <p:extLst>
       <p:ext uri="{BB962C8B-B14F-4D97-AF65-F5344CB8AC3E}">
-        <p14:creationId xmlns:p14="http://schemas.microsoft.com/office/powerpoint/2010/main" val="3439994379"/>
+        <p14:creationId xmlns:p14="http://schemas.microsoft.com/office/powerpoint/2010/main" val="4021683099"/>
       </p:ext>
     </p:extLst>
   </p:cSld>
@@ -3204,7 +3947,13 @@
       </p:sp>
       <p:sp>
         <p:nvSpPr>
-          <p:cNvPr id="3" name="Content Placeholder 2"/>
+          <p:cNvPr id="5" name="Content Placeholder 4">
+            <a:extLst>
+              <a:ext uri="{FF2B5EF4-FFF2-40B4-BE49-F238E27FC236}">
+                <a16:creationId xmlns:a16="http://schemas.microsoft.com/office/drawing/2014/main" id="{9E1E64AD-60D4-7D4E-8E44-23EB3F542C89}"/>
+              </a:ext>
+            </a:extLst>
+          </p:cNvPr>
           <p:cNvSpPr>
             <a:spLocks noGrp="1"/>
           </p:cNvSpPr>
@@ -3212,15 +3961,10 @@
             <p:ph idx="1"/>
           </p:nvPr>
         </p:nvSpPr>
-        <p:spPr>
-          <a:xfrm>
-            <a:off x="493485" y="1624390"/>
-            <a:ext cx="8229600" cy="4525963"/>
-          </a:xfrm>
-        </p:spPr>
+        <p:spPr/>
         <p:txBody>
           <a:bodyPr>
-            <a:normAutofit fontScale="85000" lnSpcReduction="20000"/>
+            <a:normAutofit fontScale="47500" lnSpcReduction="20000"/>
           </a:bodyPr>
           <a:lstStyle/>
           <a:p>
@@ -3228,32 +3972,18 @@
               <a:buNone/>
             </a:pPr>
             <a:r>
-              <a:rPr lang="en-US" sz="2000" dirty="0">
-                <a:latin typeface="Consolas"/>
-                <a:cs typeface="Consolas"/>
-              </a:rPr>
-              <a:t>Shop&lt;Fruit&gt; </a:t>
-            </a:r>
-            <a:r>
-              <a:rPr lang="en-US" sz="2000" dirty="0" err="1">
-                <a:latin typeface="Consolas"/>
-                <a:cs typeface="Consolas"/>
-              </a:rPr>
-              <a:t>fruitShop</a:t>
-            </a:r>
-            <a:r>
-              <a:rPr lang="en-US" sz="2000" dirty="0">
-                <a:latin typeface="Consolas"/>
-                <a:cs typeface="Consolas"/>
-              </a:rPr>
-              <a:t> = new Shop&lt;Fruit&gt;;</a:t>
-            </a:r>
-          </a:p>
-          <a:p>
-            <a:pPr marL="0" indent="0">
-              <a:buNone/>
-            </a:pPr>
-            <a:endParaRPr lang="en-US" sz="2000" dirty="0">
+              <a:rPr lang="en-US" dirty="0">
+                <a:latin typeface="Consolas"/>
+                <a:cs typeface="Consolas"/>
+              </a:rPr>
+              <a:t>Shop&lt;Fruit&gt; fs = new Shop&lt;Fruit&gt;;</a:t>
+            </a:r>
+          </a:p>
+          <a:p>
+            <a:pPr marL="0" indent="0">
+              <a:buNone/>
+            </a:pPr>
+            <a:endParaRPr lang="en-US" dirty="0">
               <a:latin typeface="Consolas"/>
               <a:cs typeface="Consolas"/>
             </a:endParaRPr>
@@ -3263,7 +3993,7 @@
               <a:buNone/>
             </a:pPr>
             <a:r>
-              <a:rPr lang="en-US" sz="2000" dirty="0">
+              <a:rPr lang="en-US" dirty="0">
                 <a:latin typeface="Consolas"/>
                 <a:cs typeface="Consolas"/>
               </a:rPr>
@@ -3275,14 +4005,14 @@
               <a:buNone/>
             </a:pPr>
             <a:r>
-              <a:rPr lang="en-US" sz="2000" dirty="0" err="1">
-                <a:latin typeface="Consolas"/>
-                <a:cs typeface="Consolas"/>
-              </a:rPr>
-              <a:t>fruitShop.buy</a:t>
-            </a:r>
-            <a:r>
-              <a:rPr lang="en-US" sz="2000" dirty="0">
+              <a:rPr lang="en-US" dirty="0" err="1">
+                <a:latin typeface="Consolas"/>
+                <a:cs typeface="Consolas"/>
+              </a:rPr>
+              <a:t>fs.buy</a:t>
+            </a:r>
+            <a:r>
+              <a:rPr lang="en-US" dirty="0">
                 <a:latin typeface="Consolas"/>
                 <a:cs typeface="Consolas"/>
               </a:rPr>
@@ -3294,21 +4024,21 @@
               <a:buNone/>
             </a:pPr>
             <a:r>
-              <a:rPr lang="en-US" sz="2000" dirty="0">
-                <a:latin typeface="Consolas"/>
-                <a:cs typeface="Consolas"/>
-              </a:rPr>
-              <a:t>Fruit f = </a:t>
-            </a:r>
-            <a:r>
-              <a:rPr lang="en-US" sz="2000" dirty="0" err="1">
-                <a:latin typeface="Consolas"/>
-                <a:cs typeface="Consolas"/>
-              </a:rPr>
-              <a:t>fruitShop.sell</a:t>
-            </a:r>
-            <a:r>
-              <a:rPr lang="en-US" sz="2000" dirty="0">
+              <a:rPr lang="en-US" dirty="0">
+                <a:latin typeface="Consolas"/>
+                <a:cs typeface="Consolas"/>
+              </a:rPr>
+              <a:t>Fruit fs = </a:t>
+            </a:r>
+            <a:r>
+              <a:rPr lang="en-US" dirty="0" err="1">
+                <a:latin typeface="Consolas"/>
+                <a:cs typeface="Consolas"/>
+              </a:rPr>
+              <a:t>s.sell</a:t>
+            </a:r>
+            <a:r>
+              <a:rPr lang="en-US" dirty="0">
                 <a:latin typeface="Consolas"/>
                 <a:cs typeface="Consolas"/>
               </a:rPr>
@@ -3319,7 +4049,7 @@
             <a:pPr marL="0" indent="0">
               <a:buNone/>
             </a:pPr>
-            <a:endParaRPr lang="en-US" sz="2000" dirty="0">
+            <a:endParaRPr lang="en-US" dirty="0">
               <a:latin typeface="Consolas"/>
               <a:cs typeface="Consolas"/>
             </a:endParaRPr>
@@ -3329,7 +4059,7 @@
               <a:buNone/>
             </a:pPr>
             <a:r>
-              <a:rPr lang="en-US" sz="2000" dirty="0">
+              <a:rPr lang="en-US" dirty="0">
                 <a:latin typeface="Consolas"/>
                 <a:cs typeface="Consolas"/>
               </a:rPr>
@@ -3341,21 +4071,21 @@
               <a:buNone/>
             </a:pPr>
             <a:r>
-              <a:rPr lang="en-US" sz="2000" dirty="0">
+              <a:rPr lang="en-US" dirty="0">
                 <a:latin typeface="Consolas"/>
                 <a:cs typeface="Consolas"/>
               </a:rPr>
               <a:t>List&lt;Fruit&gt; fruits = new </a:t>
             </a:r>
             <a:r>
-              <a:rPr lang="en-US" sz="2000" dirty="0" err="1">
+              <a:rPr lang="en-US" dirty="0" err="1">
                 <a:latin typeface="Consolas"/>
                 <a:cs typeface="Consolas"/>
               </a:rPr>
               <a:t>ArrayList</a:t>
             </a:r>
             <a:r>
-              <a:rPr lang="en-US" sz="2000" dirty="0">
+              <a:rPr lang="en-US" dirty="0">
                 <a:latin typeface="Consolas"/>
                 <a:cs typeface="Consolas"/>
               </a:rPr>
@@ -3367,14 +4097,14 @@
               <a:buNone/>
             </a:pPr>
             <a:r>
-              <a:rPr lang="en-US" sz="2000" dirty="0" err="1">
-                <a:latin typeface="Consolas"/>
-                <a:cs typeface="Consolas"/>
-              </a:rPr>
-              <a:t>fruitShop.buy</a:t>
-            </a:r>
-            <a:r>
-              <a:rPr lang="en-US" sz="2000" dirty="0">
+              <a:rPr lang="en-US" dirty="0" err="1">
+                <a:latin typeface="Consolas"/>
+                <a:cs typeface="Consolas"/>
+              </a:rPr>
+              <a:t>fs.buy</a:t>
+            </a:r>
+            <a:r>
+              <a:rPr lang="en-US" dirty="0">
                 <a:latin typeface="Consolas"/>
                 <a:cs typeface="Consolas"/>
               </a:rPr>
@@ -3386,14 +4116,14 @@
               <a:buNone/>
             </a:pPr>
             <a:r>
-              <a:rPr lang="en-US" sz="2000" dirty="0" err="1">
-                <a:latin typeface="Consolas"/>
-                <a:cs typeface="Consolas"/>
-              </a:rPr>
-              <a:t>fruitShop.sell</a:t>
-            </a:r>
-            <a:r>
-              <a:rPr lang="en-US" sz="2000" dirty="0">
+              <a:rPr lang="en-US" dirty="0" err="1">
+                <a:latin typeface="Consolas"/>
+                <a:cs typeface="Consolas"/>
+              </a:rPr>
+              <a:t>fs.sell</a:t>
+            </a:r>
+            <a:r>
+              <a:rPr lang="en-US" dirty="0">
                 <a:latin typeface="Consolas"/>
                 <a:cs typeface="Consolas"/>
               </a:rPr>
@@ -3404,7 +4134,7 @@
             <a:pPr marL="0" indent="0">
               <a:buNone/>
             </a:pPr>
-            <a:endParaRPr lang="en-US" sz="2000" dirty="0">
+            <a:endParaRPr lang="en-US" dirty="0">
               <a:latin typeface="Consolas"/>
               <a:cs typeface="Consolas"/>
             </a:endParaRPr>
@@ -3414,7 +4144,12 @@
               <a:buNone/>
             </a:pPr>
             <a:r>
-              <a:rPr lang="en-US" sz="2000" dirty="0">
+              <a:rPr lang="en-US" dirty="0">
+                <a:solidFill>
+                  <a:schemeClr val="accent6">
+                    <a:lumMod val="75000"/>
+                  </a:schemeClr>
+                </a:solidFill>
                 <a:latin typeface="Consolas"/>
                 <a:cs typeface="Consolas"/>
               </a:rPr>
@@ -3426,9 +4161,11 @@
               <a:buNone/>
             </a:pPr>
             <a:r>
-              <a:rPr lang="en-US" sz="2000" dirty="0">
-                <a:solidFill>
-                  <a:srgbClr val="E46C0A"/>
+              <a:rPr lang="en-US" dirty="0">
+                <a:solidFill>
+                  <a:schemeClr val="accent6">
+                    <a:lumMod val="75000"/>
+                  </a:schemeClr>
                 </a:solidFill>
                 <a:latin typeface="Consolas"/>
                 <a:cs typeface="Consolas"/>
@@ -3441,9 +4178,11 @@
               <a:buNone/>
             </a:pPr>
             <a:r>
-              <a:rPr lang="en-US" sz="2000" dirty="0">
-                <a:solidFill>
-                  <a:srgbClr val="E46C0A"/>
+              <a:rPr lang="en-US" dirty="0">
+                <a:solidFill>
+                  <a:schemeClr val="accent6">
+                    <a:lumMod val="75000"/>
+                  </a:schemeClr>
                 </a:solidFill>
                 <a:latin typeface="Consolas"/>
                 <a:cs typeface="Consolas"/>
@@ -3456,9 +4195,11 @@
               <a:buNone/>
             </a:pPr>
             <a:r>
-              <a:rPr lang="en-US" sz="2000" dirty="0">
-                <a:solidFill>
-                  <a:srgbClr val="E46C0A"/>
+              <a:rPr lang="en-US" dirty="0">
+                <a:solidFill>
+                  <a:schemeClr val="accent6">
+                    <a:lumMod val="75000"/>
+                  </a:schemeClr>
                 </a:solidFill>
                 <a:latin typeface="Consolas"/>
                 <a:cs typeface="Consolas"/>
@@ -3466,9 +4207,11 @@
               <a:t>	void sell(Collection&lt;T&gt; item, </a:t>
             </a:r>
             <a:r>
-              <a:rPr lang="en-US" sz="2000" dirty="0" err="1">
-                <a:solidFill>
-                  <a:srgbClr val="E46C0A"/>
+              <a:rPr lang="en-US" dirty="0" err="1">
+                <a:solidFill>
+                  <a:schemeClr val="accent6">
+                    <a:lumMod val="75000"/>
+                  </a:schemeClr>
                 </a:solidFill>
                 <a:latin typeface="Consolas"/>
                 <a:cs typeface="Consolas"/>
@@ -3476,9 +4219,11 @@
               <a:t>int</a:t>
             </a:r>
             <a:r>
-              <a:rPr lang="en-US" sz="2000" dirty="0">
-                <a:solidFill>
-                  <a:srgbClr val="E46C0A"/>
+              <a:rPr lang="en-US" dirty="0">
+                <a:solidFill>
+                  <a:schemeClr val="accent6">
+                    <a:lumMod val="75000"/>
+                  </a:schemeClr>
                 </a:solidFill>
                 <a:latin typeface="Consolas"/>
                 <a:cs typeface="Consolas"/>
@@ -3486,9 +4231,11 @@
               <a:t> </a:t>
             </a:r>
             <a:r>
-              <a:rPr lang="en-US" sz="2000" dirty="0" err="1">
-                <a:solidFill>
-                  <a:srgbClr val="E46C0A"/>
+              <a:rPr lang="en-US" dirty="0" err="1">
+                <a:solidFill>
+                  <a:schemeClr val="accent6">
+                    <a:lumMod val="75000"/>
+                  </a:schemeClr>
                 </a:solidFill>
                 <a:latin typeface="Consolas"/>
                 <a:cs typeface="Consolas"/>
@@ -3496,9 +4243,11 @@
               <a:t>nItems</a:t>
             </a:r>
             <a:r>
-              <a:rPr lang="en-US" sz="2000" dirty="0">
-                <a:solidFill>
-                  <a:srgbClr val="E46C0A"/>
+              <a:rPr lang="en-US" dirty="0">
+                <a:solidFill>
+                  <a:schemeClr val="accent6">
+                    <a:lumMod val="75000"/>
+                  </a:schemeClr>
                 </a:solidFill>
                 <a:latin typeface="Consolas"/>
                 <a:cs typeface="Consolas"/>
@@ -3511,9 +4260,11 @@
               <a:buNone/>
             </a:pPr>
             <a:r>
-              <a:rPr lang="en-US" sz="2000" dirty="0">
-                <a:solidFill>
-                  <a:srgbClr val="E46C0A"/>
+              <a:rPr lang="en-US" dirty="0">
+                <a:solidFill>
+                  <a:schemeClr val="accent6">
+                    <a:lumMod val="75000"/>
+                  </a:schemeClr>
                 </a:solidFill>
                 <a:latin typeface="Consolas"/>
                 <a:cs typeface="Consolas"/>
@@ -3526,7 +4277,12 @@
               <a:buNone/>
             </a:pPr>
             <a:r>
-              <a:rPr lang="en-US" sz="2000" dirty="0">
+              <a:rPr lang="en-US" dirty="0">
+                <a:solidFill>
+                  <a:schemeClr val="accent6">
+                    <a:lumMod val="75000"/>
+                  </a:schemeClr>
+                </a:solidFill>
                 <a:latin typeface="Consolas"/>
                 <a:cs typeface="Consolas"/>
               </a:rPr>
@@ -3537,17 +4293,20 @@
             <a:pPr marL="0" indent="0">
               <a:buNone/>
             </a:pPr>
-            <a:endParaRPr lang="en-US" sz="2000" dirty="0">
+            <a:endParaRPr lang="en-US" dirty="0">
               <a:latin typeface="Consolas"/>
               <a:cs typeface="Consolas"/>
             </a:endParaRPr>
+          </a:p>
+          <a:p>
+            <a:endParaRPr lang="en-GB" dirty="0"/>
           </a:p>
         </p:txBody>
       </p:sp>
     </p:spTree>
     <p:extLst>
       <p:ext uri="{BB962C8B-B14F-4D97-AF65-F5344CB8AC3E}">
-        <p14:creationId xmlns:p14="http://schemas.microsoft.com/office/powerpoint/2010/main" val="3072704833"/>
+        <p14:creationId xmlns:p14="http://schemas.microsoft.com/office/powerpoint/2010/main" val="3164732862"/>
       </p:ext>
     </p:extLst>
   </p:cSld>
@@ -3642,7 +4401,7 @@
                 <a:latin typeface="Consolas"/>
                 <a:cs typeface="Consolas"/>
               </a:rPr>
-              <a:t>fruitShop.sell</a:t>
+              <a:t>fs.sell</a:t>
             </a:r>
             <a:r>
               <a:rPr lang="en-US" dirty="0">
@@ -3678,6 +4437,32 @@
               <a:buNone/>
             </a:pPr>
             <a:r>
+              <a:rPr lang="en-US" dirty="0">
+                <a:latin typeface="Consolas"/>
+                <a:cs typeface="Consolas"/>
+              </a:rPr>
+              <a:t>Shop&lt;Product&gt; </a:t>
+            </a:r>
+            <a:r>
+              <a:rPr lang="en-US" dirty="0" err="1">
+                <a:latin typeface="Consolas"/>
+                <a:cs typeface="Consolas"/>
+              </a:rPr>
+              <a:t>ps</a:t>
+            </a:r>
+            <a:r>
+              <a:rPr lang="en-US" dirty="0">
+                <a:latin typeface="Consolas"/>
+                <a:cs typeface="Consolas"/>
+              </a:rPr>
+              <a:t> = new Shop&lt;Product&gt;;</a:t>
+            </a:r>
+          </a:p>
+          <a:p>
+            <a:pPr marL="0" indent="0">
+              <a:buNone/>
+            </a:pPr>
+            <a:r>
               <a:rPr lang="en-US" dirty="0" err="1">
                 <a:latin typeface="Consolas"/>
                 <a:cs typeface="Consolas"/>
@@ -3707,6 +4492,11 @@
             </a:pPr>
             <a:r>
               <a:rPr lang="en-US" dirty="0">
+                <a:solidFill>
+                  <a:schemeClr val="accent6">
+                    <a:lumMod val="75000"/>
+                  </a:schemeClr>
+                </a:solidFill>
                 <a:latin typeface="Consolas"/>
                 <a:cs typeface="Consolas"/>
               </a:rPr>
@@ -3720,7 +4510,9 @@
             <a:r>
               <a:rPr lang="en-US" dirty="0">
                 <a:solidFill>
-                  <a:srgbClr val="E46C0A"/>
+                  <a:schemeClr val="accent6">
+                    <a:lumMod val="75000"/>
+                  </a:schemeClr>
                 </a:solidFill>
                 <a:latin typeface="Consolas"/>
                 <a:cs typeface="Consolas"/>
@@ -3735,7 +4527,9 @@
             <a:r>
               <a:rPr lang="en-US" dirty="0">
                 <a:solidFill>
-                  <a:srgbClr val="E46C0A"/>
+                  <a:schemeClr val="accent6">
+                    <a:lumMod val="75000"/>
+                  </a:schemeClr>
                 </a:solidFill>
                 <a:latin typeface="Consolas"/>
                 <a:cs typeface="Consolas"/>
@@ -3749,6 +4543,11 @@
             </a:pPr>
             <a:r>
               <a:rPr lang="en-US" dirty="0">
+                <a:solidFill>
+                  <a:schemeClr val="accent6">
+                    <a:lumMod val="75000"/>
+                  </a:schemeClr>
+                </a:solidFill>
                 <a:latin typeface="Consolas"/>
                 <a:cs typeface="Consolas"/>
               </a:rPr>
@@ -3756,6 +4555,11 @@
             </a:r>
             <a:r>
               <a:rPr lang="en-US" dirty="0" err="1">
+                <a:solidFill>
+                  <a:schemeClr val="accent6">
+                    <a:lumMod val="75000"/>
+                  </a:schemeClr>
+                </a:solidFill>
                 <a:latin typeface="Consolas"/>
                 <a:cs typeface="Consolas"/>
               </a:rPr>
@@ -3763,6 +4567,11 @@
             </a:r>
             <a:r>
               <a:rPr lang="en-US" dirty="0">
+                <a:solidFill>
+                  <a:schemeClr val="accent6">
+                    <a:lumMod val="75000"/>
+                  </a:schemeClr>
+                </a:solidFill>
                 <a:latin typeface="Consolas"/>
                 <a:cs typeface="Consolas"/>
               </a:rPr>
@@ -3770,6 +4579,11 @@
             </a:r>
             <a:r>
               <a:rPr lang="en-US" dirty="0" err="1">
+                <a:solidFill>
+                  <a:schemeClr val="accent6">
+                    <a:lumMod val="75000"/>
+                  </a:schemeClr>
+                </a:solidFill>
                 <a:latin typeface="Consolas"/>
                 <a:cs typeface="Consolas"/>
               </a:rPr>
@@ -3777,6 +4591,11 @@
             </a:r>
             <a:r>
               <a:rPr lang="en-US" dirty="0">
+                <a:solidFill>
+                  <a:schemeClr val="accent6">
+                    <a:lumMod val="75000"/>
+                  </a:schemeClr>
+                </a:solidFill>
                 <a:latin typeface="Consolas"/>
                 <a:cs typeface="Consolas"/>
               </a:rPr>
@@ -3789,6 +4608,11 @@
             </a:pPr>
             <a:r>
               <a:rPr lang="en-US" dirty="0">
+                <a:solidFill>
+                  <a:schemeClr val="accent6">
+                    <a:lumMod val="75000"/>
+                  </a:schemeClr>
+                </a:solidFill>
                 <a:latin typeface="Consolas"/>
                 <a:cs typeface="Consolas"/>
               </a:rPr>
@@ -3801,6 +4625,11 @@
             </a:pPr>
             <a:r>
               <a:rPr lang="en-US" dirty="0">
+                <a:solidFill>
+                  <a:schemeClr val="accent6">
+                    <a:lumMod val="75000"/>
+                  </a:schemeClr>
+                </a:solidFill>
                 <a:latin typeface="Consolas"/>
                 <a:cs typeface="Consolas"/>
               </a:rPr>
@@ -3812,7 +4641,7 @@
     </p:spTree>
     <p:extLst>
       <p:ext uri="{BB962C8B-B14F-4D97-AF65-F5344CB8AC3E}">
-        <p14:creationId xmlns:p14="http://schemas.microsoft.com/office/powerpoint/2010/main" val="3339749554"/>
+        <p14:creationId xmlns:p14="http://schemas.microsoft.com/office/powerpoint/2010/main" val="1375832436"/>
       </p:ext>
     </p:extLst>
   </p:cSld>
@@ -3940,7 +4769,7 @@
                 <a:latin typeface="Consolas"/>
                 <a:cs typeface="Consolas"/>
               </a:rPr>
-              <a:t>fruitShop.sell</a:t>
+              <a:t>fs.sell</a:t>
             </a:r>
             <a:r>
               <a:rPr lang="en-US" sz="1600" dirty="0">
@@ -4046,7 +4875,7 @@
                 <a:latin typeface="Consolas"/>
                 <a:cs typeface="Consolas"/>
               </a:rPr>
-              <a:t>productShop.buy</a:t>
+              <a:t>ps.buy</a:t>
             </a:r>
             <a:r>
               <a:rPr lang="en-US" sz="1600" dirty="0">
@@ -4095,6 +4924,11 @@
             </a:pPr>
             <a:r>
               <a:rPr lang="en-US" sz="1600" dirty="0">
+                <a:solidFill>
+                  <a:schemeClr val="accent6">
+                    <a:lumMod val="75000"/>
+                  </a:schemeClr>
+                </a:solidFill>
                 <a:latin typeface="Consolas"/>
                 <a:cs typeface="Consolas"/>
               </a:rPr>
@@ -4107,6 +4941,11 @@
             </a:pPr>
             <a:r>
               <a:rPr lang="en-US" sz="1600" dirty="0">
+                <a:solidFill>
+                  <a:schemeClr val="accent6">
+                    <a:lumMod val="75000"/>
+                  </a:schemeClr>
+                </a:solidFill>
                 <a:latin typeface="Consolas"/>
                 <a:cs typeface="Consolas"/>
               </a:rPr>
@@ -4119,6 +4958,11 @@
             </a:pPr>
             <a:r>
               <a:rPr lang="en-US" sz="1600" dirty="0">
+                <a:solidFill>
+                  <a:schemeClr val="accent6">
+                    <a:lumMod val="75000"/>
+                  </a:schemeClr>
+                </a:solidFill>
                 <a:latin typeface="Consolas"/>
                 <a:cs typeface="Consolas"/>
               </a:rPr>
@@ -4131,60 +4975,80 @@
             </a:pPr>
             <a:r>
               <a:rPr lang="en-US" sz="1600" dirty="0">
-                <a:latin typeface="Consolas"/>
-                <a:cs typeface="Consolas"/>
-              </a:rPr>
-              <a:t>	</a:t>
+                <a:solidFill>
+                  <a:schemeClr val="accent6">
+                    <a:lumMod val="75000"/>
+                  </a:schemeClr>
+                </a:solidFill>
+                <a:latin typeface="Consolas"/>
+                <a:cs typeface="Consolas"/>
+              </a:rPr>
+              <a:t>	void sell(Collection&lt;T&gt; item, </a:t>
+            </a:r>
+            <a:r>
+              <a:rPr lang="en-US" sz="1600" dirty="0" err="1">
+                <a:solidFill>
+                  <a:schemeClr val="accent6">
+                    <a:lumMod val="75000"/>
+                  </a:schemeClr>
+                </a:solidFill>
+                <a:latin typeface="Consolas"/>
+                <a:cs typeface="Consolas"/>
+              </a:rPr>
+              <a:t>int</a:t>
             </a:r>
             <a:r>
               <a:rPr lang="en-US" sz="1600" dirty="0">
                 <a:solidFill>
-                  <a:srgbClr val="E46C0A"/>
-                </a:solidFill>
-                <a:latin typeface="Consolas"/>
-                <a:cs typeface="Consolas"/>
-              </a:rPr>
-              <a:t>void sell(Collection&lt;T&gt; item, </a:t>
+                  <a:schemeClr val="accent6">
+                    <a:lumMod val="75000"/>
+                  </a:schemeClr>
+                </a:solidFill>
+                <a:latin typeface="Consolas"/>
+                <a:cs typeface="Consolas"/>
+              </a:rPr>
+              <a:t> </a:t>
             </a:r>
             <a:r>
               <a:rPr lang="en-US" sz="1600" dirty="0" err="1">
                 <a:solidFill>
-                  <a:srgbClr val="E46C0A"/>
-                </a:solidFill>
-                <a:latin typeface="Consolas"/>
-                <a:cs typeface="Consolas"/>
-              </a:rPr>
-              <a:t>int</a:t>
+                  <a:schemeClr val="accent6">
+                    <a:lumMod val="75000"/>
+                  </a:schemeClr>
+                </a:solidFill>
+                <a:latin typeface="Consolas"/>
+                <a:cs typeface="Consolas"/>
+              </a:rPr>
+              <a:t>nItems</a:t>
             </a:r>
             <a:r>
               <a:rPr lang="en-US" sz="1600" dirty="0">
                 <a:solidFill>
-                  <a:srgbClr val="E46C0A"/>
-                </a:solidFill>
-                <a:latin typeface="Consolas"/>
-                <a:cs typeface="Consolas"/>
-              </a:rPr>
-              <a:t> </a:t>
-            </a:r>
-            <a:r>
-              <a:rPr lang="en-US" sz="1600" dirty="0" err="1">
-                <a:solidFill>
-                  <a:srgbClr val="E46C0A"/>
-                </a:solidFill>
-                <a:latin typeface="Consolas"/>
-                <a:cs typeface="Consolas"/>
-              </a:rPr>
-              <a:t>nItems</a:t>
-            </a:r>
+                  <a:schemeClr val="accent6">
+                    <a:lumMod val="75000"/>
+                  </a:schemeClr>
+                </a:solidFill>
+                <a:latin typeface="Consolas"/>
+                <a:cs typeface="Consolas"/>
+              </a:rPr>
+              <a:t>);</a:t>
+            </a:r>
+          </a:p>
+          <a:p>
+            <a:pPr marL="0" indent="0">
+              <a:buNone/>
+            </a:pPr>
             <a:r>
               <a:rPr lang="en-US" sz="1600" dirty="0">
                 <a:solidFill>
-                  <a:srgbClr val="E46C0A"/>
-                </a:solidFill>
-                <a:latin typeface="Consolas"/>
-                <a:cs typeface="Consolas"/>
-              </a:rPr>
-              <a:t>);</a:t>
+                  <a:schemeClr val="accent6">
+                    <a:lumMod val="75000"/>
+                  </a:schemeClr>
+                </a:solidFill>
+                <a:latin typeface="Consolas"/>
+                <a:cs typeface="Consolas"/>
+              </a:rPr>
+              <a:t>	void buy(Collection&lt;T&gt; item);</a:t>
             </a:r>
           </a:p>
           <a:p>
@@ -4194,20 +5058,10 @@
             <a:r>
               <a:rPr lang="en-US" sz="1600" dirty="0">
                 <a:solidFill>
-                  <a:srgbClr val="E46C0A"/>
-                </a:solidFill>
-                <a:latin typeface="Consolas"/>
-                <a:cs typeface="Consolas"/>
-              </a:rPr>
-              <a:t>	void buy(Collection&lt;T&gt; item);</a:t>
-            </a:r>
-          </a:p>
-          <a:p>
-            <a:pPr marL="0" indent="0">
-              <a:buNone/>
-            </a:pPr>
-            <a:r>
-              <a:rPr lang="en-US" sz="1600" dirty="0">
+                  <a:schemeClr val="accent6">
+                    <a:lumMod val="75000"/>
+                  </a:schemeClr>
+                </a:solidFill>
                 <a:latin typeface="Consolas"/>
                 <a:cs typeface="Consolas"/>
               </a:rPr>
@@ -4219,7 +5073,7 @@
     </p:spTree>
     <p:extLst>
       <p:ext uri="{BB962C8B-B14F-4D97-AF65-F5344CB8AC3E}">
-        <p14:creationId xmlns:p14="http://schemas.microsoft.com/office/powerpoint/2010/main" val="1453506830"/>
+        <p14:creationId xmlns:p14="http://schemas.microsoft.com/office/powerpoint/2010/main" val="2725860065"/>
       </p:ext>
     </p:extLst>
   </p:cSld>
@@ -4289,10 +5143,10 @@
               <a:buNone/>
             </a:pPr>
             <a:r>
-              <a:rPr lang="en-US" sz="1600" b="1" dirty="0"/>
+              <a:rPr lang="en-US" sz="1800" b="1" dirty="0"/>
               <a:t>Since Product is a subtype of Object, is List&lt;Product&gt; a subtype of List&lt;Object&gt;?</a:t>
             </a:r>
-            <a:endParaRPr lang="en-US" sz="1600" b="1" dirty="0">
+            <a:endParaRPr lang="en-US" sz="1800" b="1" dirty="0">
               <a:latin typeface="Consolas"/>
               <a:cs typeface="Consolas"/>
             </a:endParaRPr>
@@ -4302,35 +5156,35 @@
               <a:buNone/>
             </a:pPr>
             <a:r>
-              <a:rPr lang="en-US" sz="1600" dirty="0">
+              <a:rPr lang="en-US" sz="1800" dirty="0">
                 <a:latin typeface="Consolas"/>
                 <a:cs typeface="Consolas"/>
               </a:rPr>
               <a:t>List&lt;Product&gt; </a:t>
             </a:r>
             <a:r>
-              <a:rPr lang="en-US" sz="1600" dirty="0" err="1">
+              <a:rPr lang="en-US" sz="1800" dirty="0" err="1">
                 <a:latin typeface="Consolas"/>
                 <a:cs typeface="Consolas"/>
               </a:rPr>
               <a:t>pl</a:t>
             </a:r>
             <a:r>
-              <a:rPr lang="en-US" sz="1600" dirty="0">
+              <a:rPr lang="en-US" sz="1800" dirty="0">
                 <a:latin typeface="Consolas"/>
                 <a:cs typeface="Consolas"/>
               </a:rPr>
               <a:t> = new </a:t>
             </a:r>
             <a:r>
-              <a:rPr lang="en-US" sz="1600" dirty="0" err="1">
+              <a:rPr lang="en-US" sz="1800" dirty="0" err="1">
                 <a:latin typeface="Consolas"/>
                 <a:cs typeface="Consolas"/>
               </a:rPr>
               <a:t>ArrayList</a:t>
             </a:r>
             <a:r>
-              <a:rPr lang="en-US" sz="1600" dirty="0">
+              <a:rPr lang="en-US" sz="1800" dirty="0">
                 <a:latin typeface="Consolas"/>
                 <a:cs typeface="Consolas"/>
               </a:rPr>
@@ -4342,42 +5196,42 @@
               <a:buNone/>
             </a:pPr>
             <a:r>
-              <a:rPr lang="en-US" sz="1600" dirty="0">
+              <a:rPr lang="en-US" sz="1800" dirty="0">
                 <a:latin typeface="Consolas"/>
                 <a:cs typeface="Consolas"/>
               </a:rPr>
               <a:t>List&lt;Object&gt; </a:t>
             </a:r>
             <a:r>
-              <a:rPr lang="en-US" sz="1600" dirty="0" err="1">
+              <a:rPr lang="en-US" sz="1800" dirty="0" err="1">
                 <a:latin typeface="Consolas"/>
                 <a:cs typeface="Consolas"/>
               </a:rPr>
               <a:t>ol</a:t>
             </a:r>
             <a:r>
-              <a:rPr lang="en-US" sz="1600" dirty="0">
+              <a:rPr lang="en-US" sz="1800" dirty="0">
                 <a:latin typeface="Consolas"/>
                 <a:cs typeface="Consolas"/>
               </a:rPr>
               <a:t> = </a:t>
             </a:r>
             <a:r>
-              <a:rPr lang="en-US" sz="1600" dirty="0" err="1">
+              <a:rPr lang="en-US" sz="1800" dirty="0" err="1">
                 <a:latin typeface="Consolas"/>
                 <a:cs typeface="Consolas"/>
               </a:rPr>
               <a:t>pl</a:t>
             </a:r>
             <a:r>
-              <a:rPr lang="en-US" sz="1600" dirty="0">
+              <a:rPr lang="en-US" sz="1800" dirty="0">
                 <a:latin typeface="Consolas"/>
                 <a:cs typeface="Consolas"/>
               </a:rPr>
               <a:t>;   </a:t>
             </a:r>
             <a:r>
-              <a:rPr lang="en-US" sz="1600" dirty="0">
+              <a:rPr lang="en-US" sz="1800" dirty="0">
                 <a:solidFill>
                   <a:srgbClr val="E46C0A"/>
                 </a:solidFill>
@@ -4391,14 +5245,14 @@
             <a:pPr marL="0" indent="0">
               <a:buNone/>
             </a:pPr>
-            <a:endParaRPr lang="en-US" sz="1600" b="1" dirty="0"/>
-          </a:p>
-          <a:p>
-            <a:pPr marL="0" indent="0">
-              <a:buNone/>
-            </a:pPr>
-            <a:r>
-              <a:rPr lang="en-US" sz="1600" b="1" dirty="0"/>
+            <a:endParaRPr lang="en-US" sz="1800" b="1" dirty="0"/>
+          </a:p>
+          <a:p>
+            <a:pPr marL="0" indent="0">
+              <a:buNone/>
+            </a:pPr>
+            <a:r>
+              <a:rPr lang="en-US" sz="1800" b="1" dirty="0"/>
               <a:t>If that worked, we could put any object in our List&lt;Product&gt;. For example:</a:t>
             </a:r>
           </a:p>
@@ -4407,14 +5261,14 @@
               <a:buNone/>
             </a:pPr>
             <a:r>
-              <a:rPr lang="en-US" sz="1600" dirty="0" err="1">
+              <a:rPr lang="en-US" sz="1800" dirty="0" err="1">
                 <a:latin typeface="Consolas"/>
                 <a:cs typeface="Consolas"/>
               </a:rPr>
               <a:t>ol.add</a:t>
             </a:r>
             <a:r>
-              <a:rPr lang="en-US" sz="1600" dirty="0">
+              <a:rPr lang="en-US" sz="1800" dirty="0">
                 <a:latin typeface="Consolas"/>
                 <a:cs typeface="Consolas"/>
               </a:rPr>
@@ -4426,7 +5280,7 @@
               <a:buNone/>
             </a:pPr>
             <a:r>
-              <a:rPr lang="en-US" sz="1600" dirty="0">
+              <a:rPr lang="en-US" sz="1800" dirty="0">
                 <a:solidFill>
                   <a:srgbClr val="E46C0A"/>
                 </a:solidFill>
@@ -4436,7 +5290,7 @@
               <a:t>// OK because </a:t>
             </a:r>
             <a:r>
-              <a:rPr lang="en-US" sz="1600" dirty="0" err="1">
+              <a:rPr lang="en-US" sz="1800" dirty="0" err="1">
                 <a:solidFill>
                   <a:srgbClr val="E46C0A"/>
                 </a:solidFill>
@@ -4446,7 +5300,7 @@
               <a:t>ol</a:t>
             </a:r>
             <a:r>
-              <a:rPr lang="en-US" sz="1600" dirty="0">
+              <a:rPr lang="en-US" sz="1800" dirty="0">
                 <a:solidFill>
                   <a:srgbClr val="E46C0A"/>
                 </a:solidFill>
@@ -4460,7 +5314,7 @@
             <a:pPr marL="0" indent="0">
               <a:buNone/>
             </a:pPr>
-            <a:endParaRPr lang="en-US" sz="1600" dirty="0">
+            <a:endParaRPr lang="en-US" sz="1800" dirty="0">
               <a:latin typeface="Consolas"/>
               <a:cs typeface="Consolas"/>
             </a:endParaRPr>
@@ -4470,21 +5324,21 @@
               <a:buNone/>
             </a:pPr>
             <a:r>
-              <a:rPr lang="en-US" sz="1600" dirty="0">
+              <a:rPr lang="en-US" sz="1800" dirty="0">
                 <a:latin typeface="Consolas"/>
                 <a:cs typeface="Consolas"/>
               </a:rPr>
               <a:t>Product p = </a:t>
             </a:r>
             <a:r>
-              <a:rPr lang="en-US" sz="1600" dirty="0" err="1">
+              <a:rPr lang="en-US" sz="1800" dirty="0" err="1">
                 <a:latin typeface="Consolas"/>
                 <a:cs typeface="Consolas"/>
               </a:rPr>
               <a:t>pl.remove</a:t>
             </a:r>
             <a:r>
-              <a:rPr lang="en-US" sz="1600" dirty="0">
+              <a:rPr lang="en-US" sz="1800" dirty="0">
                 <a:latin typeface="Consolas"/>
                 <a:cs typeface="Consolas"/>
               </a:rPr>
@@ -4496,7 +5350,7 @@
               <a:buNone/>
             </a:pPr>
             <a:r>
-              <a:rPr lang="en-US" sz="1600" dirty="0">
+              <a:rPr lang="en-US" sz="1800" dirty="0">
                 <a:solidFill>
                   <a:srgbClr val="E46C0A"/>
                 </a:solidFill>
@@ -4511,7 +5365,7 @@
               <a:buNone/>
             </a:pPr>
             <a:r>
-              <a:rPr lang="en-US" sz="1600" dirty="0">
+              <a:rPr lang="en-US" sz="1800" dirty="0">
                 <a:solidFill>
                   <a:srgbClr val="E46C0A"/>
                 </a:solidFill>
@@ -4521,7 +5375,7 @@
               <a:t>// (</a:t>
             </a:r>
             <a:r>
-              <a:rPr lang="en-US" sz="1600" dirty="0" err="1">
+              <a:rPr lang="en-US" sz="1800" dirty="0" err="1">
                 <a:solidFill>
                   <a:srgbClr val="E46C0A"/>
                 </a:solidFill>
@@ -4531,7 +5385,7 @@
               <a:t>ClassCastException</a:t>
             </a:r>
             <a:r>
-              <a:rPr lang="en-US" sz="1600" dirty="0">
+              <a:rPr lang="en-US" sz="1800" dirty="0">
                 <a:solidFill>
                   <a:srgbClr val="E46C0A"/>
                 </a:solidFill>
@@ -4545,20 +5399,20 @@
             <a:pPr marL="0" indent="0">
               <a:buNone/>
             </a:pPr>
-            <a:endParaRPr lang="en-US" sz="1600" dirty="0"/>
-          </a:p>
-          <a:p>
-            <a:pPr marL="0" indent="0">
-              <a:buNone/>
-            </a:pPr>
-            <a:endParaRPr lang="en-US" sz="1600" dirty="0"/>
+            <a:endParaRPr lang="en-US" sz="1800" dirty="0"/>
+          </a:p>
+          <a:p>
+            <a:pPr marL="0" indent="0">
+              <a:buNone/>
+            </a:pPr>
+            <a:endParaRPr lang="en-US" sz="1800" dirty="0"/>
           </a:p>
         </p:txBody>
       </p:sp>
     </p:spTree>
     <p:extLst>
       <p:ext uri="{BB962C8B-B14F-4D97-AF65-F5344CB8AC3E}">
-        <p14:creationId xmlns:p14="http://schemas.microsoft.com/office/powerpoint/2010/main" val="2244006038"/>
+        <p14:creationId xmlns:p14="http://schemas.microsoft.com/office/powerpoint/2010/main" val="3319412266"/>
       </p:ext>
     </p:extLst>
   </p:cSld>
@@ -4625,13 +5479,13 @@
           <a:lstStyle/>
           <a:p>
             <a:r>
-              <a:rPr lang="en-US" sz="2800" dirty="0"/>
+              <a:rPr lang="en-US" dirty="0"/>
               <a:t>So, what is List&lt;Product&gt; a subtype of?</a:t>
             </a:r>
           </a:p>
           <a:p>
             <a:r>
-              <a:rPr lang="en-US" sz="2800" dirty="0">
+              <a:rPr lang="en-US" dirty="0">
                 <a:solidFill>
                   <a:srgbClr val="E46C0A"/>
                 </a:solidFill>
@@ -4639,7 +5493,7 @@
               <a:t>The </a:t>
             </a:r>
             <a:r>
-              <a:rPr lang="en-US" sz="2800" dirty="0" err="1">
+              <a:rPr lang="en-US" dirty="0" err="1">
                 <a:solidFill>
                   <a:srgbClr val="E46C0A"/>
                 </a:solidFill>
@@ -4647,7 +5501,7 @@
               <a:t>supertype</a:t>
             </a:r>
             <a:r>
-              <a:rPr lang="en-US" sz="2800" dirty="0">
+              <a:rPr lang="en-US" dirty="0">
                 <a:solidFill>
                   <a:srgbClr val="E46C0A"/>
                 </a:solidFill>
@@ -4655,7 +5509,7 @@
               <a:t> of all kinds of lists is not List&lt;Object&gt; but </a:t>
             </a:r>
             <a:r>
-              <a:rPr lang="en-US" sz="2800" b="1" dirty="0">
+              <a:rPr lang="en-US" b="1" dirty="0">
                 <a:solidFill>
                   <a:srgbClr val="E46C0A"/>
                 </a:solidFill>
@@ -4665,34 +5519,39 @@
           </a:p>
           <a:p>
             <a:r>
-              <a:rPr lang="en-US" sz="2800" dirty="0"/>
+              <a:rPr lang="en-US" dirty="0"/>
               <a:t>The </a:t>
             </a:r>
             <a:r>
-              <a:rPr lang="en-US" sz="2800" b="1" dirty="0"/>
+              <a:rPr lang="en-US" b="1" dirty="0"/>
               <a:t>? is a wildcard </a:t>
             </a:r>
             <a:r>
-              <a:rPr lang="en-US" sz="2800" dirty="0"/>
+              <a:rPr lang="en-US" dirty="0"/>
               <a:t>matching with anything</a:t>
             </a:r>
           </a:p>
           <a:p>
-            <a:pPr lvl="1"/>
-            <a:r>
-              <a:rPr lang="en-US" sz="2400" dirty="0"/>
+            <a:r>
+              <a:rPr lang="en-US" dirty="0">
+                <a:solidFill>
+                  <a:schemeClr val="accent6">
+                    <a:lumMod val="75000"/>
+                  </a:schemeClr>
+                </a:solidFill>
+              </a:rPr>
               <a:t>We can’t add things (except null) to a List&lt;?&gt;, since we don’t know what the List is really of. However, we can retrieve things and treat them as Objects, since we know they are at least that</a:t>
             </a:r>
           </a:p>
           <a:p>
-            <a:endParaRPr lang="en-US" sz="2800" dirty="0"/>
+            <a:endParaRPr lang="en-US" dirty="0"/>
           </a:p>
         </p:txBody>
       </p:sp>
     </p:spTree>
     <p:extLst>
       <p:ext uri="{BB962C8B-B14F-4D97-AF65-F5344CB8AC3E}">
-        <p14:creationId xmlns:p14="http://schemas.microsoft.com/office/powerpoint/2010/main" val="3342202966"/>
+        <p14:creationId xmlns:p14="http://schemas.microsoft.com/office/powerpoint/2010/main" val="1977484120"/>
       </p:ext>
     </p:extLst>
   </p:cSld>
@@ -4829,7 +5688,7 @@
     </p:spTree>
     <p:extLst>
       <p:ext uri="{BB962C8B-B14F-4D97-AF65-F5344CB8AC3E}">
-        <p14:creationId xmlns:p14="http://schemas.microsoft.com/office/powerpoint/2010/main" val="1880259992"/>
+        <p14:creationId xmlns:p14="http://schemas.microsoft.com/office/powerpoint/2010/main" val="2629517479"/>
       </p:ext>
     </p:extLst>
   </p:cSld>
@@ -4943,7 +5802,7 @@
                 <a:latin typeface="Consolas"/>
                 <a:cs typeface="Consolas"/>
               </a:rPr>
-              <a:t>fruitShop.sell</a:t>
+              <a:t>fs.sell</a:t>
             </a:r>
             <a:r>
               <a:rPr lang="en-US" sz="2000" dirty="0">
@@ -5037,7 +5896,7 @@
                 <a:latin typeface="Consolas"/>
                 <a:cs typeface="Consolas"/>
               </a:rPr>
-              <a:t>productShop.buy</a:t>
+              <a:t>ps.buy</a:t>
             </a:r>
             <a:r>
               <a:rPr lang="en-US" sz="2000" dirty="0">
@@ -5210,7 +6069,7 @@
     </p:spTree>
     <p:extLst>
       <p:ext uri="{BB962C8B-B14F-4D97-AF65-F5344CB8AC3E}">
-        <p14:creationId xmlns:p14="http://schemas.microsoft.com/office/powerpoint/2010/main" val="3083917245"/>
+        <p14:creationId xmlns:p14="http://schemas.microsoft.com/office/powerpoint/2010/main" val="939068774"/>
       </p:ext>
     </p:extLst>
   </p:cSld>
@@ -5250,7 +6109,7 @@
         <p:spPr/>
         <p:txBody>
           <a:bodyPr>
-            <a:normAutofit fontScale="90000"/>
+            <a:normAutofit/>
           </a:bodyPr>
           <a:lstStyle/>
           <a:p>
@@ -5486,7 +6345,7 @@
     </p:spTree>
     <p:extLst>
       <p:ext uri="{BB962C8B-B14F-4D97-AF65-F5344CB8AC3E}">
-        <p14:creationId xmlns:p14="http://schemas.microsoft.com/office/powerpoint/2010/main" val="1030551140"/>
+        <p14:creationId xmlns:p14="http://schemas.microsoft.com/office/powerpoint/2010/main" val="1309337397"/>
       </p:ext>
     </p:extLst>
   </p:cSld>
@@ -5712,7 +6571,7 @@
     </p:spTree>
     <p:extLst>
       <p:ext uri="{BB962C8B-B14F-4D97-AF65-F5344CB8AC3E}">
-        <p14:creationId xmlns:p14="http://schemas.microsoft.com/office/powerpoint/2010/main" val="859828158"/>
+        <p14:creationId xmlns:p14="http://schemas.microsoft.com/office/powerpoint/2010/main" val="4052976610"/>
       </p:ext>
     </p:extLst>
   </p:cSld>
@@ -5774,16 +6633,22 @@
         <p:spPr/>
         <p:txBody>
           <a:bodyPr>
-            <a:normAutofit/>
+            <a:normAutofit fontScale="92500" lnSpcReduction="10000"/>
           </a:bodyPr>
           <a:lstStyle/>
           <a:p>
             <a:r>
-              <a:rPr lang="en-US" sz="2800" dirty="0"/>
-              <a:t>You can parametrize methods too. For example, the </a:t>
-            </a:r>
-            <a:r>
-              <a:rPr lang="en-US" sz="2800" dirty="0">
+              <a:rPr lang="en-US" dirty="0"/>
+              <a:t>You can parametrize methods too. Generic methods are methods that introduce their own type parameters. This is similar to declaring a generic type, but the type parameter's scope is limited to the method where it is declared. </a:t>
+            </a:r>
+          </a:p>
+          <a:p>
+            <a:r>
+              <a:rPr lang="en-US" dirty="0"/>
+              <a:t>For example, the </a:t>
+            </a:r>
+            <a:r>
+              <a:rPr lang="en-US" dirty="0">
                 <a:solidFill>
                   <a:srgbClr val="E46C0A"/>
                 </a:solidFill>
@@ -5791,15 +6656,15 @@
               <a:t>fill() </a:t>
             </a:r>
             <a:r>
-              <a:rPr lang="en-US" sz="2800" dirty="0"/>
+              <a:rPr lang="en-US" dirty="0"/>
               <a:t>method (</a:t>
             </a:r>
             <a:r>
-              <a:rPr lang="en-US" sz="2800" dirty="0" err="1"/>
+              <a:rPr lang="en-US" dirty="0" err="1"/>
               <a:t>java.util.Collections</a:t>
             </a:r>
             <a:r>
-              <a:rPr lang="en-US" sz="2800" dirty="0"/>
+              <a:rPr lang="en-US" dirty="0"/>
               <a:t>) is used to replace all the elements of the specified list with the specified element.</a:t>
             </a:r>
           </a:p>
@@ -5807,7 +6672,7 @@
             <a:pPr marL="0" indent="0">
               <a:buNone/>
             </a:pPr>
-            <a:endParaRPr lang="en-US" sz="2800" dirty="0"/>
+            <a:endParaRPr lang="en-US" dirty="0"/>
           </a:p>
           <a:p>
             <a:pPr marL="0" indent="0">
@@ -5872,20 +6737,20 @@
             <a:pPr marL="0" indent="0">
               <a:buNone/>
             </a:pPr>
-            <a:endParaRPr lang="en-US" sz="2800" dirty="0"/>
-          </a:p>
-          <a:p>
-            <a:pPr marL="0" indent="0">
-              <a:buNone/>
-            </a:pPr>
-            <a:endParaRPr lang="en-US" sz="2800" dirty="0"/>
+            <a:endParaRPr lang="en-US" dirty="0"/>
+          </a:p>
+          <a:p>
+            <a:pPr marL="0" indent="0">
+              <a:buNone/>
+            </a:pPr>
+            <a:endParaRPr lang="en-US" dirty="0"/>
           </a:p>
         </p:txBody>
       </p:sp>
     </p:spTree>
     <p:extLst>
       <p:ext uri="{BB962C8B-B14F-4D97-AF65-F5344CB8AC3E}">
-        <p14:creationId xmlns:p14="http://schemas.microsoft.com/office/powerpoint/2010/main" val="4223048023"/>
+        <p14:creationId xmlns:p14="http://schemas.microsoft.com/office/powerpoint/2010/main" val="3346966414"/>
       </p:ext>
     </p:extLst>
   </p:cSld>
@@ -6143,7 +7008,7 @@
     </p:spTree>
     <p:extLst>
       <p:ext uri="{BB962C8B-B14F-4D97-AF65-F5344CB8AC3E}">
-        <p14:creationId xmlns:p14="http://schemas.microsoft.com/office/powerpoint/2010/main" val="1225005110"/>
+        <p14:creationId xmlns:p14="http://schemas.microsoft.com/office/powerpoint/2010/main" val="599024197"/>
       </p:ext>
     </p:extLst>
   </p:cSld>
@@ -6187,7 +7052,7 @@
           <a:p>
             <a:r>
               <a:rPr lang="en-US" dirty="0"/>
-              <a:t>Generic Methods</a:t>
+              <a:t>Wildcards or not?</a:t>
             </a:r>
           </a:p>
         </p:txBody>
@@ -6205,7 +7070,7 @@
         <p:spPr/>
         <p:txBody>
           <a:bodyPr>
-            <a:normAutofit fontScale="92500" lnSpcReduction="10000"/>
+            <a:normAutofit/>
           </a:bodyPr>
           <a:lstStyle/>
           <a:p>
@@ -6213,120 +7078,157 @@
               <a:buNone/>
             </a:pPr>
             <a:r>
-              <a:rPr lang="en-US" sz="2200" dirty="0"/>
-              <a:t>Imagine you want to write a method for copying an array into a Collection.</a:t>
-            </a:r>
-          </a:p>
-          <a:p>
-            <a:pPr marL="0" indent="0">
-              <a:buNone/>
-            </a:pPr>
-            <a:endParaRPr lang="en-US" sz="1800" b="1" dirty="0"/>
-          </a:p>
-          <a:p>
-            <a:pPr marL="0" indent="0">
-              <a:buNone/>
-            </a:pPr>
-            <a:r>
-              <a:rPr lang="en-US" sz="1800" b="1" dirty="0">
-                <a:latin typeface="Consolas"/>
-                <a:cs typeface="Consolas"/>
-              </a:rPr>
-              <a:t>// wrong! Cannot add objects to Collection&lt;?&gt;</a:t>
-            </a:r>
-          </a:p>
-          <a:p>
-            <a:pPr marL="0" indent="0">
-              <a:buNone/>
-            </a:pPr>
-            <a:r>
-              <a:rPr lang="en-US" sz="1800" b="1" dirty="0">
-                <a:latin typeface="Consolas"/>
-                <a:cs typeface="Consolas"/>
-              </a:rPr>
-              <a:t>static void</a:t>
-            </a:r>
-            <a:r>
-              <a:rPr lang="en-US" sz="1800" dirty="0">
+              <a:rPr lang="en-US" sz="2000" b="1" dirty="0">
+                <a:latin typeface="Consolas"/>
+                <a:cs typeface="Consolas"/>
+              </a:rPr>
+              <a:t>// Java API </a:t>
+            </a:r>
+          </a:p>
+          <a:p>
+            <a:pPr marL="0" indent="0">
+              <a:buNone/>
+            </a:pPr>
+            <a:r>
+              <a:rPr lang="en-US" sz="2000" b="1" dirty="0">
+                <a:latin typeface="Consolas"/>
+                <a:cs typeface="Consolas"/>
+              </a:rPr>
+              <a:t>interface</a:t>
+            </a:r>
+            <a:r>
+              <a:rPr lang="en-US" sz="2000" dirty="0">
+                <a:latin typeface="Consolas"/>
+                <a:cs typeface="Consolas"/>
+              </a:rPr>
+              <a:t> Collection&lt;E&gt; {</a:t>
+            </a:r>
+          </a:p>
+          <a:p>
+            <a:pPr marL="0" indent="0">
+              <a:buNone/>
+            </a:pPr>
+            <a:r>
+              <a:rPr lang="en-US" sz="2000" dirty="0">
+                <a:latin typeface="Consolas"/>
+                <a:cs typeface="Consolas"/>
+              </a:rPr>
+              <a:t>    </a:t>
+            </a:r>
+            <a:r>
+              <a:rPr lang="en-US" sz="2000" b="1" dirty="0">
+                <a:latin typeface="Consolas"/>
+                <a:cs typeface="Consolas"/>
+              </a:rPr>
+              <a:t>public </a:t>
+            </a:r>
+            <a:r>
+              <a:rPr lang="en-US" sz="2000" b="1" dirty="0" err="1">
+                <a:latin typeface="Consolas"/>
+                <a:cs typeface="Consolas"/>
+              </a:rPr>
+              <a:t>boolean</a:t>
+            </a:r>
+            <a:r>
+              <a:rPr lang="en-US" sz="2000" dirty="0">
                 <a:latin typeface="Consolas"/>
                 <a:cs typeface="Consolas"/>
               </a:rPr>
               <a:t> </a:t>
             </a:r>
             <a:r>
-              <a:rPr lang="en-US" sz="1800" dirty="0" err="1">
-                <a:latin typeface="Consolas"/>
-                <a:cs typeface="Consolas"/>
-              </a:rPr>
-              <a:t>fromArrayToCollection</a:t>
-            </a:r>
-            <a:r>
-              <a:rPr lang="en-US" sz="1800" dirty="0">
-                <a:latin typeface="Consolas"/>
-                <a:cs typeface="Consolas"/>
-              </a:rPr>
-              <a:t>(Object[] a, Collection&lt;?&gt; c) {</a:t>
-            </a:r>
-          </a:p>
-          <a:p>
-            <a:pPr marL="0" indent="0">
-              <a:buNone/>
-            </a:pPr>
-            <a:r>
-              <a:rPr lang="en-US" sz="1800" dirty="0">
+              <a:rPr lang="en-US" sz="2000" dirty="0" err="1">
+                <a:latin typeface="Consolas"/>
+                <a:cs typeface="Consolas"/>
+              </a:rPr>
+              <a:t>containsAll</a:t>
+            </a:r>
+            <a:r>
+              <a:rPr lang="en-US" sz="2000" dirty="0">
+                <a:latin typeface="Consolas"/>
+                <a:cs typeface="Consolas"/>
+              </a:rPr>
+              <a:t>(Collection&lt;?&gt; c);</a:t>
+            </a:r>
+          </a:p>
+          <a:p>
+            <a:pPr marL="0" indent="0">
+              <a:buNone/>
+            </a:pPr>
+            <a:r>
+              <a:rPr lang="en-US" sz="2000" dirty="0">
                 <a:latin typeface="Consolas"/>
                 <a:cs typeface="Consolas"/>
               </a:rPr>
               <a:t>    </a:t>
             </a:r>
             <a:r>
-              <a:rPr lang="en-US" sz="1800" b="1" dirty="0">
-                <a:latin typeface="Consolas"/>
-                <a:cs typeface="Consolas"/>
-              </a:rPr>
-              <a:t>for</a:t>
-            </a:r>
-            <a:r>
-              <a:rPr lang="en-US" sz="1800" dirty="0">
-                <a:latin typeface="Consolas"/>
-                <a:cs typeface="Consolas"/>
-              </a:rPr>
-              <a:t> (Object o : a) { </a:t>
-            </a:r>
-          </a:p>
-          <a:p>
-            <a:pPr marL="0" indent="0">
-              <a:buNone/>
-            </a:pPr>
-            <a:r>
-              <a:rPr lang="en-US" sz="1800" dirty="0">
-                <a:latin typeface="Consolas"/>
-                <a:cs typeface="Consolas"/>
-              </a:rPr>
-              <a:t>        </a:t>
-            </a:r>
-            <a:r>
-              <a:rPr lang="en-US" sz="1800" dirty="0" err="1">
-                <a:latin typeface="Consolas"/>
-                <a:cs typeface="Consolas"/>
-              </a:rPr>
-              <a:t>c.add</a:t>
-            </a:r>
-            <a:r>
-              <a:rPr lang="en-US" sz="1800" dirty="0">
-                <a:latin typeface="Consolas"/>
-                <a:cs typeface="Consolas"/>
-              </a:rPr>
-              <a:t>(o); // </a:t>
-            </a:r>
-            <a:r>
-              <a:rPr lang="en-US" sz="1800" i="1" dirty="0">
-                <a:latin typeface="Consolas"/>
-                <a:cs typeface="Consolas"/>
-              </a:rPr>
-              <a:t>compile-time error</a:t>
-            </a:r>
-            <a:endParaRPr lang="en-US" sz="1800" dirty="0">
+              <a:rPr lang="en-US" sz="2000" b="1" dirty="0">
+                <a:latin typeface="Consolas"/>
+                <a:cs typeface="Consolas"/>
+              </a:rPr>
+              <a:t>public </a:t>
+            </a:r>
+            <a:r>
+              <a:rPr lang="en-US" sz="2000" b="1" dirty="0" err="1">
+                <a:latin typeface="Consolas"/>
+                <a:cs typeface="Consolas"/>
+              </a:rPr>
+              <a:t>boolean</a:t>
+            </a:r>
+            <a:r>
+              <a:rPr lang="en-US" sz="2000" dirty="0">
+                <a:latin typeface="Consolas"/>
+                <a:cs typeface="Consolas"/>
+              </a:rPr>
+              <a:t> </a:t>
+            </a:r>
+            <a:r>
+              <a:rPr lang="en-US" sz="2000" dirty="0" err="1">
+                <a:latin typeface="Consolas"/>
+                <a:cs typeface="Consolas"/>
+              </a:rPr>
+              <a:t>addAll</a:t>
+            </a:r>
+            <a:r>
+              <a:rPr lang="en-US" sz="2000" dirty="0">
+                <a:latin typeface="Consolas"/>
+                <a:cs typeface="Consolas"/>
+              </a:rPr>
+              <a:t>(Collection&lt;? </a:t>
+            </a:r>
+            <a:r>
+              <a:rPr lang="en-US" sz="2000" b="1" dirty="0">
+                <a:latin typeface="Consolas"/>
+                <a:cs typeface="Consolas"/>
+              </a:rPr>
+              <a:t>extends E</a:t>
+            </a:r>
+            <a:r>
+              <a:rPr lang="en-US" sz="2000" dirty="0">
+                <a:latin typeface="Consolas"/>
+                <a:cs typeface="Consolas"/>
+              </a:rPr>
+              <a:t>&gt; c);</a:t>
+            </a:r>
+          </a:p>
+          <a:p>
+            <a:pPr marL="0" indent="0">
+              <a:buNone/>
+            </a:pPr>
+            <a:r>
+              <a:rPr lang="en-US" sz="2000" dirty="0">
+                <a:latin typeface="Consolas"/>
+                <a:cs typeface="Consolas"/>
+              </a:rPr>
+              <a:t>}</a:t>
+            </a:r>
+          </a:p>
+          <a:p>
+            <a:pPr marL="0" indent="0">
+              <a:buNone/>
+            </a:pPr>
+            <a:endParaRPr lang="en-US" sz="2000" dirty="0">
               <a:latin typeface="Consolas"/>
               <a:cs typeface="Consolas"/>
             </a:endParaRPr>
@@ -6336,255 +7238,181 @@
               <a:buNone/>
             </a:pPr>
             <a:r>
-              <a:rPr lang="mr-IN" sz="1800" dirty="0">
-                <a:latin typeface="Consolas"/>
-                <a:cs typeface="Consolas"/>
-              </a:rPr>
-              <a:t>    }</a:t>
-            </a:r>
-          </a:p>
-          <a:p>
-            <a:pPr marL="0" indent="0">
-              <a:buNone/>
-            </a:pPr>
-            <a:r>
-              <a:rPr lang="mr-IN" sz="1800" dirty="0">
+              <a:rPr lang="en-US" sz="2000" b="1" dirty="0">
+                <a:latin typeface="Consolas"/>
+                <a:cs typeface="Consolas"/>
+              </a:rPr>
+              <a:t>// Alternative legitimate version</a:t>
+            </a:r>
+          </a:p>
+          <a:p>
+            <a:pPr marL="0" indent="0">
+              <a:buNone/>
+            </a:pPr>
+            <a:r>
+              <a:rPr lang="en-US" sz="2000" b="1" dirty="0">
+                <a:latin typeface="Consolas"/>
+                <a:cs typeface="Consolas"/>
+              </a:rPr>
+              <a:t>interface</a:t>
+            </a:r>
+            <a:r>
+              <a:rPr lang="en-US" sz="2000" dirty="0">
+                <a:latin typeface="Consolas"/>
+                <a:cs typeface="Consolas"/>
+              </a:rPr>
+              <a:t> Collection&lt;E&gt; {</a:t>
+            </a:r>
+          </a:p>
+          <a:p>
+            <a:pPr marL="0" indent="0">
+              <a:buNone/>
+            </a:pPr>
+            <a:r>
+              <a:rPr lang="en-US" sz="2000" dirty="0">
+                <a:latin typeface="Consolas"/>
+                <a:cs typeface="Consolas"/>
+              </a:rPr>
+              <a:t>    </a:t>
+            </a:r>
+            <a:r>
+              <a:rPr lang="en-US" sz="2000" b="1" dirty="0">
+                <a:latin typeface="Consolas"/>
+                <a:cs typeface="Consolas"/>
+              </a:rPr>
+              <a:t>public</a:t>
+            </a:r>
+            <a:r>
+              <a:rPr lang="en-US" sz="2000" dirty="0">
+                <a:latin typeface="Consolas"/>
+                <a:cs typeface="Consolas"/>
+              </a:rPr>
+              <a:t> &lt;T&gt; </a:t>
+            </a:r>
+            <a:r>
+              <a:rPr lang="en-US" sz="2000" b="1" dirty="0" err="1">
+                <a:latin typeface="Consolas"/>
+                <a:cs typeface="Consolas"/>
+              </a:rPr>
+              <a:t>boolean</a:t>
+            </a:r>
+            <a:r>
+              <a:rPr lang="en-US" sz="2000" dirty="0">
+                <a:latin typeface="Consolas"/>
+                <a:cs typeface="Consolas"/>
+              </a:rPr>
+              <a:t> </a:t>
+            </a:r>
+            <a:r>
+              <a:rPr lang="en-US" sz="2000" dirty="0" err="1">
+                <a:latin typeface="Consolas"/>
+                <a:cs typeface="Consolas"/>
+              </a:rPr>
+              <a:t>containsAll</a:t>
+            </a:r>
+            <a:r>
+              <a:rPr lang="en-US" sz="2000" dirty="0">
+                <a:latin typeface="Consolas"/>
+                <a:cs typeface="Consolas"/>
+              </a:rPr>
+              <a:t>(Collection&lt;T&gt; c);</a:t>
+            </a:r>
+          </a:p>
+          <a:p>
+            <a:pPr marL="0" indent="0">
+              <a:buNone/>
+            </a:pPr>
+            <a:r>
+              <a:rPr lang="en-US" sz="2000" dirty="0">
+                <a:latin typeface="Consolas"/>
+                <a:cs typeface="Consolas"/>
+              </a:rPr>
+              <a:t>    </a:t>
+            </a:r>
+            <a:r>
+              <a:rPr lang="en-US" sz="2000" b="1" dirty="0">
+                <a:latin typeface="Consolas"/>
+                <a:cs typeface="Consolas"/>
+              </a:rPr>
+              <a:t>public</a:t>
+            </a:r>
+            <a:r>
+              <a:rPr lang="en-US" sz="2000" dirty="0">
+                <a:latin typeface="Consolas"/>
+                <a:cs typeface="Consolas"/>
+              </a:rPr>
+              <a:t> &lt;T </a:t>
+            </a:r>
+            <a:r>
+              <a:rPr lang="en-US" sz="2000" b="1" dirty="0">
+                <a:latin typeface="Consolas"/>
+                <a:cs typeface="Consolas"/>
+              </a:rPr>
+              <a:t>extends</a:t>
+            </a:r>
+            <a:r>
+              <a:rPr lang="en-US" sz="2000" dirty="0">
+                <a:latin typeface="Consolas"/>
+                <a:cs typeface="Consolas"/>
+              </a:rPr>
+              <a:t> E&gt; </a:t>
+            </a:r>
+            <a:r>
+              <a:rPr lang="en-US" sz="2000" b="1" dirty="0" err="1">
+                <a:latin typeface="Consolas"/>
+                <a:cs typeface="Consolas"/>
+              </a:rPr>
+              <a:t>boolean</a:t>
+            </a:r>
+            <a:r>
+              <a:rPr lang="en-US" sz="2000" dirty="0">
+                <a:latin typeface="Consolas"/>
+                <a:cs typeface="Consolas"/>
+              </a:rPr>
+              <a:t> </a:t>
+            </a:r>
+            <a:r>
+              <a:rPr lang="en-US" sz="2000" dirty="0" err="1">
+                <a:latin typeface="Consolas"/>
+                <a:cs typeface="Consolas"/>
+              </a:rPr>
+              <a:t>addAll</a:t>
+            </a:r>
+            <a:r>
+              <a:rPr lang="en-US" sz="2000" dirty="0">
+                <a:latin typeface="Consolas"/>
+                <a:cs typeface="Consolas"/>
+              </a:rPr>
+              <a:t>(Collection&lt;T&gt; c);</a:t>
+            </a:r>
+          </a:p>
+          <a:p>
+            <a:pPr marL="0" indent="0">
+              <a:buNone/>
+            </a:pPr>
+            <a:r>
+              <a:rPr lang="en-US" sz="2000" dirty="0">
                 <a:latin typeface="Consolas"/>
                 <a:cs typeface="Consolas"/>
               </a:rPr>
               <a:t>}</a:t>
             </a:r>
-            <a:endParaRPr lang="it-IT" sz="1800" dirty="0">
+          </a:p>
+          <a:p>
+            <a:pPr marL="0" indent="0">
+              <a:buNone/>
+            </a:pPr>
+            <a:endParaRPr lang="en-US" sz="2000" dirty="0">
               <a:latin typeface="Consolas"/>
               <a:cs typeface="Consolas"/>
             </a:endParaRPr>
-          </a:p>
-          <a:p>
-            <a:pPr marL="0" indent="0">
-              <a:buNone/>
-            </a:pPr>
-            <a:endParaRPr lang="it-IT" sz="1800" dirty="0">
-              <a:latin typeface="Consolas"/>
-              <a:cs typeface="Consolas"/>
-            </a:endParaRPr>
-          </a:p>
-          <a:p>
-            <a:pPr marL="0" indent="0">
-              <a:buNone/>
-            </a:pPr>
-            <a:r>
-              <a:rPr lang="it-IT" sz="1800" b="1" dirty="0">
-                <a:latin typeface="Consolas"/>
-                <a:cs typeface="Consolas"/>
-              </a:rPr>
-              <a:t>// ok! </a:t>
-            </a:r>
-            <a:r>
-              <a:rPr lang="it-IT" sz="1800" b="1" dirty="0" err="1">
-                <a:latin typeface="Consolas"/>
-                <a:cs typeface="Consolas"/>
-              </a:rPr>
-              <a:t>using</a:t>
-            </a:r>
-            <a:r>
-              <a:rPr lang="it-IT" sz="1800" b="1" dirty="0">
-                <a:latin typeface="Consolas"/>
-                <a:cs typeface="Consolas"/>
-              </a:rPr>
-              <a:t> </a:t>
-            </a:r>
-            <a:r>
-              <a:rPr lang="it-IT" sz="1800" b="1" dirty="0" err="1">
-                <a:solidFill>
-                  <a:srgbClr val="E46C0A"/>
-                </a:solidFill>
-                <a:latin typeface="Consolas"/>
-                <a:cs typeface="Consolas"/>
-              </a:rPr>
-              <a:t>generic</a:t>
-            </a:r>
-            <a:r>
-              <a:rPr lang="it-IT" sz="1800" b="1" dirty="0">
-                <a:solidFill>
-                  <a:srgbClr val="E46C0A"/>
-                </a:solidFill>
-                <a:latin typeface="Consolas"/>
-                <a:cs typeface="Consolas"/>
-              </a:rPr>
-              <a:t> </a:t>
-            </a:r>
-            <a:r>
-              <a:rPr lang="it-IT" sz="1800" b="1" dirty="0" err="1">
-                <a:solidFill>
-                  <a:srgbClr val="E46C0A"/>
-                </a:solidFill>
-                <a:latin typeface="Consolas"/>
-                <a:cs typeface="Consolas"/>
-              </a:rPr>
-              <a:t>methods</a:t>
-            </a:r>
-            <a:endParaRPr lang="it-IT" sz="1800" b="1" dirty="0">
-              <a:solidFill>
-                <a:srgbClr val="E46C0A"/>
-              </a:solidFill>
-              <a:latin typeface="Consolas"/>
-              <a:cs typeface="Consolas"/>
-            </a:endParaRPr>
-          </a:p>
-          <a:p>
-            <a:pPr marL="0" indent="0">
-              <a:buNone/>
-            </a:pPr>
-            <a:r>
-              <a:rPr lang="en-US" sz="1800" b="1" dirty="0">
-                <a:latin typeface="Consolas"/>
-                <a:cs typeface="Consolas"/>
-              </a:rPr>
-              <a:t>static</a:t>
-            </a:r>
-            <a:r>
-              <a:rPr lang="en-US" sz="1800" dirty="0">
-                <a:latin typeface="Consolas"/>
-                <a:cs typeface="Consolas"/>
-              </a:rPr>
-              <a:t> </a:t>
-            </a:r>
-            <a:r>
-              <a:rPr lang="en-US" sz="1800" dirty="0">
-                <a:solidFill>
-                  <a:srgbClr val="E46C0A"/>
-                </a:solidFill>
-                <a:latin typeface="Consolas"/>
-                <a:cs typeface="Consolas"/>
-              </a:rPr>
-              <a:t>&lt;T&gt; </a:t>
-            </a:r>
-            <a:r>
-              <a:rPr lang="en-US" sz="1800" b="1" dirty="0">
-                <a:latin typeface="Consolas"/>
-                <a:cs typeface="Consolas"/>
-              </a:rPr>
-              <a:t>void</a:t>
-            </a:r>
-            <a:r>
-              <a:rPr lang="en-US" sz="1800" dirty="0">
-                <a:latin typeface="Consolas"/>
-                <a:cs typeface="Consolas"/>
-              </a:rPr>
-              <a:t> </a:t>
-            </a:r>
-            <a:r>
-              <a:rPr lang="en-US" sz="1800" dirty="0" err="1">
-                <a:latin typeface="Consolas"/>
-                <a:cs typeface="Consolas"/>
-              </a:rPr>
-              <a:t>fromArrayToCollection</a:t>
-            </a:r>
-            <a:r>
-              <a:rPr lang="en-US" sz="1800" dirty="0">
-                <a:latin typeface="Consolas"/>
-                <a:cs typeface="Consolas"/>
-              </a:rPr>
-              <a:t>(T[] a, Collection&lt;T&gt; c) {</a:t>
-            </a:r>
-          </a:p>
-          <a:p>
-            <a:pPr marL="0" indent="0">
-              <a:buNone/>
-            </a:pPr>
-            <a:r>
-              <a:rPr lang="mr-IN" sz="1800" dirty="0">
-                <a:latin typeface="Consolas"/>
-                <a:cs typeface="Consolas"/>
-              </a:rPr>
-              <a:t>    </a:t>
-            </a:r>
-            <a:r>
-              <a:rPr lang="mr-IN" sz="1800" b="1" dirty="0">
-                <a:latin typeface="Consolas"/>
-                <a:cs typeface="Consolas"/>
-              </a:rPr>
-              <a:t>for</a:t>
-            </a:r>
-            <a:r>
-              <a:rPr lang="mr-IN" sz="1800" dirty="0">
-                <a:latin typeface="Consolas"/>
-                <a:cs typeface="Consolas"/>
-              </a:rPr>
-              <a:t> (T o : a) {</a:t>
-            </a:r>
-          </a:p>
-          <a:p>
-            <a:pPr marL="0" indent="0">
-              <a:buNone/>
-            </a:pPr>
-            <a:r>
-              <a:rPr lang="mr-IN" sz="1800" dirty="0">
-                <a:latin typeface="Consolas"/>
-                <a:cs typeface="Consolas"/>
-              </a:rPr>
-              <a:t>        c.add(o); // </a:t>
-            </a:r>
-            <a:r>
-              <a:rPr lang="mr-IN" sz="1800" i="1" dirty="0">
-                <a:latin typeface="Consolas"/>
-                <a:cs typeface="Consolas"/>
-              </a:rPr>
-              <a:t>Correct</a:t>
-            </a:r>
-            <a:endParaRPr lang="mr-IN" sz="1800" dirty="0">
-              <a:latin typeface="Consolas"/>
-              <a:cs typeface="Consolas"/>
-            </a:endParaRPr>
-          </a:p>
-          <a:p>
-            <a:pPr marL="0" indent="0">
-              <a:buNone/>
-            </a:pPr>
-            <a:r>
-              <a:rPr lang="mr-IN" sz="1800" dirty="0">
-                <a:latin typeface="Consolas"/>
-                <a:cs typeface="Consolas"/>
-              </a:rPr>
-              <a:t>    }</a:t>
-            </a:r>
-          </a:p>
-          <a:p>
-            <a:pPr marL="0" indent="0">
-              <a:buNone/>
-            </a:pPr>
-            <a:r>
-              <a:rPr lang="mr-IN" sz="1800" dirty="0">
-                <a:latin typeface="Consolas"/>
-                <a:cs typeface="Consolas"/>
-              </a:rPr>
-              <a:t>}</a:t>
-            </a:r>
-          </a:p>
-          <a:p>
-            <a:pPr marL="0" indent="0">
-              <a:buNone/>
-            </a:pPr>
-            <a:endParaRPr lang="mr-IN" sz="1800" dirty="0"/>
-          </a:p>
-          <a:p>
-            <a:pPr marL="0" indent="0">
-              <a:buNone/>
-            </a:pPr>
-            <a:endParaRPr lang="en-US" sz="1800" dirty="0"/>
-          </a:p>
-          <a:p>
-            <a:pPr marL="0" indent="0">
-              <a:buNone/>
-            </a:pPr>
-            <a:endParaRPr lang="en-US" sz="1800" dirty="0"/>
           </a:p>
         </p:txBody>
       </p:sp>
     </p:spTree>
     <p:extLst>
       <p:ext uri="{BB962C8B-B14F-4D97-AF65-F5344CB8AC3E}">
-        <p14:creationId xmlns:p14="http://schemas.microsoft.com/office/powerpoint/2010/main" val="3209931778"/>
+        <p14:creationId xmlns:p14="http://schemas.microsoft.com/office/powerpoint/2010/main" val="4288179211"/>
       </p:ext>
     </p:extLst>
   </p:cSld>
@@ -6670,14 +7498,14 @@
                 <a:latin typeface="Consolas"/>
                 <a:cs typeface="Consolas"/>
               </a:rPr>
-              <a:t>interface</a:t>
+              <a:t>class</a:t>
             </a:r>
             <a:r>
               <a:rPr lang="en-US" sz="2000" dirty="0">
                 <a:latin typeface="Consolas"/>
                 <a:cs typeface="Consolas"/>
               </a:rPr>
-              <a:t> Collection&lt;E&gt; {</a:t>
+              <a:t> Collections {</a:t>
             </a:r>
           </a:p>
           <a:p>
@@ -6696,115 +7524,96 @@
                 <a:latin typeface="Consolas"/>
                 <a:cs typeface="Consolas"/>
               </a:rPr>
-              <a:t>public </a:t>
-            </a:r>
-            <a:r>
-              <a:rPr lang="en-US" sz="2000" b="1" dirty="0" err="1">
-                <a:latin typeface="Consolas"/>
-                <a:cs typeface="Consolas"/>
-              </a:rPr>
-              <a:t>boolean</a:t>
+              <a:t>public static</a:t>
             </a:r>
             <a:r>
               <a:rPr lang="en-US" sz="2000" dirty="0">
                 <a:latin typeface="Consolas"/>
                 <a:cs typeface="Consolas"/>
               </a:rPr>
-              <a:t> </a:t>
+              <a:t> &lt;T&gt; </a:t>
+            </a:r>
+            <a:r>
+              <a:rPr lang="en-US" sz="2000" b="1" dirty="0">
+                <a:latin typeface="Consolas"/>
+                <a:cs typeface="Consolas"/>
+              </a:rPr>
+              <a:t>void</a:t>
+            </a:r>
+            <a:r>
+              <a:rPr lang="en-US" sz="2000" dirty="0">
+                <a:latin typeface="Consolas"/>
+                <a:cs typeface="Consolas"/>
+              </a:rPr>
+              <a:t> copy(List&lt;T&gt; </a:t>
             </a:r>
             <a:r>
               <a:rPr lang="en-US" sz="2000" dirty="0" err="1">
                 <a:latin typeface="Consolas"/>
                 <a:cs typeface="Consolas"/>
               </a:rPr>
-              <a:t>containsAll</a:t>
+              <a:t>dest</a:t>
             </a:r>
             <a:r>
               <a:rPr lang="en-US" sz="2000" dirty="0">
                 <a:latin typeface="Consolas"/>
                 <a:cs typeface="Consolas"/>
               </a:rPr>
-              <a:t>(Collection&lt;?&gt; c);</a:t>
-            </a:r>
-          </a:p>
-          <a:p>
-            <a:pPr marL="0" indent="0">
-              <a:buNone/>
-            </a:pPr>
+              <a:t>, List&lt;? </a:t>
+            </a:r>
+            <a:r>
+              <a:rPr lang="en-US" sz="2000" b="1" dirty="0">
+                <a:latin typeface="Consolas"/>
+                <a:cs typeface="Consolas"/>
+              </a:rPr>
+              <a:t>extends</a:t>
+            </a:r>
             <a:r>
               <a:rPr lang="en-US" sz="2000" dirty="0">
                 <a:latin typeface="Consolas"/>
                 <a:cs typeface="Consolas"/>
               </a:rPr>
-              <a:t>    </a:t>
-            </a:r>
-            <a:r>
-              <a:rPr lang="en-US" sz="2000" b="1" dirty="0">
-                <a:latin typeface="Consolas"/>
-                <a:cs typeface="Consolas"/>
-              </a:rPr>
-              <a:t>public </a:t>
-            </a:r>
-            <a:r>
-              <a:rPr lang="en-US" sz="2000" b="1" dirty="0" err="1">
-                <a:latin typeface="Consolas"/>
-                <a:cs typeface="Consolas"/>
-              </a:rPr>
-              <a:t>boolean</a:t>
+              <a:t> T&gt; </a:t>
+            </a:r>
+            <a:r>
+              <a:rPr lang="en-US" sz="2000" dirty="0" err="1">
+                <a:latin typeface="Consolas"/>
+                <a:cs typeface="Consolas"/>
+              </a:rPr>
+              <a:t>src</a:t>
             </a:r>
             <a:r>
               <a:rPr lang="en-US" sz="2000" dirty="0">
                 <a:latin typeface="Consolas"/>
                 <a:cs typeface="Consolas"/>
               </a:rPr>
-              <a:t> </a:t>
-            </a:r>
-            <a:r>
-              <a:rPr lang="en-US" sz="2000" dirty="0" err="1">
-                <a:latin typeface="Consolas"/>
-                <a:cs typeface="Consolas"/>
-              </a:rPr>
-              <a:t>addAll</a:t>
-            </a:r>
-            <a:r>
-              <a:rPr lang="en-US" sz="2000" dirty="0">
-                <a:latin typeface="Consolas"/>
-                <a:cs typeface="Consolas"/>
-              </a:rPr>
-              <a:t>(Collection&lt;? </a:t>
-            </a:r>
-            <a:r>
-              <a:rPr lang="en-US" sz="2000" b="1" dirty="0">
-                <a:latin typeface="Consolas"/>
-                <a:cs typeface="Consolas"/>
-              </a:rPr>
-              <a:t>extends E</a:t>
-            </a:r>
-            <a:r>
-              <a:rPr lang="en-US" sz="2000" dirty="0">
-                <a:latin typeface="Consolas"/>
-                <a:cs typeface="Consolas"/>
-              </a:rPr>
-              <a:t>&gt; c);</a:t>
-            </a:r>
-          </a:p>
-          <a:p>
-            <a:pPr marL="0" indent="0">
-              <a:buNone/>
-            </a:pPr>
-            <a:r>
-              <a:rPr lang="en-US" sz="2000" dirty="0">
+              <a:t>) {</a:t>
+            </a:r>
+          </a:p>
+          <a:p>
+            <a:pPr marL="0" indent="0">
+              <a:buNone/>
+            </a:pPr>
+            <a:r>
+              <a:rPr lang="mr-IN" sz="2000" dirty="0">
+                <a:latin typeface="Consolas"/>
+                <a:cs typeface="Consolas"/>
+              </a:rPr>
+              <a:t>    ...</a:t>
+            </a:r>
+          </a:p>
+          <a:p>
+            <a:pPr marL="0" indent="0">
+              <a:buNone/>
+            </a:pPr>
+            <a:r>
+              <a:rPr lang="mr-IN" sz="2000" dirty="0">
                 <a:latin typeface="Consolas"/>
                 <a:cs typeface="Consolas"/>
               </a:rPr>
               <a:t>}</a:t>
             </a:r>
-          </a:p>
-          <a:p>
-            <a:pPr marL="0" indent="0">
-              <a:buNone/>
-            </a:pPr>
-            <a:endParaRPr lang="en-US" sz="2000" dirty="0">
+            <a:endParaRPr lang="it-IT" sz="2000" dirty="0">
               <a:latin typeface="Consolas"/>
               <a:cs typeface="Consolas"/>
             </a:endParaRPr>
@@ -6813,6 +7622,15 @@
             <a:pPr marL="0" indent="0">
               <a:buNone/>
             </a:pPr>
+            <a:endParaRPr lang="it-IT" sz="2000" dirty="0">
+              <a:latin typeface="Consolas"/>
+              <a:cs typeface="Consolas"/>
+            </a:endParaRPr>
+          </a:p>
+          <a:p>
+            <a:pPr marL="0" indent="0">
+              <a:buNone/>
+            </a:pPr>
             <a:r>
               <a:rPr lang="en-US" sz="2000" b="1" dirty="0">
                 <a:latin typeface="Consolas"/>
@@ -6820,6 +7638,10 @@
               </a:rPr>
               <a:t>// Alternative legitimate version</a:t>
             </a:r>
+            <a:endParaRPr lang="mr-IN" sz="2000" dirty="0">
+              <a:latin typeface="Consolas"/>
+              <a:cs typeface="Consolas"/>
+            </a:endParaRPr>
           </a:p>
           <a:p>
             <a:pPr marL="0" indent="0">
@@ -6830,14 +7652,14 @@
                 <a:latin typeface="Consolas"/>
                 <a:cs typeface="Consolas"/>
               </a:rPr>
-              <a:t>interface</a:t>
+              <a:t>class</a:t>
             </a:r>
             <a:r>
               <a:rPr lang="en-US" sz="2000" dirty="0">
                 <a:latin typeface="Consolas"/>
                 <a:cs typeface="Consolas"/>
               </a:rPr>
-              <a:t> Collection&lt;E&gt; {</a:t>
+              <a:t> Collections {</a:t>
             </a:r>
           </a:p>
           <a:p>
@@ -6856,118 +7678,90 @@
                 <a:latin typeface="Consolas"/>
                 <a:cs typeface="Consolas"/>
               </a:rPr>
-              <a:t>public</a:t>
+              <a:t>public static</a:t>
             </a:r>
             <a:r>
               <a:rPr lang="en-US" sz="2000" dirty="0">
                 <a:latin typeface="Consolas"/>
                 <a:cs typeface="Consolas"/>
               </a:rPr>
-              <a:t> &lt;T&gt; </a:t>
-            </a:r>
-            <a:r>
-              <a:rPr lang="en-US" sz="2000" b="1" dirty="0" err="1">
-                <a:latin typeface="Consolas"/>
-                <a:cs typeface="Consolas"/>
-              </a:rPr>
-              <a:t>boolean</a:t>
+              <a:t> &lt;T, S </a:t>
+            </a:r>
+            <a:r>
+              <a:rPr lang="en-US" sz="2000" b="1" dirty="0">
+                <a:latin typeface="Consolas"/>
+                <a:cs typeface="Consolas"/>
+              </a:rPr>
+              <a:t>extends</a:t>
             </a:r>
             <a:r>
               <a:rPr lang="en-US" sz="2000" dirty="0">
                 <a:latin typeface="Consolas"/>
                 <a:cs typeface="Consolas"/>
               </a:rPr>
-              <a:t> </a:t>
+              <a:t> T&gt; </a:t>
+            </a:r>
+            <a:r>
+              <a:rPr lang="en-US" sz="2000" b="1" dirty="0">
+                <a:latin typeface="Consolas"/>
+                <a:cs typeface="Consolas"/>
+              </a:rPr>
+              <a:t>void</a:t>
+            </a:r>
+            <a:r>
+              <a:rPr lang="en-US" sz="2000" dirty="0">
+                <a:latin typeface="Consolas"/>
+                <a:cs typeface="Consolas"/>
+              </a:rPr>
+              <a:t> copy(List&lt;T&gt; </a:t>
             </a:r>
             <a:r>
               <a:rPr lang="en-US" sz="2000" dirty="0" err="1">
                 <a:latin typeface="Consolas"/>
                 <a:cs typeface="Consolas"/>
               </a:rPr>
-              <a:t>containsAll</a:t>
+              <a:t>dest</a:t>
             </a:r>
             <a:r>
               <a:rPr lang="en-US" sz="2000" dirty="0">
                 <a:latin typeface="Consolas"/>
                 <a:cs typeface="Consolas"/>
               </a:rPr>
-              <a:t>(Collection&lt;T&gt; c);</a:t>
-            </a:r>
-          </a:p>
-          <a:p>
-            <a:pPr marL="0" indent="0">
-              <a:buNone/>
-            </a:pPr>
+              <a:t>, List&lt;S&gt; </a:t>
+            </a:r>
+            <a:r>
+              <a:rPr lang="en-US" sz="2000" dirty="0" err="1">
+                <a:latin typeface="Consolas"/>
+                <a:cs typeface="Consolas"/>
+              </a:rPr>
+              <a:t>src</a:t>
+            </a:r>
             <a:r>
               <a:rPr lang="en-US" sz="2000" dirty="0">
                 <a:latin typeface="Consolas"/>
                 <a:cs typeface="Consolas"/>
               </a:rPr>
-              <a:t>    </a:t>
-            </a:r>
-            <a:r>
-              <a:rPr lang="en-US" sz="2000" b="1" dirty="0">
-                <a:latin typeface="Consolas"/>
-                <a:cs typeface="Consolas"/>
-              </a:rPr>
-              <a:t>public</a:t>
-            </a:r>
-            <a:r>
-              <a:rPr lang="en-US" sz="2000" dirty="0">
-                <a:latin typeface="Consolas"/>
-                <a:cs typeface="Consolas"/>
-              </a:rPr>
-              <a:t> &lt;T </a:t>
-            </a:r>
-            <a:r>
-              <a:rPr lang="en-US" sz="2000" b="1" dirty="0">
-                <a:latin typeface="Consolas"/>
-                <a:cs typeface="Consolas"/>
-              </a:rPr>
-              <a:t>extends</a:t>
-            </a:r>
-            <a:r>
-              <a:rPr lang="en-US" sz="2000" dirty="0">
-                <a:latin typeface="Consolas"/>
-                <a:cs typeface="Consolas"/>
-              </a:rPr>
-              <a:t> E&gt; </a:t>
-            </a:r>
-            <a:r>
-              <a:rPr lang="en-US" sz="2000" b="1" dirty="0" err="1">
-                <a:latin typeface="Consolas"/>
-                <a:cs typeface="Consolas"/>
-              </a:rPr>
-              <a:t>boolean</a:t>
-            </a:r>
-            <a:r>
-              <a:rPr lang="en-US" sz="2000" dirty="0">
-                <a:latin typeface="Consolas"/>
-                <a:cs typeface="Consolas"/>
-              </a:rPr>
-              <a:t> </a:t>
-            </a:r>
-            <a:r>
-              <a:rPr lang="en-US" sz="2000" dirty="0" err="1">
-                <a:latin typeface="Consolas"/>
-                <a:cs typeface="Consolas"/>
-              </a:rPr>
-              <a:t>addAll</a:t>
-            </a:r>
-            <a:r>
-              <a:rPr lang="en-US" sz="2000" dirty="0">
-                <a:latin typeface="Consolas"/>
-                <a:cs typeface="Consolas"/>
-              </a:rPr>
-              <a:t>(Collection&lt;T&gt; c);</a:t>
-            </a:r>
-          </a:p>
-          <a:p>
-            <a:pPr marL="0" indent="0">
-              <a:buNone/>
-            </a:pPr>
-            <a:r>
-              <a:rPr lang="en-US" sz="2000" dirty="0">
+              <a:t>) {</a:t>
+            </a:r>
+          </a:p>
+          <a:p>
+            <a:pPr marL="0" indent="0">
+              <a:buNone/>
+            </a:pPr>
+            <a:r>
+              <a:rPr lang="mr-IN" sz="2000" dirty="0">
+                <a:latin typeface="Consolas"/>
+                <a:cs typeface="Consolas"/>
+              </a:rPr>
+              <a:t>    ...</a:t>
+            </a:r>
+          </a:p>
+          <a:p>
+            <a:pPr marL="0" indent="0">
+              <a:buNone/>
+            </a:pPr>
+            <a:r>
+              <a:rPr lang="mr-IN" sz="2000" dirty="0">
                 <a:latin typeface="Consolas"/>
                 <a:cs typeface="Consolas"/>
               </a:rPr>
@@ -6988,7 +7782,7 @@
     </p:spTree>
     <p:extLst>
       <p:ext uri="{BB962C8B-B14F-4D97-AF65-F5344CB8AC3E}">
-        <p14:creationId xmlns:p14="http://schemas.microsoft.com/office/powerpoint/2010/main" val="2808492100"/>
+        <p14:creationId xmlns:p14="http://schemas.microsoft.com/office/powerpoint/2010/main" val="4091014839"/>
       </p:ext>
     </p:extLst>
   </p:cSld>
@@ -7032,7 +7826,7 @@
           <a:p>
             <a:r>
               <a:rPr lang="en-US" dirty="0"/>
-              <a:t>Wildcards or not?</a:t>
+              <a:t>How Generics are Implemented</a:t>
             </a:r>
           </a:p>
         </p:txBody>
@@ -7054,311 +7848,67 @@
           </a:bodyPr>
           <a:lstStyle/>
           <a:p>
-            <a:pPr marL="0" indent="0">
-              <a:buNone/>
-            </a:pPr>
-            <a:r>
-              <a:rPr lang="en-US" sz="1400" b="1" dirty="0">
-                <a:latin typeface="Consolas"/>
-                <a:cs typeface="Consolas"/>
-              </a:rPr>
-              <a:t>// Java API </a:t>
-            </a:r>
-          </a:p>
-          <a:p>
-            <a:pPr marL="0" indent="0">
-              <a:buNone/>
-            </a:pPr>
-            <a:r>
-              <a:rPr lang="en-US" sz="1400" b="1" dirty="0">
-                <a:latin typeface="Consolas"/>
-                <a:cs typeface="Consolas"/>
-              </a:rPr>
-              <a:t>class</a:t>
-            </a:r>
-            <a:r>
-              <a:rPr lang="en-US" sz="1400" dirty="0">
-                <a:latin typeface="Consolas"/>
-                <a:cs typeface="Consolas"/>
-              </a:rPr>
-              <a:t> Collections {</a:t>
-            </a:r>
-          </a:p>
-          <a:p>
-            <a:pPr marL="0" indent="0">
-              <a:buNone/>
-            </a:pPr>
-            <a:r>
-              <a:rPr lang="en-US" sz="1400" dirty="0">
-                <a:latin typeface="Consolas"/>
-                <a:cs typeface="Consolas"/>
-              </a:rPr>
-              <a:t>    </a:t>
-            </a:r>
-            <a:r>
-              <a:rPr lang="en-US" sz="1400" b="1" dirty="0">
-                <a:latin typeface="Consolas"/>
-                <a:cs typeface="Consolas"/>
-              </a:rPr>
-              <a:t>public static</a:t>
-            </a:r>
-            <a:r>
-              <a:rPr lang="en-US" sz="1400" dirty="0">
-                <a:latin typeface="Consolas"/>
-                <a:cs typeface="Consolas"/>
-              </a:rPr>
-              <a:t> &lt;T&gt; </a:t>
-            </a:r>
-            <a:r>
-              <a:rPr lang="en-US" sz="1400" b="1" dirty="0">
-                <a:latin typeface="Consolas"/>
-                <a:cs typeface="Consolas"/>
-              </a:rPr>
-              <a:t>void</a:t>
-            </a:r>
-            <a:r>
-              <a:rPr lang="en-US" sz="1400" dirty="0">
-                <a:latin typeface="Consolas"/>
-                <a:cs typeface="Consolas"/>
-              </a:rPr>
-              <a:t> copy(List&lt;T&gt; </a:t>
-            </a:r>
-            <a:r>
-              <a:rPr lang="en-US" sz="1400" dirty="0" err="1">
-                <a:latin typeface="Consolas"/>
-                <a:cs typeface="Consolas"/>
-              </a:rPr>
-              <a:t>dest</a:t>
-            </a:r>
-            <a:r>
-              <a:rPr lang="en-US" sz="1400" dirty="0">
-                <a:latin typeface="Consolas"/>
-                <a:cs typeface="Consolas"/>
-              </a:rPr>
-              <a:t>, List&lt;? </a:t>
-            </a:r>
-            <a:r>
-              <a:rPr lang="en-US" sz="1400" b="1" dirty="0">
-                <a:latin typeface="Consolas"/>
-                <a:cs typeface="Consolas"/>
-              </a:rPr>
-              <a:t>extends</a:t>
-            </a:r>
-            <a:r>
-              <a:rPr lang="en-US" sz="1400" dirty="0">
-                <a:latin typeface="Consolas"/>
-                <a:cs typeface="Consolas"/>
-              </a:rPr>
-              <a:t> T&gt; </a:t>
-            </a:r>
-            <a:r>
-              <a:rPr lang="en-US" sz="1400" dirty="0" err="1">
-                <a:latin typeface="Consolas"/>
-                <a:cs typeface="Consolas"/>
-              </a:rPr>
-              <a:t>src</a:t>
-            </a:r>
-            <a:r>
-              <a:rPr lang="en-US" sz="1400" dirty="0">
-                <a:latin typeface="Consolas"/>
-                <a:cs typeface="Consolas"/>
-              </a:rPr>
-              <a:t>) {</a:t>
-            </a:r>
-          </a:p>
-          <a:p>
-            <a:pPr marL="0" indent="0">
-              <a:buNone/>
-            </a:pPr>
-            <a:r>
-              <a:rPr lang="mr-IN" sz="1400" dirty="0">
-                <a:latin typeface="Consolas"/>
-                <a:cs typeface="Consolas"/>
-              </a:rPr>
-              <a:t>    ...</a:t>
-            </a:r>
-          </a:p>
-          <a:p>
-            <a:pPr marL="0" indent="0">
-              <a:buNone/>
-            </a:pPr>
-            <a:r>
-              <a:rPr lang="mr-IN" sz="1400" dirty="0">
-                <a:latin typeface="Consolas"/>
-                <a:cs typeface="Consolas"/>
-              </a:rPr>
-              <a:t>}</a:t>
-            </a:r>
-            <a:endParaRPr lang="it-IT" sz="1400" dirty="0">
-              <a:latin typeface="Consolas"/>
-              <a:cs typeface="Consolas"/>
-            </a:endParaRPr>
-          </a:p>
-          <a:p>
-            <a:pPr marL="0" indent="0">
-              <a:buNone/>
-            </a:pPr>
-            <a:endParaRPr lang="it-IT" sz="1400" dirty="0">
-              <a:latin typeface="Consolas"/>
-              <a:cs typeface="Consolas"/>
-            </a:endParaRPr>
-          </a:p>
-          <a:p>
-            <a:pPr marL="0" indent="0">
-              <a:buNone/>
-            </a:pPr>
-            <a:r>
-              <a:rPr lang="en-US" sz="1400" b="1" dirty="0">
-                <a:latin typeface="Consolas"/>
-                <a:cs typeface="Consolas"/>
-              </a:rPr>
-              <a:t>// Alternative legitimate version</a:t>
-            </a:r>
-            <a:endParaRPr lang="mr-IN" sz="1400" dirty="0">
-              <a:latin typeface="Consolas"/>
-              <a:cs typeface="Consolas"/>
-            </a:endParaRPr>
-          </a:p>
-          <a:p>
-            <a:pPr marL="0" indent="0">
-              <a:buNone/>
-            </a:pPr>
-            <a:r>
-              <a:rPr lang="en-US" sz="1400" b="1" dirty="0">
-                <a:latin typeface="Consolas"/>
-                <a:cs typeface="Consolas"/>
-              </a:rPr>
-              <a:t>class</a:t>
-            </a:r>
-            <a:r>
-              <a:rPr lang="en-US" sz="1400" dirty="0">
-                <a:latin typeface="Consolas"/>
-                <a:cs typeface="Consolas"/>
-              </a:rPr>
-              <a:t> Collections {</a:t>
-            </a:r>
-          </a:p>
-          <a:p>
-            <a:pPr marL="0" indent="0">
-              <a:buNone/>
-            </a:pPr>
-            <a:r>
-              <a:rPr lang="en-US" sz="1400" dirty="0">
-                <a:latin typeface="Consolas"/>
-                <a:cs typeface="Consolas"/>
-              </a:rPr>
-              <a:t>    </a:t>
-            </a:r>
-            <a:r>
-              <a:rPr lang="en-US" sz="1400" b="1" dirty="0">
-                <a:latin typeface="Consolas"/>
-                <a:cs typeface="Consolas"/>
-              </a:rPr>
-              <a:t>public static</a:t>
-            </a:r>
-            <a:r>
-              <a:rPr lang="en-US" sz="1400" dirty="0">
-                <a:latin typeface="Consolas"/>
-                <a:cs typeface="Consolas"/>
-              </a:rPr>
-              <a:t> &lt;T, S </a:t>
-            </a:r>
-            <a:r>
-              <a:rPr lang="en-US" sz="1400" b="1" dirty="0">
-                <a:latin typeface="Consolas"/>
-                <a:cs typeface="Consolas"/>
-              </a:rPr>
-              <a:t>extends</a:t>
-            </a:r>
-            <a:r>
-              <a:rPr lang="en-US" sz="1400" dirty="0">
-                <a:latin typeface="Consolas"/>
-                <a:cs typeface="Consolas"/>
-              </a:rPr>
-              <a:t> T&gt; </a:t>
-            </a:r>
-            <a:r>
-              <a:rPr lang="en-US" sz="1400" b="1" dirty="0">
-                <a:latin typeface="Consolas"/>
-                <a:cs typeface="Consolas"/>
-              </a:rPr>
-              <a:t>void</a:t>
-            </a:r>
-            <a:r>
-              <a:rPr lang="en-US" sz="1400" dirty="0">
-                <a:latin typeface="Consolas"/>
-                <a:cs typeface="Consolas"/>
-              </a:rPr>
-              <a:t> copy(List&lt;T&gt; </a:t>
-            </a:r>
-            <a:r>
-              <a:rPr lang="en-US" sz="1400" dirty="0" err="1">
-                <a:latin typeface="Consolas"/>
-                <a:cs typeface="Consolas"/>
-              </a:rPr>
-              <a:t>dest</a:t>
-            </a:r>
-            <a:r>
-              <a:rPr lang="en-US" sz="1400" dirty="0">
-                <a:latin typeface="Consolas"/>
-                <a:cs typeface="Consolas"/>
-              </a:rPr>
-              <a:t>, List&lt;S&gt; </a:t>
-            </a:r>
-            <a:r>
-              <a:rPr lang="en-US" sz="1400" dirty="0" err="1">
-                <a:latin typeface="Consolas"/>
-                <a:cs typeface="Consolas"/>
-              </a:rPr>
-              <a:t>src</a:t>
-            </a:r>
-            <a:r>
-              <a:rPr lang="en-US" sz="1400" dirty="0">
-                <a:latin typeface="Consolas"/>
-                <a:cs typeface="Consolas"/>
-              </a:rPr>
-              <a:t>) {</a:t>
-            </a:r>
-          </a:p>
-          <a:p>
-            <a:pPr marL="0" indent="0">
-              <a:buNone/>
-            </a:pPr>
-            <a:r>
-              <a:rPr lang="mr-IN" sz="1400" dirty="0">
-                <a:latin typeface="Consolas"/>
-                <a:cs typeface="Consolas"/>
-              </a:rPr>
-              <a:t>    ...</a:t>
-            </a:r>
-          </a:p>
-          <a:p>
-            <a:pPr marL="0" indent="0">
-              <a:buNone/>
-            </a:pPr>
-            <a:r>
-              <a:rPr lang="mr-IN" sz="1400" dirty="0">
-                <a:latin typeface="Consolas"/>
-                <a:cs typeface="Consolas"/>
-              </a:rPr>
-              <a:t>}</a:t>
-            </a:r>
-          </a:p>
-          <a:p>
-            <a:pPr marL="0" indent="0">
-              <a:buNone/>
-            </a:pPr>
-            <a:endParaRPr lang="en-US" sz="1400" dirty="0">
-              <a:latin typeface="Consolas"/>
-              <a:cs typeface="Consolas"/>
-            </a:endParaRPr>
+            <a:r>
+              <a:rPr lang="en-US" dirty="0"/>
+              <a:t>Rather than undergoing major changes between Java 4 and Java 5, engineers chose to use </a:t>
+            </a:r>
+            <a:r>
+              <a:rPr lang="en-US" dirty="0">
+                <a:solidFill>
+                  <a:srgbClr val="E46C0A"/>
+                </a:solidFill>
+              </a:rPr>
+              <a:t>code erasure</a:t>
+            </a:r>
+          </a:p>
+          <a:p>
+            <a:r>
+              <a:rPr lang="en-US" dirty="0">
+                <a:solidFill>
+                  <a:schemeClr val="accent6">
+                    <a:lumMod val="75000"/>
+                  </a:schemeClr>
+                </a:solidFill>
+              </a:rPr>
+              <a:t>After the compiler does its type checking, it discards the generics; the JVM never sees them!</a:t>
+            </a:r>
+          </a:p>
+          <a:p>
+            <a:r>
+              <a:rPr lang="en-US" dirty="0"/>
+              <a:t>It works something like this:</a:t>
+            </a:r>
+          </a:p>
+          <a:p>
+            <a:pPr lvl="1"/>
+            <a:r>
+              <a:rPr lang="en-US" dirty="0"/>
+              <a:t>Type information (angle brackets) is thrown out: List&lt;String&gt; -&gt; List</a:t>
+            </a:r>
+          </a:p>
+          <a:p>
+            <a:pPr lvl="1"/>
+            <a:r>
+              <a:rPr lang="en-US" dirty="0"/>
+              <a:t>Type variables are replaced by their upper bound (usually Object)</a:t>
+            </a:r>
+          </a:p>
+          <a:p>
+            <a:pPr lvl="1"/>
+            <a:r>
+              <a:rPr lang="en-US" dirty="0"/>
+              <a:t>Casts are inserted to preserve type‐correctness</a:t>
+            </a:r>
+          </a:p>
+          <a:p>
+            <a:endParaRPr lang="en-US" dirty="0"/>
           </a:p>
         </p:txBody>
       </p:sp>
     </p:spTree>
     <p:extLst>
       <p:ext uri="{BB962C8B-B14F-4D97-AF65-F5344CB8AC3E}">
-        <p14:creationId xmlns:p14="http://schemas.microsoft.com/office/powerpoint/2010/main" val="3068492300"/>
+        <p14:creationId xmlns:p14="http://schemas.microsoft.com/office/powerpoint/2010/main" val="757042491"/>
       </p:ext>
     </p:extLst>
   </p:cSld>
@@ -7387,7 +7937,13 @@
       </p:grpSpPr>
       <p:sp>
         <p:nvSpPr>
-          <p:cNvPr id="2" name="Title 1"/>
+          <p:cNvPr id="4" name="Title 3">
+            <a:extLst>
+              <a:ext uri="{FF2B5EF4-FFF2-40B4-BE49-F238E27FC236}">
+                <a16:creationId xmlns:a16="http://schemas.microsoft.com/office/drawing/2014/main" id="{3B250653-71E9-FD45-A9E1-8D6006DC8554}"/>
+              </a:ext>
+            </a:extLst>
+          </p:cNvPr>
           <p:cNvSpPr>
             <a:spLocks noGrp="1"/>
           </p:cNvSpPr>
@@ -7402,25 +7958,32 @@
           <a:p>
             <a:r>
               <a:rPr lang="en-US" dirty="0"/>
-              <a:t>Wildcards or not?</a:t>
-            </a:r>
+              <a:t>Code Erasure</a:t>
+            </a:r>
+            <a:endParaRPr lang="en-GB" dirty="0"/>
           </a:p>
         </p:txBody>
       </p:sp>
       <p:sp>
         <p:nvSpPr>
-          <p:cNvPr id="3" name="Content Placeholder 2"/>
+          <p:cNvPr id="5" name="Content Placeholder 4">
+            <a:extLst>
+              <a:ext uri="{FF2B5EF4-FFF2-40B4-BE49-F238E27FC236}">
+                <a16:creationId xmlns:a16="http://schemas.microsoft.com/office/drawing/2014/main" id="{80050AF1-9E20-914C-8358-059E991F8015}"/>
+              </a:ext>
+            </a:extLst>
+          </p:cNvPr>
           <p:cNvSpPr>
             <a:spLocks noGrp="1"/>
           </p:cNvSpPr>
           <p:nvPr>
-            <p:ph idx="1"/>
+            <p:ph sz="half" idx="1"/>
           </p:nvPr>
         </p:nvSpPr>
         <p:spPr/>
         <p:txBody>
           <a:bodyPr>
-            <a:normAutofit/>
+            <a:normAutofit fontScale="62500" lnSpcReduction="20000"/>
           </a:bodyPr>
           <a:lstStyle/>
           <a:p>
@@ -7428,43 +7991,475 @@
               <a:buNone/>
             </a:pPr>
             <a:r>
-              <a:rPr lang="en-US" sz="2800" dirty="0">
-                <a:solidFill>
-                  <a:srgbClr val="E46C0A"/>
-                </a:solidFill>
-              </a:rPr>
-              <a:t>Rule of thumb: </a:t>
-            </a:r>
-            <a:r>
-              <a:rPr lang="en-US" sz="2800" dirty="0"/>
-              <a:t>Generic methods allow type parameters to be used to express dependencies among the types of one or more arguments to a method and/or its return type. </a:t>
-            </a:r>
-            <a:r>
-              <a:rPr lang="en-US" sz="2800" dirty="0">
-                <a:solidFill>
-                  <a:schemeClr val="accent6">
-                    <a:lumMod val="75000"/>
-                  </a:schemeClr>
-                </a:solidFill>
-              </a:rPr>
-              <a:t>If there isn't such a dependency, a generic method should not be used.</a:t>
-            </a:r>
-            <a:endParaRPr lang="en-US" sz="2800" dirty="0">
-              <a:solidFill>
-                <a:schemeClr val="accent6">
-                  <a:lumMod val="75000"/>
-                </a:schemeClr>
-              </a:solidFill>
-              <a:latin typeface="Consolas"/>
-              <a:cs typeface="Consolas"/>
-            </a:endParaRPr>
+              <a:rPr lang="en-GB" dirty="0">
+                <a:latin typeface="Consolas" panose="020B0609020204030204" pitchFamily="49" charset="0"/>
+                <a:cs typeface="Consolas" panose="020B0609020204030204" pitchFamily="49" charset="0"/>
+              </a:rPr>
+              <a:t>public class Stack&lt;E&gt; {</a:t>
+            </a:r>
+          </a:p>
+          <a:p>
+            <a:pPr marL="0" indent="0">
+              <a:buNone/>
+            </a:pPr>
+            <a:r>
+              <a:rPr lang="en-GB" dirty="0">
+                <a:latin typeface="Consolas" panose="020B0609020204030204" pitchFamily="49" charset="0"/>
+                <a:cs typeface="Consolas" panose="020B0609020204030204" pitchFamily="49" charset="0"/>
+              </a:rPr>
+              <a:t>    private E[] </a:t>
+            </a:r>
+            <a:r>
+              <a:rPr lang="en-GB" dirty="0" err="1">
+                <a:latin typeface="Consolas" panose="020B0609020204030204" pitchFamily="49" charset="0"/>
+                <a:cs typeface="Consolas" panose="020B0609020204030204" pitchFamily="49" charset="0"/>
+              </a:rPr>
+              <a:t>stackContent</a:t>
+            </a:r>
+            <a:r>
+              <a:rPr lang="en-GB" dirty="0">
+                <a:latin typeface="Consolas" panose="020B0609020204030204" pitchFamily="49" charset="0"/>
+                <a:cs typeface="Consolas" panose="020B0609020204030204" pitchFamily="49" charset="0"/>
+              </a:rPr>
+              <a:t>;</a:t>
+            </a:r>
+          </a:p>
+          <a:p>
+            <a:pPr marL="0" indent="0">
+              <a:buNone/>
+            </a:pPr>
+            <a:r>
+              <a:rPr lang="en-GB" dirty="0">
+                <a:latin typeface="Consolas" panose="020B0609020204030204" pitchFamily="49" charset="0"/>
+                <a:cs typeface="Consolas" panose="020B0609020204030204" pitchFamily="49" charset="0"/>
+              </a:rPr>
+              <a:t> </a:t>
+            </a:r>
+          </a:p>
+          <a:p>
+            <a:pPr marL="0" indent="0">
+              <a:buNone/>
+            </a:pPr>
+            <a:r>
+              <a:rPr lang="en-GB" dirty="0">
+                <a:latin typeface="Consolas" panose="020B0609020204030204" pitchFamily="49" charset="0"/>
+                <a:cs typeface="Consolas" panose="020B0609020204030204" pitchFamily="49" charset="0"/>
+              </a:rPr>
+              <a:t>    public Stack(</a:t>
+            </a:r>
+            <a:r>
+              <a:rPr lang="en-GB" dirty="0" err="1">
+                <a:latin typeface="Consolas" panose="020B0609020204030204" pitchFamily="49" charset="0"/>
+                <a:cs typeface="Consolas" panose="020B0609020204030204" pitchFamily="49" charset="0"/>
+              </a:rPr>
+              <a:t>int</a:t>
+            </a:r>
+            <a:r>
+              <a:rPr lang="en-GB" dirty="0">
+                <a:latin typeface="Consolas" panose="020B0609020204030204" pitchFamily="49" charset="0"/>
+                <a:cs typeface="Consolas" panose="020B0609020204030204" pitchFamily="49" charset="0"/>
+              </a:rPr>
+              <a:t> capacity) {</a:t>
+            </a:r>
+          </a:p>
+          <a:p>
+            <a:pPr marL="0" indent="0">
+              <a:buNone/>
+            </a:pPr>
+            <a:r>
+              <a:rPr lang="en-GB" dirty="0">
+                <a:latin typeface="Consolas" panose="020B0609020204030204" pitchFamily="49" charset="0"/>
+                <a:cs typeface="Consolas" panose="020B0609020204030204" pitchFamily="49" charset="0"/>
+              </a:rPr>
+              <a:t>        </a:t>
+            </a:r>
+            <a:r>
+              <a:rPr lang="en-GB" dirty="0" err="1">
+                <a:latin typeface="Consolas" panose="020B0609020204030204" pitchFamily="49" charset="0"/>
+                <a:cs typeface="Consolas" panose="020B0609020204030204" pitchFamily="49" charset="0"/>
+              </a:rPr>
+              <a:t>this.stackContent</a:t>
+            </a:r>
+            <a:r>
+              <a:rPr lang="en-GB" dirty="0">
+                <a:latin typeface="Consolas" panose="020B0609020204030204" pitchFamily="49" charset="0"/>
+                <a:cs typeface="Consolas" panose="020B0609020204030204" pitchFamily="49" charset="0"/>
+              </a:rPr>
+              <a:t> = (E[]) new Object[capacity];</a:t>
+            </a:r>
+          </a:p>
+          <a:p>
+            <a:pPr marL="0" indent="0">
+              <a:buNone/>
+            </a:pPr>
+            <a:r>
+              <a:rPr lang="en-GB" dirty="0">
+                <a:latin typeface="Consolas" panose="020B0609020204030204" pitchFamily="49" charset="0"/>
+                <a:cs typeface="Consolas" panose="020B0609020204030204" pitchFamily="49" charset="0"/>
+              </a:rPr>
+              <a:t>    }</a:t>
+            </a:r>
+          </a:p>
+          <a:p>
+            <a:pPr marL="0" indent="0">
+              <a:buNone/>
+            </a:pPr>
+            <a:r>
+              <a:rPr lang="en-GB" dirty="0">
+                <a:latin typeface="Consolas" panose="020B0609020204030204" pitchFamily="49" charset="0"/>
+                <a:cs typeface="Consolas" panose="020B0609020204030204" pitchFamily="49" charset="0"/>
+              </a:rPr>
+              <a:t> </a:t>
+            </a:r>
+          </a:p>
+          <a:p>
+            <a:pPr marL="0" indent="0">
+              <a:buNone/>
+            </a:pPr>
+            <a:r>
+              <a:rPr lang="en-GB" dirty="0">
+                <a:latin typeface="Consolas" panose="020B0609020204030204" pitchFamily="49" charset="0"/>
+                <a:cs typeface="Consolas" panose="020B0609020204030204" pitchFamily="49" charset="0"/>
+              </a:rPr>
+              <a:t>    public void push(E data) {</a:t>
+            </a:r>
+          </a:p>
+          <a:p>
+            <a:pPr marL="0" indent="0">
+              <a:buNone/>
+            </a:pPr>
+            <a:r>
+              <a:rPr lang="en-GB" dirty="0">
+                <a:latin typeface="Consolas" panose="020B0609020204030204" pitchFamily="49" charset="0"/>
+                <a:cs typeface="Consolas" panose="020B0609020204030204" pitchFamily="49" charset="0"/>
+              </a:rPr>
+              <a:t>        // ..</a:t>
+            </a:r>
+          </a:p>
+          <a:p>
+            <a:pPr marL="0" indent="0">
+              <a:buNone/>
+            </a:pPr>
+            <a:r>
+              <a:rPr lang="en-GB" dirty="0">
+                <a:latin typeface="Consolas" panose="020B0609020204030204" pitchFamily="49" charset="0"/>
+                <a:cs typeface="Consolas" panose="020B0609020204030204" pitchFamily="49" charset="0"/>
+              </a:rPr>
+              <a:t>    }</a:t>
+            </a:r>
+          </a:p>
+          <a:p>
+            <a:pPr marL="0" indent="0">
+              <a:buNone/>
+            </a:pPr>
+            <a:r>
+              <a:rPr lang="en-GB" dirty="0">
+                <a:latin typeface="Consolas" panose="020B0609020204030204" pitchFamily="49" charset="0"/>
+                <a:cs typeface="Consolas" panose="020B0609020204030204" pitchFamily="49" charset="0"/>
+              </a:rPr>
+              <a:t> </a:t>
+            </a:r>
+          </a:p>
+          <a:p>
+            <a:pPr marL="0" indent="0">
+              <a:buNone/>
+            </a:pPr>
+            <a:r>
+              <a:rPr lang="en-GB" dirty="0">
+                <a:latin typeface="Consolas" panose="020B0609020204030204" pitchFamily="49" charset="0"/>
+                <a:cs typeface="Consolas" panose="020B0609020204030204" pitchFamily="49" charset="0"/>
+              </a:rPr>
+              <a:t>    public E pop() {</a:t>
+            </a:r>
+          </a:p>
+          <a:p>
+            <a:pPr marL="0" indent="0">
+              <a:buNone/>
+            </a:pPr>
+            <a:r>
+              <a:rPr lang="en-GB" dirty="0">
+                <a:latin typeface="Consolas" panose="020B0609020204030204" pitchFamily="49" charset="0"/>
+                <a:cs typeface="Consolas" panose="020B0609020204030204" pitchFamily="49" charset="0"/>
+              </a:rPr>
+              <a:t>        // ..</a:t>
+            </a:r>
+          </a:p>
+          <a:p>
+            <a:pPr marL="0" indent="0">
+              <a:buNone/>
+            </a:pPr>
+            <a:r>
+              <a:rPr lang="en-GB" dirty="0">
+                <a:latin typeface="Consolas" panose="020B0609020204030204" pitchFamily="49" charset="0"/>
+                <a:cs typeface="Consolas" panose="020B0609020204030204" pitchFamily="49" charset="0"/>
+              </a:rPr>
+              <a:t>    }</a:t>
+            </a:r>
+          </a:p>
+          <a:p>
+            <a:pPr marL="0" indent="0">
+              <a:buNone/>
+            </a:pPr>
+            <a:r>
+              <a:rPr lang="en-GB" dirty="0">
+                <a:latin typeface="Consolas" panose="020B0609020204030204" pitchFamily="49" charset="0"/>
+                <a:cs typeface="Consolas" panose="020B0609020204030204" pitchFamily="49" charset="0"/>
+              </a:rPr>
+              <a:t>}</a:t>
+            </a:r>
+          </a:p>
+        </p:txBody>
+      </p:sp>
+      <p:sp>
+        <p:nvSpPr>
+          <p:cNvPr id="6" name="Content Placeholder 5">
+            <a:extLst>
+              <a:ext uri="{FF2B5EF4-FFF2-40B4-BE49-F238E27FC236}">
+                <a16:creationId xmlns:a16="http://schemas.microsoft.com/office/drawing/2014/main" id="{CF0248D5-170C-6142-A0E2-49F58210955D}"/>
+              </a:ext>
+            </a:extLst>
+          </p:cNvPr>
+          <p:cNvSpPr>
+            <a:spLocks noGrp="1"/>
+          </p:cNvSpPr>
+          <p:nvPr>
+            <p:ph sz="half" idx="2"/>
+          </p:nvPr>
+        </p:nvSpPr>
+        <p:spPr/>
+        <p:txBody>
+          <a:bodyPr>
+            <a:normAutofit fontScale="62500" lnSpcReduction="20000"/>
+          </a:bodyPr>
+          <a:lstStyle/>
+          <a:p>
+            <a:pPr marL="0" indent="0">
+              <a:buNone/>
+            </a:pPr>
+            <a:r>
+              <a:rPr lang="en-GB" dirty="0">
+                <a:latin typeface="Consolas" panose="020B0609020204030204" pitchFamily="49" charset="0"/>
+                <a:cs typeface="Consolas" panose="020B0609020204030204" pitchFamily="49" charset="0"/>
+              </a:rPr>
+              <a:t>public class Stack {</a:t>
+            </a:r>
+          </a:p>
+          <a:p>
+            <a:pPr marL="0" indent="0">
+              <a:buNone/>
+            </a:pPr>
+            <a:r>
+              <a:rPr lang="en-GB" dirty="0">
+                <a:latin typeface="Consolas" panose="020B0609020204030204" pitchFamily="49" charset="0"/>
+                <a:cs typeface="Consolas" panose="020B0609020204030204" pitchFamily="49" charset="0"/>
+              </a:rPr>
+              <a:t>    private Object[] </a:t>
+            </a:r>
+            <a:r>
+              <a:rPr lang="en-GB" dirty="0" err="1">
+                <a:latin typeface="Consolas" panose="020B0609020204030204" pitchFamily="49" charset="0"/>
+                <a:cs typeface="Consolas" panose="020B0609020204030204" pitchFamily="49" charset="0"/>
+              </a:rPr>
+              <a:t>stackContent</a:t>
+            </a:r>
+            <a:r>
+              <a:rPr lang="en-GB" dirty="0">
+                <a:latin typeface="Consolas" panose="020B0609020204030204" pitchFamily="49" charset="0"/>
+                <a:cs typeface="Consolas" panose="020B0609020204030204" pitchFamily="49" charset="0"/>
+              </a:rPr>
+              <a:t>;</a:t>
+            </a:r>
+          </a:p>
+          <a:p>
+            <a:pPr marL="0" indent="0">
+              <a:buNone/>
+            </a:pPr>
+            <a:r>
+              <a:rPr lang="en-GB" dirty="0">
+                <a:latin typeface="Consolas" panose="020B0609020204030204" pitchFamily="49" charset="0"/>
+                <a:cs typeface="Consolas" panose="020B0609020204030204" pitchFamily="49" charset="0"/>
+              </a:rPr>
+              <a:t> </a:t>
+            </a:r>
+          </a:p>
+          <a:p>
+            <a:pPr marL="0" indent="0">
+              <a:buNone/>
+            </a:pPr>
+            <a:r>
+              <a:rPr lang="en-GB" dirty="0">
+                <a:latin typeface="Consolas" panose="020B0609020204030204" pitchFamily="49" charset="0"/>
+                <a:cs typeface="Consolas" panose="020B0609020204030204" pitchFamily="49" charset="0"/>
+              </a:rPr>
+              <a:t>    public Stack(</a:t>
+            </a:r>
+            <a:r>
+              <a:rPr lang="en-GB" dirty="0" err="1">
+                <a:latin typeface="Consolas" panose="020B0609020204030204" pitchFamily="49" charset="0"/>
+                <a:cs typeface="Consolas" panose="020B0609020204030204" pitchFamily="49" charset="0"/>
+              </a:rPr>
+              <a:t>int</a:t>
+            </a:r>
+            <a:r>
+              <a:rPr lang="en-GB" dirty="0">
+                <a:latin typeface="Consolas" panose="020B0609020204030204" pitchFamily="49" charset="0"/>
+                <a:cs typeface="Consolas" panose="020B0609020204030204" pitchFamily="49" charset="0"/>
+              </a:rPr>
+              <a:t> capacity) {</a:t>
+            </a:r>
+          </a:p>
+          <a:p>
+            <a:pPr marL="0" indent="0">
+              <a:buNone/>
+            </a:pPr>
+            <a:r>
+              <a:rPr lang="en-GB" dirty="0">
+                <a:latin typeface="Consolas" panose="020B0609020204030204" pitchFamily="49" charset="0"/>
+                <a:cs typeface="Consolas" panose="020B0609020204030204" pitchFamily="49" charset="0"/>
+              </a:rPr>
+              <a:t>        </a:t>
+            </a:r>
+            <a:r>
+              <a:rPr lang="en-GB" dirty="0" err="1">
+                <a:latin typeface="Consolas" panose="020B0609020204030204" pitchFamily="49" charset="0"/>
+                <a:cs typeface="Consolas" panose="020B0609020204030204" pitchFamily="49" charset="0"/>
+              </a:rPr>
+              <a:t>this.stackContent</a:t>
+            </a:r>
+            <a:r>
+              <a:rPr lang="en-GB" dirty="0">
+                <a:latin typeface="Consolas" panose="020B0609020204030204" pitchFamily="49" charset="0"/>
+                <a:cs typeface="Consolas" panose="020B0609020204030204" pitchFamily="49" charset="0"/>
+              </a:rPr>
+              <a:t> = (Object[]) new Object[capacity];</a:t>
+            </a:r>
+          </a:p>
+          <a:p>
+            <a:pPr marL="0" indent="0">
+              <a:buNone/>
+            </a:pPr>
+            <a:r>
+              <a:rPr lang="en-GB" dirty="0">
+                <a:latin typeface="Consolas" panose="020B0609020204030204" pitchFamily="49" charset="0"/>
+                <a:cs typeface="Consolas" panose="020B0609020204030204" pitchFamily="49" charset="0"/>
+              </a:rPr>
+              <a:t>    }</a:t>
+            </a:r>
+          </a:p>
+          <a:p>
+            <a:pPr marL="0" indent="0">
+              <a:buNone/>
+            </a:pPr>
+            <a:r>
+              <a:rPr lang="en-GB" dirty="0">
+                <a:latin typeface="Consolas" panose="020B0609020204030204" pitchFamily="49" charset="0"/>
+                <a:cs typeface="Consolas" panose="020B0609020204030204" pitchFamily="49" charset="0"/>
+              </a:rPr>
+              <a:t> </a:t>
+            </a:r>
+          </a:p>
+          <a:p>
+            <a:pPr marL="0" indent="0">
+              <a:buNone/>
+            </a:pPr>
+            <a:r>
+              <a:rPr lang="en-GB" dirty="0">
+                <a:latin typeface="Consolas" panose="020B0609020204030204" pitchFamily="49" charset="0"/>
+                <a:cs typeface="Consolas" panose="020B0609020204030204" pitchFamily="49" charset="0"/>
+              </a:rPr>
+              <a:t>    public void push(Object data) {</a:t>
+            </a:r>
+          </a:p>
+          <a:p>
+            <a:pPr marL="0" indent="0">
+              <a:buNone/>
+            </a:pPr>
+            <a:r>
+              <a:rPr lang="en-GB" dirty="0">
+                <a:latin typeface="Consolas" panose="020B0609020204030204" pitchFamily="49" charset="0"/>
+                <a:cs typeface="Consolas" panose="020B0609020204030204" pitchFamily="49" charset="0"/>
+              </a:rPr>
+              <a:t>        // ..</a:t>
+            </a:r>
+          </a:p>
+          <a:p>
+            <a:pPr marL="0" indent="0">
+              <a:buNone/>
+            </a:pPr>
+            <a:r>
+              <a:rPr lang="en-GB" dirty="0">
+                <a:latin typeface="Consolas" panose="020B0609020204030204" pitchFamily="49" charset="0"/>
+                <a:cs typeface="Consolas" panose="020B0609020204030204" pitchFamily="49" charset="0"/>
+              </a:rPr>
+              <a:t>    }</a:t>
+            </a:r>
+          </a:p>
+          <a:p>
+            <a:pPr marL="0" indent="0">
+              <a:buNone/>
+            </a:pPr>
+            <a:r>
+              <a:rPr lang="en-GB" dirty="0">
+                <a:latin typeface="Consolas" panose="020B0609020204030204" pitchFamily="49" charset="0"/>
+                <a:cs typeface="Consolas" panose="020B0609020204030204" pitchFamily="49" charset="0"/>
+              </a:rPr>
+              <a:t> </a:t>
+            </a:r>
+          </a:p>
+          <a:p>
+            <a:pPr marL="0" indent="0">
+              <a:buNone/>
+            </a:pPr>
+            <a:r>
+              <a:rPr lang="en-GB" dirty="0">
+                <a:latin typeface="Consolas" panose="020B0609020204030204" pitchFamily="49" charset="0"/>
+                <a:cs typeface="Consolas" panose="020B0609020204030204" pitchFamily="49" charset="0"/>
+              </a:rPr>
+              <a:t>    public Object pop() {</a:t>
+            </a:r>
+          </a:p>
+          <a:p>
+            <a:pPr marL="0" indent="0">
+              <a:buNone/>
+            </a:pPr>
+            <a:r>
+              <a:rPr lang="en-GB" dirty="0">
+                <a:latin typeface="Consolas" panose="020B0609020204030204" pitchFamily="49" charset="0"/>
+                <a:cs typeface="Consolas" panose="020B0609020204030204" pitchFamily="49" charset="0"/>
+              </a:rPr>
+              <a:t>        // ..</a:t>
+            </a:r>
+          </a:p>
+          <a:p>
+            <a:pPr marL="0" indent="0">
+              <a:buNone/>
+            </a:pPr>
+            <a:r>
+              <a:rPr lang="en-GB" dirty="0">
+                <a:latin typeface="Consolas" panose="020B0609020204030204" pitchFamily="49" charset="0"/>
+                <a:cs typeface="Consolas" panose="020B0609020204030204" pitchFamily="49" charset="0"/>
+              </a:rPr>
+              <a:t>    }</a:t>
+            </a:r>
+          </a:p>
+          <a:p>
+            <a:pPr marL="0" indent="0">
+              <a:buNone/>
+            </a:pPr>
+            <a:r>
+              <a:rPr lang="en-GB" dirty="0">
+                <a:latin typeface="Consolas" panose="020B0609020204030204" pitchFamily="49" charset="0"/>
+                <a:cs typeface="Consolas" panose="020B0609020204030204" pitchFamily="49" charset="0"/>
+              </a:rPr>
+              <a:t>}</a:t>
+            </a:r>
           </a:p>
         </p:txBody>
       </p:sp>
     </p:spTree>
     <p:extLst>
       <p:ext uri="{BB962C8B-B14F-4D97-AF65-F5344CB8AC3E}">
-        <p14:creationId xmlns:p14="http://schemas.microsoft.com/office/powerpoint/2010/main" val="1880043128"/>
+        <p14:creationId xmlns:p14="http://schemas.microsoft.com/office/powerpoint/2010/main" val="1236393491"/>
       </p:ext>
     </p:extLst>
   </p:cSld>
@@ -7493,7 +8488,13 @@
       </p:grpSpPr>
       <p:sp>
         <p:nvSpPr>
-          <p:cNvPr id="2" name="Title 1"/>
+          <p:cNvPr id="4" name="Title 3">
+            <a:extLst>
+              <a:ext uri="{FF2B5EF4-FFF2-40B4-BE49-F238E27FC236}">
+                <a16:creationId xmlns:a16="http://schemas.microsoft.com/office/drawing/2014/main" id="{3B250653-71E9-FD45-A9E1-8D6006DC8554}"/>
+              </a:ext>
+            </a:extLst>
+          </p:cNvPr>
           <p:cNvSpPr>
             <a:spLocks noGrp="1"/>
           </p:cNvSpPr>
@@ -7508,83 +8509,573 @@
           <a:p>
             <a:r>
               <a:rPr lang="en-US" dirty="0"/>
-              <a:t>How Generics are Implemented</a:t>
-            </a:r>
+              <a:t>Code Erasure</a:t>
+            </a:r>
+            <a:endParaRPr lang="en-GB" dirty="0"/>
           </a:p>
         </p:txBody>
       </p:sp>
       <p:sp>
         <p:nvSpPr>
-          <p:cNvPr id="3" name="Content Placeholder 2"/>
+          <p:cNvPr id="5" name="Content Placeholder 4">
+            <a:extLst>
+              <a:ext uri="{FF2B5EF4-FFF2-40B4-BE49-F238E27FC236}">
+                <a16:creationId xmlns:a16="http://schemas.microsoft.com/office/drawing/2014/main" id="{80050AF1-9E20-914C-8358-059E991F8015}"/>
+              </a:ext>
+            </a:extLst>
+          </p:cNvPr>
           <p:cNvSpPr>
             <a:spLocks noGrp="1"/>
           </p:cNvSpPr>
           <p:nvPr>
-            <p:ph idx="1"/>
+            <p:ph sz="half" idx="1"/>
           </p:nvPr>
         </p:nvSpPr>
         <p:spPr/>
         <p:txBody>
           <a:bodyPr>
-            <a:normAutofit fontScale="92500" lnSpcReduction="20000"/>
+            <a:normAutofit fontScale="55000" lnSpcReduction="20000"/>
           </a:bodyPr>
           <a:lstStyle/>
           <a:p>
-            <a:r>
-              <a:rPr lang="en-US" dirty="0"/>
-              <a:t>Rather than undergoing major changes between Java 4 and Java 5, engineers chose to use </a:t>
-            </a:r>
-            <a:r>
-              <a:rPr lang="en-US" dirty="0">
-                <a:solidFill>
-                  <a:srgbClr val="E46C0A"/>
-                </a:solidFill>
-              </a:rPr>
-              <a:t>code erasure</a:t>
-            </a:r>
-          </a:p>
-          <a:p>
-            <a:r>
-              <a:rPr lang="en-US" dirty="0"/>
-              <a:t>After the compiler does its type checking, it discards the generics; the JVM never sees them!</a:t>
-            </a:r>
-          </a:p>
-          <a:p>
-            <a:r>
-              <a:rPr lang="en-US" dirty="0"/>
-              <a:t>It works something like this:</a:t>
-            </a:r>
-          </a:p>
-          <a:p>
-            <a:pPr lvl="1"/>
-            <a:r>
-              <a:rPr lang="en-US" dirty="0"/>
-              <a:t>Type information between angle brackets is thrown out, e.g., List&lt;String&gt; -&gt; List</a:t>
-            </a:r>
-          </a:p>
-          <a:p>
-            <a:pPr lvl="1"/>
-            <a:r>
-              <a:rPr lang="en-US" dirty="0"/>
-              <a:t>Uses of type variables are replaced by their upper bound (usually Object)</a:t>
-            </a:r>
-          </a:p>
-          <a:p>
-            <a:pPr lvl="1"/>
-            <a:r>
-              <a:rPr lang="en-US" dirty="0"/>
-              <a:t>Casts are inserted to preserve type‐correctness</a:t>
-            </a:r>
-          </a:p>
-          <a:p>
-            <a:endParaRPr lang="en-US" dirty="0"/>
+            <a:pPr marL="0" indent="0">
+              <a:buNone/>
+            </a:pPr>
+            <a:r>
+              <a:rPr lang="en-GB" dirty="0">
+                <a:latin typeface="Consolas" panose="020B0609020204030204" pitchFamily="49" charset="0"/>
+                <a:cs typeface="Consolas" panose="020B0609020204030204" pitchFamily="49" charset="0"/>
+              </a:rPr>
+              <a:t>public class </a:t>
+            </a:r>
+            <a:r>
+              <a:rPr lang="en-GB" dirty="0" err="1">
+                <a:latin typeface="Consolas" panose="020B0609020204030204" pitchFamily="49" charset="0"/>
+                <a:cs typeface="Consolas" panose="020B0609020204030204" pitchFamily="49" charset="0"/>
+              </a:rPr>
+              <a:t>BoundStack</a:t>
+            </a:r>
+            <a:r>
+              <a:rPr lang="en-GB" dirty="0">
+                <a:latin typeface="Consolas" panose="020B0609020204030204" pitchFamily="49" charset="0"/>
+                <a:cs typeface="Consolas" panose="020B0609020204030204" pitchFamily="49" charset="0"/>
+              </a:rPr>
+              <a:t>&lt;E extends Comparable&lt;E&gt;&gt; {</a:t>
+            </a:r>
+          </a:p>
+          <a:p>
+            <a:pPr marL="0" indent="0">
+              <a:buNone/>
+            </a:pPr>
+            <a:r>
+              <a:rPr lang="en-GB" dirty="0">
+                <a:latin typeface="Consolas" panose="020B0609020204030204" pitchFamily="49" charset="0"/>
+                <a:cs typeface="Consolas" panose="020B0609020204030204" pitchFamily="49" charset="0"/>
+              </a:rPr>
+              <a:t>    private E[] </a:t>
+            </a:r>
+            <a:r>
+              <a:rPr lang="en-GB" dirty="0" err="1">
+                <a:latin typeface="Consolas" panose="020B0609020204030204" pitchFamily="49" charset="0"/>
+                <a:cs typeface="Consolas" panose="020B0609020204030204" pitchFamily="49" charset="0"/>
+              </a:rPr>
+              <a:t>stackContent</a:t>
+            </a:r>
+            <a:r>
+              <a:rPr lang="en-GB" dirty="0">
+                <a:latin typeface="Consolas" panose="020B0609020204030204" pitchFamily="49" charset="0"/>
+                <a:cs typeface="Consolas" panose="020B0609020204030204" pitchFamily="49" charset="0"/>
+              </a:rPr>
+              <a:t>;</a:t>
+            </a:r>
+          </a:p>
+          <a:p>
+            <a:pPr marL="0" indent="0">
+              <a:buNone/>
+            </a:pPr>
+            <a:r>
+              <a:rPr lang="en-GB" dirty="0">
+                <a:latin typeface="Consolas" panose="020B0609020204030204" pitchFamily="49" charset="0"/>
+                <a:cs typeface="Consolas" panose="020B0609020204030204" pitchFamily="49" charset="0"/>
+              </a:rPr>
+              <a:t> </a:t>
+            </a:r>
+          </a:p>
+          <a:p>
+            <a:pPr marL="0" indent="0">
+              <a:buNone/>
+            </a:pPr>
+            <a:r>
+              <a:rPr lang="en-GB" dirty="0">
+                <a:latin typeface="Consolas" panose="020B0609020204030204" pitchFamily="49" charset="0"/>
+                <a:cs typeface="Consolas" panose="020B0609020204030204" pitchFamily="49" charset="0"/>
+              </a:rPr>
+              <a:t>    public </a:t>
+            </a:r>
+            <a:r>
+              <a:rPr lang="en-GB" dirty="0" err="1">
+                <a:latin typeface="Consolas" panose="020B0609020204030204" pitchFamily="49" charset="0"/>
+                <a:cs typeface="Consolas" panose="020B0609020204030204" pitchFamily="49" charset="0"/>
+              </a:rPr>
+              <a:t>BoundStack</a:t>
+            </a:r>
+            <a:r>
+              <a:rPr lang="en-GB" dirty="0">
+                <a:latin typeface="Consolas" panose="020B0609020204030204" pitchFamily="49" charset="0"/>
+                <a:cs typeface="Consolas" panose="020B0609020204030204" pitchFamily="49" charset="0"/>
+              </a:rPr>
+              <a:t>(</a:t>
+            </a:r>
+            <a:r>
+              <a:rPr lang="en-GB" dirty="0" err="1">
+                <a:latin typeface="Consolas" panose="020B0609020204030204" pitchFamily="49" charset="0"/>
+                <a:cs typeface="Consolas" panose="020B0609020204030204" pitchFamily="49" charset="0"/>
+              </a:rPr>
+              <a:t>int</a:t>
+            </a:r>
+            <a:r>
+              <a:rPr lang="en-GB" dirty="0">
+                <a:latin typeface="Consolas" panose="020B0609020204030204" pitchFamily="49" charset="0"/>
+                <a:cs typeface="Consolas" panose="020B0609020204030204" pitchFamily="49" charset="0"/>
+              </a:rPr>
+              <a:t> capacity) {</a:t>
+            </a:r>
+          </a:p>
+          <a:p>
+            <a:pPr marL="0" indent="0">
+              <a:buNone/>
+            </a:pPr>
+            <a:r>
+              <a:rPr lang="en-GB" dirty="0">
+                <a:latin typeface="Consolas" panose="020B0609020204030204" pitchFamily="49" charset="0"/>
+                <a:cs typeface="Consolas" panose="020B0609020204030204" pitchFamily="49" charset="0"/>
+              </a:rPr>
+              <a:t>        </a:t>
+            </a:r>
+            <a:r>
+              <a:rPr lang="en-GB" dirty="0" err="1">
+                <a:latin typeface="Consolas" panose="020B0609020204030204" pitchFamily="49" charset="0"/>
+                <a:cs typeface="Consolas" panose="020B0609020204030204" pitchFamily="49" charset="0"/>
+              </a:rPr>
+              <a:t>this.stackContent</a:t>
+            </a:r>
+            <a:r>
+              <a:rPr lang="en-GB" dirty="0">
+                <a:latin typeface="Consolas" panose="020B0609020204030204" pitchFamily="49" charset="0"/>
+                <a:cs typeface="Consolas" panose="020B0609020204030204" pitchFamily="49" charset="0"/>
+              </a:rPr>
+              <a:t> = (E[]) new Object[capacity];</a:t>
+            </a:r>
+          </a:p>
+          <a:p>
+            <a:pPr marL="0" indent="0">
+              <a:buNone/>
+            </a:pPr>
+            <a:r>
+              <a:rPr lang="en-GB" dirty="0">
+                <a:latin typeface="Consolas" panose="020B0609020204030204" pitchFamily="49" charset="0"/>
+                <a:cs typeface="Consolas" panose="020B0609020204030204" pitchFamily="49" charset="0"/>
+              </a:rPr>
+              <a:t>    }</a:t>
+            </a:r>
+          </a:p>
+          <a:p>
+            <a:pPr marL="0" indent="0">
+              <a:buNone/>
+            </a:pPr>
+            <a:r>
+              <a:rPr lang="en-GB" dirty="0">
+                <a:latin typeface="Consolas" panose="020B0609020204030204" pitchFamily="49" charset="0"/>
+                <a:cs typeface="Consolas" panose="020B0609020204030204" pitchFamily="49" charset="0"/>
+              </a:rPr>
+              <a:t> </a:t>
+            </a:r>
+          </a:p>
+          <a:p>
+            <a:pPr marL="0" indent="0">
+              <a:buNone/>
+            </a:pPr>
+            <a:r>
+              <a:rPr lang="en-GB" dirty="0">
+                <a:latin typeface="Consolas" panose="020B0609020204030204" pitchFamily="49" charset="0"/>
+                <a:cs typeface="Consolas" panose="020B0609020204030204" pitchFamily="49" charset="0"/>
+              </a:rPr>
+              <a:t>    public void push(E data) {</a:t>
+            </a:r>
+          </a:p>
+          <a:p>
+            <a:pPr marL="0" indent="0">
+              <a:buNone/>
+            </a:pPr>
+            <a:r>
+              <a:rPr lang="en-GB" dirty="0">
+                <a:latin typeface="Consolas" panose="020B0609020204030204" pitchFamily="49" charset="0"/>
+                <a:cs typeface="Consolas" panose="020B0609020204030204" pitchFamily="49" charset="0"/>
+              </a:rPr>
+              <a:t>        // ..</a:t>
+            </a:r>
+          </a:p>
+          <a:p>
+            <a:pPr marL="0" indent="0">
+              <a:buNone/>
+            </a:pPr>
+            <a:r>
+              <a:rPr lang="en-GB" dirty="0">
+                <a:latin typeface="Consolas" panose="020B0609020204030204" pitchFamily="49" charset="0"/>
+                <a:cs typeface="Consolas" panose="020B0609020204030204" pitchFamily="49" charset="0"/>
+              </a:rPr>
+              <a:t>    }</a:t>
+            </a:r>
+          </a:p>
+          <a:p>
+            <a:pPr marL="0" indent="0">
+              <a:buNone/>
+            </a:pPr>
+            <a:r>
+              <a:rPr lang="en-GB" dirty="0">
+                <a:latin typeface="Consolas" panose="020B0609020204030204" pitchFamily="49" charset="0"/>
+                <a:cs typeface="Consolas" panose="020B0609020204030204" pitchFamily="49" charset="0"/>
+              </a:rPr>
+              <a:t> </a:t>
+            </a:r>
+          </a:p>
+          <a:p>
+            <a:pPr marL="0" indent="0">
+              <a:buNone/>
+            </a:pPr>
+            <a:r>
+              <a:rPr lang="en-GB" dirty="0">
+                <a:latin typeface="Consolas" panose="020B0609020204030204" pitchFamily="49" charset="0"/>
+                <a:cs typeface="Consolas" panose="020B0609020204030204" pitchFamily="49" charset="0"/>
+              </a:rPr>
+              <a:t>    public E pop() {</a:t>
+            </a:r>
+          </a:p>
+          <a:p>
+            <a:pPr marL="0" indent="0">
+              <a:buNone/>
+            </a:pPr>
+            <a:r>
+              <a:rPr lang="en-GB" dirty="0">
+                <a:latin typeface="Consolas" panose="020B0609020204030204" pitchFamily="49" charset="0"/>
+                <a:cs typeface="Consolas" panose="020B0609020204030204" pitchFamily="49" charset="0"/>
+              </a:rPr>
+              <a:t>        // ..</a:t>
+            </a:r>
+          </a:p>
+          <a:p>
+            <a:pPr marL="0" indent="0">
+              <a:buNone/>
+            </a:pPr>
+            <a:r>
+              <a:rPr lang="en-GB" dirty="0">
+                <a:latin typeface="Consolas" panose="020B0609020204030204" pitchFamily="49" charset="0"/>
+                <a:cs typeface="Consolas" panose="020B0609020204030204" pitchFamily="49" charset="0"/>
+              </a:rPr>
+              <a:t>    }</a:t>
+            </a:r>
+          </a:p>
+          <a:p>
+            <a:pPr marL="0" indent="0">
+              <a:buNone/>
+            </a:pPr>
+            <a:r>
+              <a:rPr lang="en-GB" dirty="0">
+                <a:latin typeface="Consolas" panose="020B0609020204030204" pitchFamily="49" charset="0"/>
+                <a:cs typeface="Consolas" panose="020B0609020204030204" pitchFamily="49" charset="0"/>
+              </a:rPr>
+              <a:t>}</a:t>
+            </a:r>
+          </a:p>
+          <a:p>
+            <a:pPr marL="0" indent="0">
+              <a:buNone/>
+            </a:pPr>
+            <a:endParaRPr lang="en-GB" dirty="0">
+              <a:latin typeface="Consolas" panose="020B0609020204030204" pitchFamily="49" charset="0"/>
+              <a:cs typeface="Consolas" panose="020B0609020204030204" pitchFamily="49" charset="0"/>
+            </a:endParaRPr>
+          </a:p>
+        </p:txBody>
+      </p:sp>
+      <p:sp>
+        <p:nvSpPr>
+          <p:cNvPr id="6" name="Content Placeholder 5">
+            <a:extLst>
+              <a:ext uri="{FF2B5EF4-FFF2-40B4-BE49-F238E27FC236}">
+                <a16:creationId xmlns:a16="http://schemas.microsoft.com/office/drawing/2014/main" id="{CF0248D5-170C-6142-A0E2-49F58210955D}"/>
+              </a:ext>
+            </a:extLst>
+          </p:cNvPr>
+          <p:cNvSpPr>
+            <a:spLocks noGrp="1"/>
+          </p:cNvSpPr>
+          <p:nvPr>
+            <p:ph sz="half" idx="2"/>
+          </p:nvPr>
+        </p:nvSpPr>
+        <p:spPr/>
+        <p:txBody>
+          <a:bodyPr>
+            <a:normAutofit fontScale="55000" lnSpcReduction="20000"/>
+          </a:bodyPr>
+          <a:lstStyle/>
+          <a:p>
+            <a:pPr marL="0" indent="0">
+              <a:buNone/>
+            </a:pPr>
+            <a:r>
+              <a:rPr lang="en-GB" dirty="0">
+                <a:latin typeface="Consolas" panose="020B0609020204030204" pitchFamily="49" charset="0"/>
+                <a:cs typeface="Consolas" panose="020B0609020204030204" pitchFamily="49" charset="0"/>
+              </a:rPr>
+              <a:t>public class </a:t>
+            </a:r>
+            <a:r>
+              <a:rPr lang="en-GB" dirty="0" err="1">
+                <a:latin typeface="Consolas" panose="020B0609020204030204" pitchFamily="49" charset="0"/>
+                <a:cs typeface="Consolas" panose="020B0609020204030204" pitchFamily="49" charset="0"/>
+              </a:rPr>
+              <a:t>BoundStack</a:t>
+            </a:r>
+            <a:r>
+              <a:rPr lang="en-GB" dirty="0">
+                <a:latin typeface="Consolas" panose="020B0609020204030204" pitchFamily="49" charset="0"/>
+                <a:cs typeface="Consolas" panose="020B0609020204030204" pitchFamily="49" charset="0"/>
+              </a:rPr>
+              <a:t> {</a:t>
+            </a:r>
+          </a:p>
+          <a:p>
+            <a:pPr marL="0" indent="0">
+              <a:buNone/>
+            </a:pPr>
+            <a:r>
+              <a:rPr lang="en-GB" dirty="0">
+                <a:latin typeface="Consolas" panose="020B0609020204030204" pitchFamily="49" charset="0"/>
+                <a:cs typeface="Consolas" panose="020B0609020204030204" pitchFamily="49" charset="0"/>
+              </a:rPr>
+              <a:t>    private Comparable [] </a:t>
+            </a:r>
+            <a:r>
+              <a:rPr lang="en-GB" dirty="0" err="1">
+                <a:latin typeface="Consolas" panose="020B0609020204030204" pitchFamily="49" charset="0"/>
+                <a:cs typeface="Consolas" panose="020B0609020204030204" pitchFamily="49" charset="0"/>
+              </a:rPr>
+              <a:t>stackContent</a:t>
+            </a:r>
+            <a:r>
+              <a:rPr lang="en-GB" dirty="0">
+                <a:latin typeface="Consolas" panose="020B0609020204030204" pitchFamily="49" charset="0"/>
+                <a:cs typeface="Consolas" panose="020B0609020204030204" pitchFamily="49" charset="0"/>
+              </a:rPr>
+              <a:t>;</a:t>
+            </a:r>
+          </a:p>
+          <a:p>
+            <a:pPr marL="0" indent="0">
+              <a:buNone/>
+            </a:pPr>
+            <a:r>
+              <a:rPr lang="en-GB" dirty="0">
+                <a:latin typeface="Consolas" panose="020B0609020204030204" pitchFamily="49" charset="0"/>
+                <a:cs typeface="Consolas" panose="020B0609020204030204" pitchFamily="49" charset="0"/>
+              </a:rPr>
+              <a:t> </a:t>
+            </a:r>
+          </a:p>
+          <a:p>
+            <a:pPr marL="0" indent="0">
+              <a:buNone/>
+            </a:pPr>
+            <a:r>
+              <a:rPr lang="en-GB" dirty="0">
+                <a:latin typeface="Consolas" panose="020B0609020204030204" pitchFamily="49" charset="0"/>
+                <a:cs typeface="Consolas" panose="020B0609020204030204" pitchFamily="49" charset="0"/>
+              </a:rPr>
+              <a:t>    public </a:t>
+            </a:r>
+            <a:r>
+              <a:rPr lang="en-GB" dirty="0" err="1">
+                <a:latin typeface="Consolas" panose="020B0609020204030204" pitchFamily="49" charset="0"/>
+                <a:cs typeface="Consolas" panose="020B0609020204030204" pitchFamily="49" charset="0"/>
+              </a:rPr>
+              <a:t>BoundStack</a:t>
+            </a:r>
+            <a:r>
+              <a:rPr lang="en-GB" dirty="0">
+                <a:latin typeface="Consolas" panose="020B0609020204030204" pitchFamily="49" charset="0"/>
+                <a:cs typeface="Consolas" panose="020B0609020204030204" pitchFamily="49" charset="0"/>
+              </a:rPr>
+              <a:t>(</a:t>
+            </a:r>
+            <a:r>
+              <a:rPr lang="en-GB" dirty="0" err="1">
+                <a:latin typeface="Consolas" panose="020B0609020204030204" pitchFamily="49" charset="0"/>
+                <a:cs typeface="Consolas" panose="020B0609020204030204" pitchFamily="49" charset="0"/>
+              </a:rPr>
+              <a:t>int</a:t>
+            </a:r>
+            <a:r>
+              <a:rPr lang="en-GB" dirty="0">
+                <a:latin typeface="Consolas" panose="020B0609020204030204" pitchFamily="49" charset="0"/>
+                <a:cs typeface="Consolas" panose="020B0609020204030204" pitchFamily="49" charset="0"/>
+              </a:rPr>
+              <a:t> capacity) {</a:t>
+            </a:r>
+          </a:p>
+          <a:p>
+            <a:pPr marL="0" indent="0">
+              <a:buNone/>
+            </a:pPr>
+            <a:r>
+              <a:rPr lang="en-GB" dirty="0">
+                <a:latin typeface="Consolas" panose="020B0609020204030204" pitchFamily="49" charset="0"/>
+                <a:cs typeface="Consolas" panose="020B0609020204030204" pitchFamily="49" charset="0"/>
+              </a:rPr>
+              <a:t>        </a:t>
+            </a:r>
+            <a:r>
+              <a:rPr lang="en-GB" dirty="0" err="1">
+                <a:latin typeface="Consolas" panose="020B0609020204030204" pitchFamily="49" charset="0"/>
+                <a:cs typeface="Consolas" panose="020B0609020204030204" pitchFamily="49" charset="0"/>
+              </a:rPr>
+              <a:t>this.stackContent</a:t>
+            </a:r>
+            <a:r>
+              <a:rPr lang="en-GB" dirty="0">
+                <a:latin typeface="Consolas" panose="020B0609020204030204" pitchFamily="49" charset="0"/>
+                <a:cs typeface="Consolas" panose="020B0609020204030204" pitchFamily="49" charset="0"/>
+              </a:rPr>
+              <a:t> = (Comparable[]) new Object[capacity];</a:t>
+            </a:r>
+          </a:p>
+          <a:p>
+            <a:pPr marL="0" indent="0">
+              <a:buNone/>
+            </a:pPr>
+            <a:r>
+              <a:rPr lang="en-GB" dirty="0">
+                <a:latin typeface="Consolas" panose="020B0609020204030204" pitchFamily="49" charset="0"/>
+                <a:cs typeface="Consolas" panose="020B0609020204030204" pitchFamily="49" charset="0"/>
+              </a:rPr>
+              <a:t>    }</a:t>
+            </a:r>
+          </a:p>
+          <a:p>
+            <a:pPr marL="0" indent="0">
+              <a:buNone/>
+            </a:pPr>
+            <a:r>
+              <a:rPr lang="en-GB" dirty="0">
+                <a:latin typeface="Consolas" panose="020B0609020204030204" pitchFamily="49" charset="0"/>
+                <a:cs typeface="Consolas" panose="020B0609020204030204" pitchFamily="49" charset="0"/>
+              </a:rPr>
+              <a:t> </a:t>
+            </a:r>
+          </a:p>
+          <a:p>
+            <a:pPr marL="0" indent="0">
+              <a:buNone/>
+            </a:pPr>
+            <a:r>
+              <a:rPr lang="en-GB" dirty="0">
+                <a:latin typeface="Consolas" panose="020B0609020204030204" pitchFamily="49" charset="0"/>
+                <a:cs typeface="Consolas" panose="020B0609020204030204" pitchFamily="49" charset="0"/>
+              </a:rPr>
+              <a:t>    public void push(Comparable data) {</a:t>
+            </a:r>
+          </a:p>
+          <a:p>
+            <a:pPr marL="0" indent="0">
+              <a:buNone/>
+            </a:pPr>
+            <a:r>
+              <a:rPr lang="en-GB" dirty="0">
+                <a:latin typeface="Consolas" panose="020B0609020204030204" pitchFamily="49" charset="0"/>
+                <a:cs typeface="Consolas" panose="020B0609020204030204" pitchFamily="49" charset="0"/>
+              </a:rPr>
+              <a:t>        // ..</a:t>
+            </a:r>
+          </a:p>
+          <a:p>
+            <a:pPr marL="0" indent="0">
+              <a:buNone/>
+            </a:pPr>
+            <a:r>
+              <a:rPr lang="en-GB" dirty="0">
+                <a:latin typeface="Consolas" panose="020B0609020204030204" pitchFamily="49" charset="0"/>
+                <a:cs typeface="Consolas" panose="020B0609020204030204" pitchFamily="49" charset="0"/>
+              </a:rPr>
+              <a:t>    }</a:t>
+            </a:r>
+          </a:p>
+          <a:p>
+            <a:pPr marL="0" indent="0">
+              <a:buNone/>
+            </a:pPr>
+            <a:r>
+              <a:rPr lang="en-GB" dirty="0">
+                <a:latin typeface="Consolas" panose="020B0609020204030204" pitchFamily="49" charset="0"/>
+                <a:cs typeface="Consolas" panose="020B0609020204030204" pitchFamily="49" charset="0"/>
+              </a:rPr>
+              <a:t> </a:t>
+            </a:r>
+          </a:p>
+          <a:p>
+            <a:pPr marL="0" indent="0">
+              <a:buNone/>
+            </a:pPr>
+            <a:r>
+              <a:rPr lang="en-GB" dirty="0">
+                <a:latin typeface="Consolas" panose="020B0609020204030204" pitchFamily="49" charset="0"/>
+                <a:cs typeface="Consolas" panose="020B0609020204030204" pitchFamily="49" charset="0"/>
+              </a:rPr>
+              <a:t>    public Comparable pop() {</a:t>
+            </a:r>
+          </a:p>
+          <a:p>
+            <a:pPr marL="0" indent="0">
+              <a:buNone/>
+            </a:pPr>
+            <a:r>
+              <a:rPr lang="en-GB" dirty="0">
+                <a:latin typeface="Consolas" panose="020B0609020204030204" pitchFamily="49" charset="0"/>
+                <a:cs typeface="Consolas" panose="020B0609020204030204" pitchFamily="49" charset="0"/>
+              </a:rPr>
+              <a:t>        // ..</a:t>
+            </a:r>
+          </a:p>
+          <a:p>
+            <a:pPr marL="0" indent="0">
+              <a:buNone/>
+            </a:pPr>
+            <a:r>
+              <a:rPr lang="en-GB" dirty="0">
+                <a:latin typeface="Consolas" panose="020B0609020204030204" pitchFamily="49" charset="0"/>
+                <a:cs typeface="Consolas" panose="020B0609020204030204" pitchFamily="49" charset="0"/>
+              </a:rPr>
+              <a:t>    }</a:t>
+            </a:r>
+          </a:p>
+          <a:p>
+            <a:pPr marL="0" indent="0">
+              <a:buNone/>
+            </a:pPr>
+            <a:r>
+              <a:rPr lang="en-GB" dirty="0">
+                <a:latin typeface="Consolas" panose="020B0609020204030204" pitchFamily="49" charset="0"/>
+                <a:cs typeface="Consolas" panose="020B0609020204030204" pitchFamily="49" charset="0"/>
+              </a:rPr>
+              <a:t>}</a:t>
+            </a:r>
           </a:p>
         </p:txBody>
       </p:sp>
     </p:spTree>
     <p:extLst>
       <p:ext uri="{BB962C8B-B14F-4D97-AF65-F5344CB8AC3E}">
-        <p14:creationId xmlns:p14="http://schemas.microsoft.com/office/powerpoint/2010/main" val="1394678297"/>
+        <p14:creationId xmlns:p14="http://schemas.microsoft.com/office/powerpoint/2010/main" val="1664796186"/>
       </p:ext>
     </p:extLst>
   </p:cSld>
@@ -7628,7 +9119,7 @@
           <a:p>
             <a:r>
               <a:rPr lang="en-US" dirty="0"/>
-              <a:t>How Generics are Implemented</a:t>
+              <a:t>Code Erasure</a:t>
             </a:r>
           </a:p>
         </p:txBody>
@@ -7910,7 +9401,7 @@
     </p:spTree>
     <p:extLst>
       <p:ext uri="{BB962C8B-B14F-4D97-AF65-F5344CB8AC3E}">
-        <p14:creationId xmlns:p14="http://schemas.microsoft.com/office/powerpoint/2010/main" val="3394534137"/>
+        <p14:creationId xmlns:p14="http://schemas.microsoft.com/office/powerpoint/2010/main" val="300328214"/>
       </p:ext>
     </p:extLst>
   </p:cSld>
@@ -7954,7 +9445,7 @@
           <a:p>
             <a:r>
               <a:rPr lang="en-US" dirty="0"/>
-              <a:t>Pros and Cons of Erasure</a:t>
+              <a:t>Pros and Cons of Code Erasure</a:t>
             </a:r>
           </a:p>
         </p:txBody>
@@ -8010,7 +9501,7 @@
     </p:spTree>
     <p:extLst>
       <p:ext uri="{BB962C8B-B14F-4D97-AF65-F5344CB8AC3E}">
-        <p14:creationId xmlns:p14="http://schemas.microsoft.com/office/powerpoint/2010/main" val="3288036690"/>
+        <p14:creationId xmlns:p14="http://schemas.microsoft.com/office/powerpoint/2010/main" val="2707972871"/>
       </p:ext>
     </p:extLst>
   </p:cSld>
@@ -8168,6 +9659,26 @@
             </a:r>
           </a:p>
           <a:p>
+            <a:pPr lvl="1"/>
+            <a:endParaRPr lang="en-US" sz="2000" dirty="0">
+              <a:solidFill>
+                <a:schemeClr val="accent6">
+                  <a:lumMod val="75000"/>
+                </a:schemeClr>
+              </a:solidFill>
+            </a:endParaRPr>
+          </a:p>
+          <a:p>
+            <a:pPr lvl="1"/>
+            <a:endParaRPr lang="en-US" sz="2000" dirty="0">
+              <a:solidFill>
+                <a:schemeClr val="accent6">
+                  <a:lumMod val="75000"/>
+                </a:schemeClr>
+              </a:solidFill>
+            </a:endParaRPr>
+          </a:p>
+          <a:p>
             <a:endParaRPr lang="en-US" sz="2400" dirty="0"/>
           </a:p>
         </p:txBody>
@@ -8175,7 +9686,7 @@
     </p:spTree>
     <p:extLst>
       <p:ext uri="{BB962C8B-B14F-4D97-AF65-F5344CB8AC3E}">
-        <p14:creationId xmlns:p14="http://schemas.microsoft.com/office/powerpoint/2010/main" val="359987532"/>
+        <p14:creationId xmlns:p14="http://schemas.microsoft.com/office/powerpoint/2010/main" val="3616671931"/>
       </p:ext>
     </p:extLst>
   </p:cSld>
@@ -8275,19 +9786,19 @@
               <a:t>– </a:t>
             </a:r>
             <a:r>
-              <a:rPr lang="en-US" sz="2800" i="1" dirty="0" err="1"/>
+              <a:rPr lang="en-US" i="1" dirty="0" err="1"/>
               <a:t>Gilad</a:t>
             </a:r>
             <a:r>
-              <a:rPr lang="en-US" sz="2800" i="1" dirty="0"/>
+              <a:rPr lang="en-US" i="1" dirty="0"/>
               <a:t> </a:t>
             </a:r>
             <a:r>
-              <a:rPr lang="en-US" sz="2800" i="1" dirty="0" err="1"/>
+              <a:rPr lang="en-US" i="1" dirty="0" err="1"/>
               <a:t>Bracha</a:t>
             </a:r>
             <a:r>
-              <a:rPr lang="en-US" sz="2800" i="1" dirty="0"/>
+              <a:rPr lang="en-US" i="1" dirty="0"/>
               <a:t>, Java Generics Developer</a:t>
             </a:r>
           </a:p>
@@ -8299,7 +9810,7 @@
     </p:spTree>
     <p:extLst>
       <p:ext uri="{BB962C8B-B14F-4D97-AF65-F5344CB8AC3E}">
-        <p14:creationId xmlns:p14="http://schemas.microsoft.com/office/powerpoint/2010/main" val="4067508397"/>
+        <p14:creationId xmlns:p14="http://schemas.microsoft.com/office/powerpoint/2010/main" val="162854001"/>
       </p:ext>
     </p:extLst>
   </p:cSld>
@@ -8725,7 +10236,7 @@
     </p:spTree>
     <p:extLst>
       <p:ext uri="{BB962C8B-B14F-4D97-AF65-F5344CB8AC3E}">
-        <p14:creationId xmlns:p14="http://schemas.microsoft.com/office/powerpoint/2010/main" val="846758565"/>
+        <p14:creationId xmlns:p14="http://schemas.microsoft.com/office/powerpoint/2010/main" val="585558983"/>
       </p:ext>
     </p:extLst>
   </p:cSld>
@@ -8870,14 +10381,14 @@
                 <a:latin typeface="Consolas"/>
                 <a:cs typeface="Consolas"/>
               </a:rPr>
-              <a:t>Fruit</a:t>
+              <a:t>Fruit </a:t>
             </a:r>
             <a:r>
               <a:rPr lang="en-US" sz="2400" dirty="0">
                 <a:latin typeface="Consolas"/>
                 <a:cs typeface="Consolas"/>
               </a:rPr>
-              <a:t>  f)  { … } </a:t>
+              <a:t>f)  { … } </a:t>
             </a:r>
           </a:p>
           <a:p>
@@ -8983,7 +10494,7 @@
                 <a:latin typeface="Consolas"/>
                 <a:cs typeface="Consolas"/>
               </a:rPr>
-              <a:t>  index)  { … }</a:t>
+              <a:t> index)  { … }</a:t>
             </a:r>
           </a:p>
           <a:p>
@@ -9036,7 +10547,7 @@
     </p:spTree>
     <p:extLst>
       <p:ext uri="{BB962C8B-B14F-4D97-AF65-F5344CB8AC3E}">
-        <p14:creationId xmlns:p14="http://schemas.microsoft.com/office/powerpoint/2010/main" val="3422864351"/>
+        <p14:creationId xmlns:p14="http://schemas.microsoft.com/office/powerpoint/2010/main" val="3748243748"/>
       </p:ext>
     </p:extLst>
   </p:cSld>
@@ -9308,7 +10819,7 @@
     </p:spTree>
     <p:extLst>
       <p:ext uri="{BB962C8B-B14F-4D97-AF65-F5344CB8AC3E}">
-        <p14:creationId xmlns:p14="http://schemas.microsoft.com/office/powerpoint/2010/main" val="2705924442"/>
+        <p14:creationId xmlns:p14="http://schemas.microsoft.com/office/powerpoint/2010/main" val="2907801735"/>
       </p:ext>
     </p:extLst>
   </p:cSld>
@@ -9377,205 +10888,353 @@
             <a:pPr marL="0" indent="0">
               <a:buNone/>
             </a:pPr>
-            <a:endParaRPr lang="en-US" sz="2200" dirty="0">
-              <a:latin typeface="Consolas"/>
-              <a:cs typeface="Consolas"/>
-            </a:endParaRPr>
-          </a:p>
-          <a:p>
-            <a:pPr marL="0" indent="0">
-              <a:buNone/>
-            </a:pPr>
-            <a:r>
-              <a:rPr lang="en-US" sz="2200" dirty="0">
-                <a:latin typeface="Consolas"/>
-                <a:cs typeface="Consolas"/>
-              </a:rPr>
-              <a:t>public interface Comparable&lt;</a:t>
-            </a:r>
-            <a:r>
-              <a:rPr lang="en-US" sz="2200" dirty="0">
-                <a:solidFill>
-                  <a:srgbClr val="E46C0A"/>
-                </a:solidFill>
-                <a:latin typeface="Consolas"/>
-                <a:cs typeface="Consolas"/>
-              </a:rPr>
-              <a:t>T</a:t>
-            </a:r>
-            <a:r>
-              <a:rPr lang="en-US" sz="2200" dirty="0">
-                <a:latin typeface="Consolas"/>
-                <a:cs typeface="Consolas"/>
-              </a:rPr>
-              <a:t>&gt; {</a:t>
-            </a:r>
-          </a:p>
-          <a:p>
-            <a:pPr marL="0" indent="0">
-              <a:buNone/>
-            </a:pPr>
-            <a:r>
-              <a:rPr lang="en-US" sz="2200" dirty="0">
-                <a:latin typeface="Consolas"/>
-                <a:cs typeface="Consolas"/>
-              </a:rPr>
-              <a:t>    public </a:t>
-            </a:r>
-            <a:r>
-              <a:rPr lang="en-US" sz="2200" dirty="0" err="1">
-                <a:latin typeface="Consolas"/>
-                <a:cs typeface="Consolas"/>
-              </a:rPr>
-              <a:t>int</a:t>
-            </a:r>
-            <a:r>
-              <a:rPr lang="en-US" sz="2200" dirty="0">
-                <a:latin typeface="Consolas"/>
-                <a:cs typeface="Consolas"/>
+            <a:r>
+              <a:rPr lang="it-IT" sz="2200" dirty="0">
+                <a:latin typeface="Consolas" panose="020B0609020204030204" pitchFamily="49" charset="0"/>
+                <a:cs typeface="Consolas" panose="020B0609020204030204" pitchFamily="49" charset="0"/>
+              </a:rPr>
+              <a:t>public </a:t>
+            </a:r>
+            <a:r>
+              <a:rPr lang="it-IT" sz="2200" dirty="0" err="1">
+                <a:latin typeface="Consolas" panose="020B0609020204030204" pitchFamily="49" charset="0"/>
+                <a:cs typeface="Consolas" panose="020B0609020204030204" pitchFamily="49" charset="0"/>
+              </a:rPr>
+              <a:t>class</a:t>
+            </a:r>
+            <a:r>
+              <a:rPr lang="it-IT" sz="2200" dirty="0">
+                <a:latin typeface="Consolas" panose="020B0609020204030204" pitchFamily="49" charset="0"/>
+                <a:cs typeface="Consolas" panose="020B0609020204030204" pitchFamily="49" charset="0"/>
               </a:rPr>
               <a:t> </a:t>
             </a:r>
             <a:r>
-              <a:rPr lang="en-US" sz="2200" dirty="0" err="1">
-                <a:latin typeface="Consolas"/>
-                <a:cs typeface="Consolas"/>
-              </a:rPr>
-              <a:t>compareTo</a:t>
-            </a:r>
-            <a:r>
-              <a:rPr lang="en-US" sz="2200" dirty="0">
-                <a:latin typeface="Consolas"/>
-                <a:cs typeface="Consolas"/>
-              </a:rPr>
-              <a:t>(</a:t>
-            </a:r>
-            <a:r>
-              <a:rPr lang="en-US" sz="2200" dirty="0">
-                <a:solidFill>
-                  <a:srgbClr val="E46C0A"/>
-                </a:solidFill>
-                <a:latin typeface="Consolas"/>
-                <a:cs typeface="Consolas"/>
-              </a:rPr>
-              <a:t>T</a:t>
-            </a:r>
-            <a:r>
-              <a:rPr lang="en-US" sz="2200" dirty="0">
-                <a:latin typeface="Consolas"/>
-                <a:cs typeface="Consolas"/>
-              </a:rPr>
-              <a:t> o);</a:t>
-            </a:r>
-          </a:p>
-          <a:p>
-            <a:pPr marL="0" indent="0">
-              <a:buNone/>
-            </a:pPr>
-            <a:r>
-              <a:rPr lang="en-US" sz="2200" dirty="0">
-                <a:latin typeface="Consolas"/>
-                <a:cs typeface="Consolas"/>
-              </a:rPr>
-              <a:t>}</a:t>
-            </a:r>
-          </a:p>
-          <a:p>
-            <a:pPr marL="0" indent="0">
-              <a:buNone/>
-            </a:pPr>
-            <a:endParaRPr lang="en-US" sz="2200" dirty="0">
-              <a:latin typeface="Consolas"/>
-              <a:cs typeface="Consolas"/>
-            </a:endParaRPr>
-          </a:p>
-          <a:p>
-            <a:pPr marL="0" indent="0">
-              <a:buNone/>
-            </a:pPr>
-            <a:r>
-              <a:rPr lang="en-US" sz="2200" dirty="0">
-                <a:latin typeface="Consolas"/>
-                <a:cs typeface="Consolas"/>
-              </a:rPr>
-              <a:t>public interface Comparator&lt;</a:t>
-            </a:r>
-            <a:r>
-              <a:rPr lang="en-US" sz="2200" dirty="0">
-                <a:solidFill>
-                  <a:srgbClr val="E46C0A"/>
-                </a:solidFill>
-                <a:latin typeface="Consolas"/>
-                <a:cs typeface="Consolas"/>
-              </a:rPr>
-              <a:t>T</a:t>
-            </a:r>
-            <a:r>
-              <a:rPr lang="en-US" sz="2200" dirty="0">
-                <a:latin typeface="Consolas"/>
-                <a:cs typeface="Consolas"/>
-              </a:rPr>
-              <a:t>&gt; {</a:t>
-            </a:r>
-          </a:p>
-          <a:p>
-            <a:pPr marL="0" indent="0">
-              <a:buNone/>
-            </a:pPr>
-            <a:r>
-              <a:rPr lang="en-US" sz="2200" dirty="0">
-                <a:latin typeface="Consolas"/>
-                <a:cs typeface="Consolas"/>
-              </a:rPr>
-              <a:t>    public </a:t>
-            </a:r>
-            <a:r>
-              <a:rPr lang="en-US" sz="2200" dirty="0" err="1">
-                <a:latin typeface="Consolas"/>
-                <a:cs typeface="Consolas"/>
-              </a:rPr>
-              <a:t>int</a:t>
-            </a:r>
-            <a:r>
-              <a:rPr lang="en-US" sz="2200" dirty="0">
-                <a:latin typeface="Consolas"/>
-                <a:cs typeface="Consolas"/>
-              </a:rPr>
-              <a:t> compare(</a:t>
-            </a:r>
-            <a:r>
-              <a:rPr lang="en-US" sz="2200" dirty="0">
-                <a:solidFill>
-                  <a:srgbClr val="E46C0A"/>
-                </a:solidFill>
-                <a:latin typeface="Consolas"/>
-                <a:cs typeface="Consolas"/>
-              </a:rPr>
-              <a:t>T</a:t>
-            </a:r>
-            <a:r>
-              <a:rPr lang="en-US" sz="2200" dirty="0">
-                <a:latin typeface="Consolas"/>
-                <a:cs typeface="Consolas"/>
-              </a:rPr>
-              <a:t> o1, </a:t>
-            </a:r>
-            <a:r>
-              <a:rPr lang="en-US" sz="2200" dirty="0">
+              <a:rPr lang="it-IT" sz="2200" dirty="0" err="1">
+                <a:latin typeface="Consolas" panose="020B0609020204030204" pitchFamily="49" charset="0"/>
+                <a:cs typeface="Consolas" panose="020B0609020204030204" pitchFamily="49" charset="0"/>
+              </a:rPr>
+              <a:t>ArrayList</a:t>
+            </a:r>
+            <a:r>
+              <a:rPr lang="it-IT" sz="2200" dirty="0">
+                <a:latin typeface="Consolas" panose="020B0609020204030204" pitchFamily="49" charset="0"/>
+                <a:cs typeface="Consolas" panose="020B0609020204030204" pitchFamily="49" charset="0"/>
+              </a:rPr>
+              <a:t>&lt;</a:t>
+            </a:r>
+            <a:r>
+              <a:rPr lang="it-IT" sz="2200" dirty="0">
                 <a:solidFill>
                   <a:schemeClr val="accent6">
                     <a:lumMod val="75000"/>
                   </a:schemeClr>
                 </a:solidFill>
-                <a:latin typeface="Consolas"/>
-                <a:cs typeface="Consolas"/>
+                <a:latin typeface="Consolas" panose="020B0609020204030204" pitchFamily="49" charset="0"/>
+                <a:cs typeface="Consolas" panose="020B0609020204030204" pitchFamily="49" charset="0"/>
               </a:rPr>
               <a:t>T</a:t>
             </a:r>
             <a:r>
+              <a:rPr lang="it-IT" sz="2200" dirty="0">
+                <a:latin typeface="Consolas" panose="020B0609020204030204" pitchFamily="49" charset="0"/>
+                <a:cs typeface="Consolas" panose="020B0609020204030204" pitchFamily="49" charset="0"/>
+              </a:rPr>
+              <a:t>&gt; {</a:t>
+            </a:r>
+          </a:p>
+          <a:p>
+            <a:pPr marL="0" indent="0">
+              <a:buNone/>
+            </a:pPr>
+            <a:r>
+              <a:rPr lang="it-IT" sz="2200" dirty="0">
+                <a:latin typeface="Consolas" panose="020B0609020204030204" pitchFamily="49" charset="0"/>
+                <a:cs typeface="Consolas" panose="020B0609020204030204" pitchFamily="49" charset="0"/>
+              </a:rPr>
+              <a:t>	</a:t>
+            </a:r>
+            <a:r>
+              <a:rPr lang="it-IT" sz="2200" dirty="0">
+                <a:solidFill>
+                  <a:schemeClr val="accent6">
+                    <a:lumMod val="75000"/>
+                  </a:schemeClr>
+                </a:solidFill>
+                <a:latin typeface="Consolas" panose="020B0609020204030204" pitchFamily="49" charset="0"/>
+                <a:cs typeface="Consolas" panose="020B0609020204030204" pitchFamily="49" charset="0"/>
+              </a:rPr>
+              <a:t>T</a:t>
+            </a:r>
+            <a:r>
+              <a:rPr lang="it-IT" sz="2200" dirty="0">
+                <a:latin typeface="Consolas" panose="020B0609020204030204" pitchFamily="49" charset="0"/>
+                <a:cs typeface="Consolas" panose="020B0609020204030204" pitchFamily="49" charset="0"/>
+              </a:rPr>
+              <a:t> </a:t>
+            </a:r>
+            <a:r>
+              <a:rPr lang="it-IT" sz="2200" dirty="0" err="1">
+                <a:latin typeface="Consolas" panose="020B0609020204030204" pitchFamily="49" charset="0"/>
+                <a:cs typeface="Consolas" panose="020B0609020204030204" pitchFamily="49" charset="0"/>
+              </a:rPr>
+              <a:t>get</a:t>
+            </a:r>
+            <a:r>
+              <a:rPr lang="it-IT" sz="2200" dirty="0">
+                <a:latin typeface="Consolas" panose="020B0609020204030204" pitchFamily="49" charset="0"/>
+                <a:cs typeface="Consolas" panose="020B0609020204030204" pitchFamily="49" charset="0"/>
+              </a:rPr>
+              <a:t>(</a:t>
+            </a:r>
+            <a:r>
+              <a:rPr lang="it-IT" sz="2200" dirty="0" err="1">
+                <a:latin typeface="Consolas" panose="020B0609020204030204" pitchFamily="49" charset="0"/>
+                <a:cs typeface="Consolas" panose="020B0609020204030204" pitchFamily="49" charset="0"/>
+              </a:rPr>
+              <a:t>int</a:t>
+            </a:r>
+            <a:r>
+              <a:rPr lang="it-IT" sz="2200" dirty="0">
+                <a:latin typeface="Consolas" panose="020B0609020204030204" pitchFamily="49" charset="0"/>
+                <a:cs typeface="Consolas" panose="020B0609020204030204" pitchFamily="49" charset="0"/>
+              </a:rPr>
+              <a:t> </a:t>
+            </a:r>
+            <a:r>
+              <a:rPr lang="it-IT" sz="2200" dirty="0" err="1">
+                <a:latin typeface="Consolas" panose="020B0609020204030204" pitchFamily="49" charset="0"/>
+                <a:cs typeface="Consolas" panose="020B0609020204030204" pitchFamily="49" charset="0"/>
+              </a:rPr>
+              <a:t>index</a:t>
+            </a:r>
+            <a:r>
+              <a:rPr lang="it-IT" sz="2200" dirty="0">
+                <a:latin typeface="Consolas" panose="020B0609020204030204" pitchFamily="49" charset="0"/>
+                <a:cs typeface="Consolas" panose="020B0609020204030204" pitchFamily="49" charset="0"/>
+              </a:rPr>
+              <a:t>);</a:t>
+            </a:r>
+          </a:p>
+          <a:p>
+            <a:pPr marL="0" indent="0">
+              <a:buNone/>
+            </a:pPr>
+            <a:r>
+              <a:rPr lang="it-IT" sz="2200" dirty="0">
+                <a:latin typeface="Consolas" panose="020B0609020204030204" pitchFamily="49" charset="0"/>
+                <a:cs typeface="Consolas" panose="020B0609020204030204" pitchFamily="49" charset="0"/>
+              </a:rPr>
+              <a:t>}</a:t>
+            </a:r>
+            <a:endParaRPr lang="en-US" sz="2200" dirty="0">
+              <a:latin typeface="Consolas" panose="020B0609020204030204" pitchFamily="49" charset="0"/>
+              <a:cs typeface="Consolas" panose="020B0609020204030204" pitchFamily="49" charset="0"/>
+            </a:endParaRPr>
+          </a:p>
+          <a:p>
+            <a:pPr marL="0" indent="0">
+              <a:buNone/>
+            </a:pPr>
+            <a:endParaRPr lang="en-US" sz="2200" dirty="0">
+              <a:latin typeface="Consolas" panose="020B0609020204030204" pitchFamily="49" charset="0"/>
+              <a:cs typeface="Consolas" panose="020B0609020204030204" pitchFamily="49" charset="0"/>
+            </a:endParaRPr>
+          </a:p>
+          <a:p>
+            <a:pPr marL="0" indent="0">
+              <a:buNone/>
+            </a:pPr>
+            <a:r>
               <a:rPr lang="en-US" sz="2200" dirty="0">
-                <a:latin typeface="Consolas"/>
-                <a:cs typeface="Consolas"/>
+                <a:latin typeface="Consolas" panose="020B0609020204030204" pitchFamily="49" charset="0"/>
+                <a:cs typeface="Consolas" panose="020B0609020204030204" pitchFamily="49" charset="0"/>
+              </a:rPr>
+              <a:t>public interface Comparable&lt;</a:t>
+            </a:r>
+            <a:r>
+              <a:rPr lang="en-US" sz="2200" dirty="0">
+                <a:solidFill>
+                  <a:srgbClr val="E46C0A"/>
+                </a:solidFill>
+                <a:latin typeface="Consolas" panose="020B0609020204030204" pitchFamily="49" charset="0"/>
+                <a:cs typeface="Consolas" panose="020B0609020204030204" pitchFamily="49" charset="0"/>
+              </a:rPr>
+              <a:t>T</a:t>
+            </a:r>
+            <a:r>
+              <a:rPr lang="en-US" sz="2200" dirty="0">
+                <a:latin typeface="Consolas" panose="020B0609020204030204" pitchFamily="49" charset="0"/>
+                <a:cs typeface="Consolas" panose="020B0609020204030204" pitchFamily="49" charset="0"/>
+              </a:rPr>
+              <a:t>&gt; {</a:t>
+            </a:r>
+          </a:p>
+          <a:p>
+            <a:pPr marL="0" indent="0">
+              <a:buNone/>
+            </a:pPr>
+            <a:r>
+              <a:rPr lang="en-US" sz="2200" dirty="0">
+                <a:latin typeface="Consolas" panose="020B0609020204030204" pitchFamily="49" charset="0"/>
+                <a:cs typeface="Consolas" panose="020B0609020204030204" pitchFamily="49" charset="0"/>
+              </a:rPr>
+              <a:t>    public </a:t>
+            </a:r>
+            <a:r>
+              <a:rPr lang="en-US" sz="2200" dirty="0" err="1">
+                <a:latin typeface="Consolas" panose="020B0609020204030204" pitchFamily="49" charset="0"/>
+                <a:cs typeface="Consolas" panose="020B0609020204030204" pitchFamily="49" charset="0"/>
+              </a:rPr>
+              <a:t>int</a:t>
+            </a:r>
+            <a:r>
+              <a:rPr lang="en-US" sz="2200" dirty="0">
+                <a:latin typeface="Consolas" panose="020B0609020204030204" pitchFamily="49" charset="0"/>
+                <a:cs typeface="Consolas" panose="020B0609020204030204" pitchFamily="49" charset="0"/>
+              </a:rPr>
+              <a:t> </a:t>
+            </a:r>
+            <a:r>
+              <a:rPr lang="en-US" sz="2200" dirty="0" err="1">
+                <a:latin typeface="Consolas" panose="020B0609020204030204" pitchFamily="49" charset="0"/>
+                <a:cs typeface="Consolas" panose="020B0609020204030204" pitchFamily="49" charset="0"/>
+              </a:rPr>
+              <a:t>compareTo</a:t>
+            </a:r>
+            <a:r>
+              <a:rPr lang="en-US" sz="2200" dirty="0">
+                <a:latin typeface="Consolas" panose="020B0609020204030204" pitchFamily="49" charset="0"/>
+                <a:cs typeface="Consolas" panose="020B0609020204030204" pitchFamily="49" charset="0"/>
+              </a:rPr>
+              <a:t>(</a:t>
+            </a:r>
+            <a:r>
+              <a:rPr lang="en-US" sz="2200" dirty="0">
+                <a:solidFill>
+                  <a:srgbClr val="E46C0A"/>
+                </a:solidFill>
+                <a:latin typeface="Consolas" panose="020B0609020204030204" pitchFamily="49" charset="0"/>
+                <a:cs typeface="Consolas" panose="020B0609020204030204" pitchFamily="49" charset="0"/>
+              </a:rPr>
+              <a:t>T</a:t>
+            </a:r>
+            <a:r>
+              <a:rPr lang="en-US" sz="2200" dirty="0">
+                <a:latin typeface="Consolas" panose="020B0609020204030204" pitchFamily="49" charset="0"/>
+                <a:cs typeface="Consolas" panose="020B0609020204030204" pitchFamily="49" charset="0"/>
+              </a:rPr>
+              <a:t> o);</a:t>
+            </a:r>
+          </a:p>
+          <a:p>
+            <a:pPr marL="0" indent="0">
+              <a:buNone/>
+            </a:pPr>
+            <a:r>
+              <a:rPr lang="en-US" sz="2200" dirty="0">
+                <a:latin typeface="Consolas" panose="020B0609020204030204" pitchFamily="49" charset="0"/>
+                <a:cs typeface="Consolas" panose="020B0609020204030204" pitchFamily="49" charset="0"/>
+              </a:rPr>
+              <a:t>}</a:t>
+            </a:r>
+          </a:p>
+          <a:p>
+            <a:pPr marL="0" indent="0">
+              <a:buNone/>
+            </a:pPr>
+            <a:endParaRPr lang="en-US" sz="2200" dirty="0">
+              <a:latin typeface="Consolas" panose="020B0609020204030204" pitchFamily="49" charset="0"/>
+              <a:cs typeface="Consolas" panose="020B0609020204030204" pitchFamily="49" charset="0"/>
+            </a:endParaRPr>
+          </a:p>
+          <a:p>
+            <a:pPr marL="0" indent="0">
+              <a:buNone/>
+            </a:pPr>
+            <a:r>
+              <a:rPr lang="en-US" sz="2200" dirty="0">
+                <a:latin typeface="Consolas" panose="020B0609020204030204" pitchFamily="49" charset="0"/>
+                <a:cs typeface="Consolas" panose="020B0609020204030204" pitchFamily="49" charset="0"/>
+              </a:rPr>
+              <a:t>public interface Comparator&lt;</a:t>
+            </a:r>
+            <a:r>
+              <a:rPr lang="en-US" sz="2200" dirty="0">
+                <a:solidFill>
+                  <a:srgbClr val="E46C0A"/>
+                </a:solidFill>
+                <a:latin typeface="Consolas" panose="020B0609020204030204" pitchFamily="49" charset="0"/>
+                <a:cs typeface="Consolas" panose="020B0609020204030204" pitchFamily="49" charset="0"/>
+              </a:rPr>
+              <a:t>T</a:t>
+            </a:r>
+            <a:r>
+              <a:rPr lang="en-US" sz="2200" dirty="0">
+                <a:latin typeface="Consolas" panose="020B0609020204030204" pitchFamily="49" charset="0"/>
+                <a:cs typeface="Consolas" panose="020B0609020204030204" pitchFamily="49" charset="0"/>
+              </a:rPr>
+              <a:t>&gt; {</a:t>
+            </a:r>
+          </a:p>
+          <a:p>
+            <a:pPr marL="0" indent="0">
+              <a:buNone/>
+            </a:pPr>
+            <a:r>
+              <a:rPr lang="en-US" sz="2200" dirty="0">
+                <a:latin typeface="Consolas" panose="020B0609020204030204" pitchFamily="49" charset="0"/>
+                <a:cs typeface="Consolas" panose="020B0609020204030204" pitchFamily="49" charset="0"/>
+              </a:rPr>
+              <a:t>    public </a:t>
+            </a:r>
+            <a:r>
+              <a:rPr lang="en-US" sz="2200" dirty="0" err="1">
+                <a:latin typeface="Consolas" panose="020B0609020204030204" pitchFamily="49" charset="0"/>
+                <a:cs typeface="Consolas" panose="020B0609020204030204" pitchFamily="49" charset="0"/>
+              </a:rPr>
+              <a:t>int</a:t>
+            </a:r>
+            <a:r>
+              <a:rPr lang="en-US" sz="2200" dirty="0">
+                <a:latin typeface="Consolas" panose="020B0609020204030204" pitchFamily="49" charset="0"/>
+                <a:cs typeface="Consolas" panose="020B0609020204030204" pitchFamily="49" charset="0"/>
+              </a:rPr>
+              <a:t> compare(</a:t>
+            </a:r>
+            <a:r>
+              <a:rPr lang="en-US" sz="2200" dirty="0">
+                <a:solidFill>
+                  <a:srgbClr val="E46C0A"/>
+                </a:solidFill>
+                <a:latin typeface="Consolas" panose="020B0609020204030204" pitchFamily="49" charset="0"/>
+                <a:cs typeface="Consolas" panose="020B0609020204030204" pitchFamily="49" charset="0"/>
+              </a:rPr>
+              <a:t>T</a:t>
+            </a:r>
+            <a:r>
+              <a:rPr lang="en-US" sz="2200" dirty="0">
+                <a:latin typeface="Consolas" panose="020B0609020204030204" pitchFamily="49" charset="0"/>
+                <a:cs typeface="Consolas" panose="020B0609020204030204" pitchFamily="49" charset="0"/>
+              </a:rPr>
+              <a:t> o1, </a:t>
+            </a:r>
+            <a:r>
+              <a:rPr lang="en-US" sz="2200" dirty="0">
+                <a:solidFill>
+                  <a:schemeClr val="accent6">
+                    <a:lumMod val="75000"/>
+                  </a:schemeClr>
+                </a:solidFill>
+                <a:latin typeface="Consolas" panose="020B0609020204030204" pitchFamily="49" charset="0"/>
+                <a:cs typeface="Consolas" panose="020B0609020204030204" pitchFamily="49" charset="0"/>
+              </a:rPr>
+              <a:t>T</a:t>
+            </a:r>
+            <a:r>
+              <a:rPr lang="en-US" sz="2200" dirty="0">
+                <a:latin typeface="Consolas" panose="020B0609020204030204" pitchFamily="49" charset="0"/>
+                <a:cs typeface="Consolas" panose="020B0609020204030204" pitchFamily="49" charset="0"/>
               </a:rPr>
               <a:t> o2);</a:t>
             </a:r>
@@ -9586,8 +11245,8 @@
             </a:pPr>
             <a:r>
               <a:rPr lang="en-US" sz="2200" dirty="0">
-                <a:latin typeface="Consolas"/>
-                <a:cs typeface="Consolas"/>
+                <a:latin typeface="Consolas" panose="020B0609020204030204" pitchFamily="49" charset="0"/>
+                <a:cs typeface="Consolas" panose="020B0609020204030204" pitchFamily="49" charset="0"/>
               </a:rPr>
               <a:t>}</a:t>
             </a:r>
@@ -9597,8 +11256,8 @@
               <a:buNone/>
             </a:pPr>
             <a:endParaRPr lang="en-US" sz="2200" dirty="0">
-              <a:latin typeface="Consolas"/>
-              <a:cs typeface="Consolas"/>
+              <a:latin typeface="Consolas" panose="020B0609020204030204" pitchFamily="49" charset="0"/>
+              <a:cs typeface="Consolas" panose="020B0609020204030204" pitchFamily="49" charset="0"/>
             </a:endParaRPr>
           </a:p>
         </p:txBody>
@@ -9606,7 +11265,7 @@
     </p:spTree>
     <p:extLst>
       <p:ext uri="{BB962C8B-B14F-4D97-AF65-F5344CB8AC3E}">
-        <p14:creationId xmlns:p14="http://schemas.microsoft.com/office/powerpoint/2010/main" val="2918218936"/>
+        <p14:creationId xmlns:p14="http://schemas.microsoft.com/office/powerpoint/2010/main" val="3145261861"/>
       </p:ext>
     </p:extLst>
   </p:cSld>
@@ -9676,7 +11335,7 @@
               <a:buNone/>
             </a:pPr>
             <a:r>
-              <a:rPr lang="en-US" sz="2800" dirty="0"/>
+              <a:rPr lang="en-US" dirty="0"/>
               <a:t>Now, Java code looks like this:</a:t>
             </a:r>
           </a:p>
@@ -9684,7 +11343,7 @@
             <a:pPr marL="0" indent="0">
               <a:buNone/>
             </a:pPr>
-            <a:endParaRPr lang="en-US" sz="2800" dirty="0"/>
+            <a:endParaRPr lang="en-US" dirty="0"/>
           </a:p>
           <a:p>
             <a:pPr marL="0" indent="0">
@@ -9755,7 +11414,7 @@
               </a:rPr>
               <a:t>(new Vegetable(“Carrot”)); // Compile time error!</a:t>
             </a:r>
-            <a:endParaRPr lang="en-US" sz="2800" dirty="0">
+            <a:endParaRPr lang="en-US" dirty="0">
               <a:solidFill>
                 <a:schemeClr val="accent6"/>
               </a:solidFill>
@@ -9772,7 +11431,7 @@
     </p:spTree>
     <p:extLst>
       <p:ext uri="{BB962C8B-B14F-4D97-AF65-F5344CB8AC3E}">
-        <p14:creationId xmlns:p14="http://schemas.microsoft.com/office/powerpoint/2010/main" val="1601103979"/>
+        <p14:creationId xmlns:p14="http://schemas.microsoft.com/office/powerpoint/2010/main" val="3898365259"/>
       </p:ext>
     </p:extLst>
   </p:cSld>
@@ -10009,7 +11668,7 @@
                 <a:latin typeface="Consolas"/>
                 <a:cs typeface="Consolas"/>
               </a:rPr>
-              <a:t>// Generic types: Good</a:t>
+              <a:t>// Generic types: Ok!</a:t>
             </a:r>
           </a:p>
           <a:p>
@@ -10145,7 +11804,7 @@
     </p:spTree>
     <p:extLst>
       <p:ext uri="{BB962C8B-B14F-4D97-AF65-F5344CB8AC3E}">
-        <p14:creationId xmlns:p14="http://schemas.microsoft.com/office/powerpoint/2010/main" val="3085548636"/>
+        <p14:creationId xmlns:p14="http://schemas.microsoft.com/office/powerpoint/2010/main" val="2561270760"/>
       </p:ext>
     </p:extLst>
   </p:cSld>
@@ -10194,193 +11853,6 @@
           </a:p>
         </p:txBody>
       </p:sp>
-      <p:sp>
-        <p:nvSpPr>
-          <p:cNvPr id="3" name="Content Placeholder 2"/>
-          <p:cNvSpPr>
-            <a:spLocks noGrp="1"/>
-          </p:cNvSpPr>
-          <p:nvPr>
-            <p:ph idx="1"/>
-          </p:nvPr>
-        </p:nvSpPr>
-        <p:spPr/>
-        <p:txBody>
-          <a:bodyPr>
-            <a:noAutofit/>
-          </a:bodyPr>
-          <a:lstStyle/>
-          <a:p>
-            <a:pPr marL="0" indent="0">
-              <a:buNone/>
-            </a:pPr>
-            <a:r>
-              <a:rPr lang="en-US" sz="2000" dirty="0">
-                <a:latin typeface="Consolas"/>
-                <a:cs typeface="Consolas"/>
-              </a:rPr>
-              <a:t>public interface Shop&lt;T&gt; {</a:t>
-            </a:r>
-          </a:p>
-          <a:p>
-            <a:pPr marL="0" indent="0">
-              <a:buNone/>
-            </a:pPr>
-            <a:r>
-              <a:rPr lang="en-US" sz="2000" dirty="0">
-                <a:latin typeface="Consolas"/>
-                <a:cs typeface="Consolas"/>
-              </a:rPr>
-              <a:t>	T sell();</a:t>
-            </a:r>
-          </a:p>
-          <a:p>
-            <a:pPr marL="0" indent="0">
-              <a:buNone/>
-            </a:pPr>
-            <a:r>
-              <a:rPr lang="en-US" sz="2000" dirty="0">
-                <a:latin typeface="Consolas"/>
-                <a:cs typeface="Consolas"/>
-              </a:rPr>
-              <a:t>	void buy(T item);</a:t>
-            </a:r>
-          </a:p>
-          <a:p>
-            <a:pPr marL="0" indent="0">
-              <a:buNone/>
-            </a:pPr>
-            <a:r>
-              <a:rPr lang="en-US" sz="2000" dirty="0">
-                <a:latin typeface="Consolas"/>
-                <a:cs typeface="Consolas"/>
-              </a:rPr>
-              <a:t>		</a:t>
-            </a:r>
-          </a:p>
-          <a:p>
-            <a:pPr marL="0" indent="0">
-              <a:buNone/>
-            </a:pPr>
-            <a:r>
-              <a:rPr lang="en-US" sz="2000" dirty="0">
-                <a:latin typeface="Consolas"/>
-                <a:cs typeface="Consolas"/>
-              </a:rPr>
-              <a:t>	void sell(Collection&lt;T&gt; item, </a:t>
-            </a:r>
-            <a:r>
-              <a:rPr lang="en-US" sz="2000" dirty="0" err="1">
-                <a:latin typeface="Consolas"/>
-                <a:cs typeface="Consolas"/>
-              </a:rPr>
-              <a:t>int</a:t>
-            </a:r>
-            <a:r>
-              <a:rPr lang="en-US" sz="2000" dirty="0">
-                <a:latin typeface="Consolas"/>
-                <a:cs typeface="Consolas"/>
-              </a:rPr>
-              <a:t> </a:t>
-            </a:r>
-            <a:r>
-              <a:rPr lang="en-US" sz="2000" dirty="0" err="1">
-                <a:latin typeface="Consolas"/>
-                <a:cs typeface="Consolas"/>
-              </a:rPr>
-              <a:t>nItems</a:t>
-            </a:r>
-            <a:r>
-              <a:rPr lang="en-US" sz="2000" dirty="0">
-                <a:latin typeface="Consolas"/>
-                <a:cs typeface="Consolas"/>
-              </a:rPr>
-              <a:t>);</a:t>
-            </a:r>
-          </a:p>
-          <a:p>
-            <a:pPr marL="0" indent="0">
-              <a:buNone/>
-            </a:pPr>
-            <a:r>
-              <a:rPr lang="en-US" sz="2000" dirty="0">
-                <a:latin typeface="Consolas"/>
-                <a:cs typeface="Consolas"/>
-              </a:rPr>
-              <a:t>	void buy(Collection&lt;T&gt; item);</a:t>
-            </a:r>
-          </a:p>
-          <a:p>
-            <a:pPr marL="0" indent="0">
-              <a:buNone/>
-            </a:pPr>
-            <a:r>
-              <a:rPr lang="en-US" sz="2000" dirty="0">
-                <a:latin typeface="Consolas"/>
-                <a:cs typeface="Consolas"/>
-              </a:rPr>
-              <a:t>}</a:t>
-            </a:r>
-          </a:p>
-          <a:p>
-            <a:pPr marL="0" indent="0">
-              <a:buNone/>
-            </a:pPr>
-            <a:endParaRPr lang="en-US" sz="2000" dirty="0">
-              <a:latin typeface="Consolas"/>
-              <a:cs typeface="Consolas"/>
-            </a:endParaRPr>
-          </a:p>
-          <a:p>
-            <a:pPr marL="0" indent="0">
-              <a:buNone/>
-            </a:pPr>
-            <a:r>
-              <a:rPr lang="en-US" sz="2000" dirty="0">
-                <a:latin typeface="Consolas"/>
-                <a:cs typeface="Consolas"/>
-              </a:rPr>
-              <a:t>class Product { }</a:t>
-            </a:r>
-          </a:p>
-          <a:p>
-            <a:pPr marL="0" indent="0">
-              <a:buNone/>
-            </a:pPr>
-            <a:r>
-              <a:rPr lang="en-US" sz="2000" dirty="0">
-                <a:latin typeface="Consolas"/>
-                <a:cs typeface="Consolas"/>
-              </a:rPr>
-              <a:t>class Fruit extends Product { }</a:t>
-            </a:r>
-          </a:p>
-          <a:p>
-            <a:pPr marL="0" indent="0">
-              <a:buNone/>
-            </a:pPr>
-            <a:r>
-              <a:rPr lang="en-US" sz="2000" dirty="0">
-                <a:latin typeface="Consolas"/>
-                <a:cs typeface="Consolas"/>
-              </a:rPr>
-              <a:t>class Vegetable extends Product { }</a:t>
-            </a:r>
-          </a:p>
-          <a:p>
-            <a:pPr marL="0" indent="0">
-              <a:buNone/>
-            </a:pPr>
-            <a:r>
-              <a:rPr lang="en-US" sz="2000" dirty="0">
-                <a:latin typeface="Consolas"/>
-                <a:cs typeface="Consolas"/>
-              </a:rPr>
-              <a:t>…</a:t>
-            </a:r>
-          </a:p>
-        </p:txBody>
-      </p:sp>
       <p:pic>
         <p:nvPicPr>
           <p:cNvPr id="5" name="Picture 4"/>
@@ -10397,18 +11869,243 @@
         </p:blipFill>
         <p:spPr>
           <a:xfrm>
-            <a:off x="5156200" y="3863181"/>
-            <a:ext cx="3530600" cy="2565400"/>
+            <a:off x="6709558" y="2684165"/>
+            <a:ext cx="5365668" cy="3898795"/>
           </a:xfrm>
           <a:prstGeom prst="rect">
             <a:avLst/>
           </a:prstGeom>
         </p:spPr>
       </p:pic>
+      <p:sp>
+        <p:nvSpPr>
+          <p:cNvPr id="6" name="Content Placeholder 5">
+            <a:extLst>
+              <a:ext uri="{FF2B5EF4-FFF2-40B4-BE49-F238E27FC236}">
+                <a16:creationId xmlns:a16="http://schemas.microsoft.com/office/drawing/2014/main" id="{8D37B94C-D776-2B48-B3A3-08B90E2B6DE8}"/>
+              </a:ext>
+            </a:extLst>
+          </p:cNvPr>
+          <p:cNvSpPr>
+            <a:spLocks noGrp="1"/>
+          </p:cNvSpPr>
+          <p:nvPr>
+            <p:ph idx="1"/>
+          </p:nvPr>
+        </p:nvSpPr>
+        <p:spPr>
+          <a:xfrm>
+            <a:off x="609600" y="1600201"/>
+            <a:ext cx="10972800" cy="4525963"/>
+          </a:xfrm>
+        </p:spPr>
+        <p:txBody>
+          <a:bodyPr>
+            <a:normAutofit fontScale="70000" lnSpcReduction="20000"/>
+          </a:bodyPr>
+          <a:lstStyle/>
+          <a:p>
+            <a:pPr marL="0" indent="0">
+              <a:buNone/>
+            </a:pPr>
+            <a:r>
+              <a:rPr lang="en-US" dirty="0">
+                <a:latin typeface="Consolas"/>
+                <a:cs typeface="Consolas"/>
+              </a:rPr>
+              <a:t>public interface Shop&lt;T&gt; {</a:t>
+            </a:r>
+          </a:p>
+          <a:p>
+            <a:pPr marL="0" indent="0">
+              <a:buNone/>
+            </a:pPr>
+            <a:r>
+              <a:rPr lang="en-US" dirty="0">
+                <a:latin typeface="Consolas"/>
+                <a:cs typeface="Consolas"/>
+              </a:rPr>
+              <a:t>	</a:t>
+            </a:r>
+            <a:r>
+              <a:rPr lang="en-US" dirty="0">
+                <a:solidFill>
+                  <a:schemeClr val="accent6">
+                    <a:lumMod val="75000"/>
+                  </a:schemeClr>
+                </a:solidFill>
+                <a:latin typeface="Consolas"/>
+                <a:cs typeface="Consolas"/>
+              </a:rPr>
+              <a:t>private List&lt;T&gt; items;</a:t>
+            </a:r>
+          </a:p>
+          <a:p>
+            <a:pPr marL="0" indent="0">
+              <a:buNone/>
+            </a:pPr>
+            <a:endParaRPr lang="en-US" dirty="0">
+              <a:latin typeface="Consolas"/>
+              <a:cs typeface="Consolas"/>
+            </a:endParaRPr>
+          </a:p>
+          <a:p>
+            <a:pPr marL="0" indent="0">
+              <a:buNone/>
+            </a:pPr>
+            <a:r>
+              <a:rPr lang="en-US" dirty="0">
+                <a:latin typeface="Consolas"/>
+                <a:cs typeface="Consolas"/>
+              </a:rPr>
+              <a:t>	T sell();</a:t>
+            </a:r>
+          </a:p>
+          <a:p>
+            <a:pPr marL="0" indent="0">
+              <a:buNone/>
+            </a:pPr>
+            <a:r>
+              <a:rPr lang="en-US" dirty="0">
+                <a:latin typeface="Consolas"/>
+                <a:cs typeface="Consolas"/>
+              </a:rPr>
+              <a:t>	void buy(T item);</a:t>
+            </a:r>
+          </a:p>
+          <a:p>
+            <a:pPr marL="0" indent="0">
+              <a:buNone/>
+            </a:pPr>
+            <a:r>
+              <a:rPr lang="en-US" dirty="0">
+                <a:latin typeface="Consolas"/>
+                <a:cs typeface="Consolas"/>
+              </a:rPr>
+              <a:t>		</a:t>
+            </a:r>
+          </a:p>
+          <a:p>
+            <a:pPr marL="0" indent="0">
+              <a:buNone/>
+            </a:pPr>
+            <a:r>
+              <a:rPr lang="en-US" dirty="0">
+                <a:latin typeface="Consolas"/>
+                <a:cs typeface="Consolas"/>
+              </a:rPr>
+              <a:t>	void sell(Collection&lt;T&gt; item, </a:t>
+            </a:r>
+            <a:r>
+              <a:rPr lang="en-US" dirty="0" err="1">
+                <a:latin typeface="Consolas"/>
+                <a:cs typeface="Consolas"/>
+              </a:rPr>
+              <a:t>int</a:t>
+            </a:r>
+            <a:r>
+              <a:rPr lang="en-US" dirty="0">
+                <a:latin typeface="Consolas"/>
+                <a:cs typeface="Consolas"/>
+              </a:rPr>
+              <a:t> </a:t>
+            </a:r>
+            <a:r>
+              <a:rPr lang="en-US" dirty="0" err="1">
+                <a:latin typeface="Consolas"/>
+                <a:cs typeface="Consolas"/>
+              </a:rPr>
+              <a:t>nItems</a:t>
+            </a:r>
+            <a:r>
+              <a:rPr lang="en-US" dirty="0">
+                <a:latin typeface="Consolas"/>
+                <a:cs typeface="Consolas"/>
+              </a:rPr>
+              <a:t>);</a:t>
+            </a:r>
+          </a:p>
+          <a:p>
+            <a:pPr marL="0" indent="0">
+              <a:buNone/>
+            </a:pPr>
+            <a:r>
+              <a:rPr lang="en-US" dirty="0">
+                <a:latin typeface="Consolas"/>
+                <a:cs typeface="Consolas"/>
+              </a:rPr>
+              <a:t>	void buy(Collection&lt;T&gt; item);</a:t>
+            </a:r>
+          </a:p>
+          <a:p>
+            <a:pPr marL="0" indent="0">
+              <a:buNone/>
+            </a:pPr>
+            <a:r>
+              <a:rPr lang="en-US" dirty="0">
+                <a:latin typeface="Consolas"/>
+                <a:cs typeface="Consolas"/>
+              </a:rPr>
+              <a:t>}</a:t>
+            </a:r>
+          </a:p>
+          <a:p>
+            <a:pPr marL="0" indent="0">
+              <a:buNone/>
+            </a:pPr>
+            <a:r>
+              <a:rPr lang="en-US" dirty="0">
+                <a:latin typeface="Consolas"/>
+                <a:cs typeface="Consolas"/>
+              </a:rPr>
+              <a:t>class Product { }</a:t>
+            </a:r>
+          </a:p>
+          <a:p>
+            <a:pPr marL="0" indent="0">
+              <a:buNone/>
+            </a:pPr>
+            <a:r>
+              <a:rPr lang="en-US" dirty="0">
+                <a:latin typeface="Consolas"/>
+                <a:cs typeface="Consolas"/>
+              </a:rPr>
+              <a:t>class Fruit extends Product { }</a:t>
+            </a:r>
+          </a:p>
+          <a:p>
+            <a:pPr marL="0" indent="0">
+              <a:buNone/>
+            </a:pPr>
+            <a:r>
+              <a:rPr lang="en-US" dirty="0">
+                <a:latin typeface="Consolas"/>
+                <a:cs typeface="Consolas"/>
+              </a:rPr>
+              <a:t>class Vegetable extends Product { }</a:t>
+            </a:r>
+          </a:p>
+          <a:p>
+            <a:pPr marL="0" indent="0">
+              <a:buNone/>
+            </a:pPr>
+            <a:r>
+              <a:rPr lang="en-US" dirty="0">
+                <a:latin typeface="Consolas"/>
+                <a:cs typeface="Consolas"/>
+              </a:rPr>
+              <a:t>…</a:t>
+            </a:r>
+          </a:p>
+          <a:p>
+            <a:endParaRPr lang="en-GB" dirty="0"/>
+          </a:p>
+        </p:txBody>
+      </p:sp>
     </p:spTree>
     <p:extLst>
       <p:ext uri="{BB962C8B-B14F-4D97-AF65-F5344CB8AC3E}">
-        <p14:creationId xmlns:p14="http://schemas.microsoft.com/office/powerpoint/2010/main" val="1766436735"/>
+        <p14:creationId xmlns:p14="http://schemas.microsoft.com/office/powerpoint/2010/main" val="1029256173"/>
       </p:ext>
     </p:extLst>
   </p:cSld>
@@ -10735,5 +12432,305 @@
     </a:lnDef>
   </a:objectDefaults>
   <a:extraClrSchemeLst/>
+  <a:extLst>
+    <a:ext uri="{05A4C25C-085E-4340-85A3-A5531E510DB2}">
+      <thm15:themeFamily xmlns:thm15="http://schemas.microsoft.com/office/thememl/2012/main" name="05_Generics" id="{F05D4043-5661-6449-AB7B-C289F5DAA4E2}" vid="{EB962CA9-3AE2-2E4A-96ED-8F64D21D7405}"/>
+    </a:ext>
+  </a:extLst>
+</a:theme>
+</file>
+
+<file path=ppt/theme/theme2.xml><?xml version="1.0" encoding="utf-8"?>
+<a:theme xmlns:a="http://schemas.openxmlformats.org/drawingml/2006/main" name="Office Theme">
+  <a:themeElements>
+    <a:clrScheme name="Office">
+      <a:dk1>
+        <a:sysClr val="windowText" lastClr="000000"/>
+      </a:dk1>
+      <a:lt1>
+        <a:sysClr val="window" lastClr="FFFFFF"/>
+      </a:lt1>
+      <a:dk2>
+        <a:srgbClr val="44546A"/>
+      </a:dk2>
+      <a:lt2>
+        <a:srgbClr val="E7E6E6"/>
+      </a:lt2>
+      <a:accent1>
+        <a:srgbClr val="4472C4"/>
+      </a:accent1>
+      <a:accent2>
+        <a:srgbClr val="ED7D31"/>
+      </a:accent2>
+      <a:accent3>
+        <a:srgbClr val="A5A5A5"/>
+      </a:accent3>
+      <a:accent4>
+        <a:srgbClr val="FFC000"/>
+      </a:accent4>
+      <a:accent5>
+        <a:srgbClr val="5B9BD5"/>
+      </a:accent5>
+      <a:accent6>
+        <a:srgbClr val="70AD47"/>
+      </a:accent6>
+      <a:hlink>
+        <a:srgbClr val="0563C1"/>
+      </a:hlink>
+      <a:folHlink>
+        <a:srgbClr val="954F72"/>
+      </a:folHlink>
+    </a:clrScheme>
+    <a:fontScheme name="Office">
+      <a:majorFont>
+        <a:latin typeface="Calibri Light" panose="020F0302020204030204"/>
+        <a:ea typeface=""/>
+        <a:cs typeface=""/>
+        <a:font script="Jpan" typeface="游ゴシック Light"/>
+        <a:font script="Hang" typeface="맑은 고딕"/>
+        <a:font script="Hans" typeface="等线 Light"/>
+        <a:font script="Hant" typeface="新細明體"/>
+        <a:font script="Arab" typeface="Times New Roman"/>
+        <a:font script="Hebr" typeface="Times New Roman"/>
+        <a:font script="Thai" typeface="Angsana New"/>
+        <a:font script="Ethi" typeface="Nyala"/>
+        <a:font script="Beng" typeface="Vrinda"/>
+        <a:font script="Gujr" typeface="Shruti"/>
+        <a:font script="Khmr" typeface="MoolBoran"/>
+        <a:font script="Knda" typeface="Tunga"/>
+        <a:font script="Guru" typeface="Raavi"/>
+        <a:font script="Cans" typeface="Euphemia"/>
+        <a:font script="Cher" typeface="Plantagenet Cherokee"/>
+        <a:font script="Yiii" typeface="Microsoft Yi Baiti"/>
+        <a:font script="Tibt" typeface="Microsoft Himalaya"/>
+        <a:font script="Thaa" typeface="MV Boli"/>
+        <a:font script="Deva" typeface="Mangal"/>
+        <a:font script="Telu" typeface="Gautami"/>
+        <a:font script="Taml" typeface="Latha"/>
+        <a:font script="Syrc" typeface="Estrangelo Edessa"/>
+        <a:font script="Orya" typeface="Kalinga"/>
+        <a:font script="Mlym" typeface="Kartika"/>
+        <a:font script="Laoo" typeface="DokChampa"/>
+        <a:font script="Sinh" typeface="Iskoola Pota"/>
+        <a:font script="Mong" typeface="Mongolian Baiti"/>
+        <a:font script="Viet" typeface="Times New Roman"/>
+        <a:font script="Uigh" typeface="Microsoft Uighur"/>
+        <a:font script="Geor" typeface="Sylfaen"/>
+        <a:font script="Armn" typeface="Arial"/>
+        <a:font script="Bugi" typeface="Leelawadee UI"/>
+        <a:font script="Bopo" typeface="Microsoft JhengHei"/>
+        <a:font script="Java" typeface="Javanese Text"/>
+        <a:font script="Lisu" typeface="Segoe UI"/>
+        <a:font script="Mymr" typeface="Myanmar Text"/>
+        <a:font script="Nkoo" typeface="Ebrima"/>
+        <a:font script="Olck" typeface="Nirmala UI"/>
+        <a:font script="Osma" typeface="Ebrima"/>
+        <a:font script="Phag" typeface="Phagspa"/>
+        <a:font script="Syrn" typeface="Estrangelo Edessa"/>
+        <a:font script="Syrj" typeface="Estrangelo Edessa"/>
+        <a:font script="Syre" typeface="Estrangelo Edessa"/>
+        <a:font script="Sora" typeface="Nirmala UI"/>
+        <a:font script="Tale" typeface="Microsoft Tai Le"/>
+        <a:font script="Talu" typeface="Microsoft New Tai Lue"/>
+        <a:font script="Tfng" typeface="Ebrima"/>
+      </a:majorFont>
+      <a:minorFont>
+        <a:latin typeface="Calibri" panose="020F0502020204030204"/>
+        <a:ea typeface=""/>
+        <a:cs typeface=""/>
+        <a:font script="Jpan" typeface="游ゴシック"/>
+        <a:font script="Hang" typeface="맑은 고딕"/>
+        <a:font script="Hans" typeface="等线"/>
+        <a:font script="Hant" typeface="新細明體"/>
+        <a:font script="Arab" typeface="Arial"/>
+        <a:font script="Hebr" typeface="Arial"/>
+        <a:font script="Thai" typeface="Cordia New"/>
+        <a:font script="Ethi" typeface="Nyala"/>
+        <a:font script="Beng" typeface="Vrinda"/>
+        <a:font script="Gujr" typeface="Shruti"/>
+        <a:font script="Khmr" typeface="DaunPenh"/>
+        <a:font script="Knda" typeface="Tunga"/>
+        <a:font script="Guru" typeface="Raavi"/>
+        <a:font script="Cans" typeface="Euphemia"/>
+        <a:font script="Cher" typeface="Plantagenet Cherokee"/>
+        <a:font script="Yiii" typeface="Microsoft Yi Baiti"/>
+        <a:font script="Tibt" typeface="Microsoft Himalaya"/>
+        <a:font script="Thaa" typeface="MV Boli"/>
+        <a:font script="Deva" typeface="Mangal"/>
+        <a:font script="Telu" typeface="Gautami"/>
+        <a:font script="Taml" typeface="Latha"/>
+        <a:font script="Syrc" typeface="Estrangelo Edessa"/>
+        <a:font script="Orya" typeface="Kalinga"/>
+        <a:font script="Mlym" typeface="Kartika"/>
+        <a:font script="Laoo" typeface="DokChampa"/>
+        <a:font script="Sinh" typeface="Iskoola Pota"/>
+        <a:font script="Mong" typeface="Mongolian Baiti"/>
+        <a:font script="Viet" typeface="Arial"/>
+        <a:font script="Uigh" typeface="Microsoft Uighur"/>
+        <a:font script="Geor" typeface="Sylfaen"/>
+        <a:font script="Armn" typeface="Arial"/>
+        <a:font script="Bugi" typeface="Leelawadee UI"/>
+        <a:font script="Bopo" typeface="Microsoft JhengHei"/>
+        <a:font script="Java" typeface="Javanese Text"/>
+        <a:font script="Lisu" typeface="Segoe UI"/>
+        <a:font script="Mymr" typeface="Myanmar Text"/>
+        <a:font script="Nkoo" typeface="Ebrima"/>
+        <a:font script="Olck" typeface="Nirmala UI"/>
+        <a:font script="Osma" typeface="Ebrima"/>
+        <a:font script="Phag" typeface="Phagspa"/>
+        <a:font script="Syrn" typeface="Estrangelo Edessa"/>
+        <a:font script="Syrj" typeface="Estrangelo Edessa"/>
+        <a:font script="Syre" typeface="Estrangelo Edessa"/>
+        <a:font script="Sora" typeface="Nirmala UI"/>
+        <a:font script="Tale" typeface="Microsoft Tai Le"/>
+        <a:font script="Talu" typeface="Microsoft New Tai Lue"/>
+        <a:font script="Tfng" typeface="Ebrima"/>
+      </a:minorFont>
+    </a:fontScheme>
+    <a:fmtScheme name="Office">
+      <a:fillStyleLst>
+        <a:solidFill>
+          <a:schemeClr val="phClr"/>
+        </a:solidFill>
+        <a:gradFill rotWithShape="1">
+          <a:gsLst>
+            <a:gs pos="0">
+              <a:schemeClr val="phClr">
+                <a:lumMod val="110000"/>
+                <a:satMod val="105000"/>
+                <a:tint val="67000"/>
+              </a:schemeClr>
+            </a:gs>
+            <a:gs pos="50000">
+              <a:schemeClr val="phClr">
+                <a:lumMod val="105000"/>
+                <a:satMod val="103000"/>
+                <a:tint val="73000"/>
+              </a:schemeClr>
+            </a:gs>
+            <a:gs pos="100000">
+              <a:schemeClr val="phClr">
+                <a:lumMod val="105000"/>
+                <a:satMod val="109000"/>
+                <a:tint val="81000"/>
+              </a:schemeClr>
+            </a:gs>
+          </a:gsLst>
+          <a:lin ang="5400000" scaled="0"/>
+        </a:gradFill>
+        <a:gradFill rotWithShape="1">
+          <a:gsLst>
+            <a:gs pos="0">
+              <a:schemeClr val="phClr">
+                <a:satMod val="103000"/>
+                <a:lumMod val="102000"/>
+                <a:tint val="94000"/>
+              </a:schemeClr>
+            </a:gs>
+            <a:gs pos="50000">
+              <a:schemeClr val="phClr">
+                <a:satMod val="110000"/>
+                <a:lumMod val="100000"/>
+                <a:shade val="100000"/>
+              </a:schemeClr>
+            </a:gs>
+            <a:gs pos="100000">
+              <a:schemeClr val="phClr">
+                <a:lumMod val="99000"/>
+                <a:satMod val="120000"/>
+                <a:shade val="78000"/>
+              </a:schemeClr>
+            </a:gs>
+          </a:gsLst>
+          <a:lin ang="5400000" scaled="0"/>
+        </a:gradFill>
+      </a:fillStyleLst>
+      <a:lnStyleLst>
+        <a:ln w="6350" cap="flat" cmpd="sng" algn="ctr">
+          <a:solidFill>
+            <a:schemeClr val="phClr"/>
+          </a:solidFill>
+          <a:prstDash val="solid"/>
+          <a:miter lim="800000"/>
+        </a:ln>
+        <a:ln w="12700" cap="flat" cmpd="sng" algn="ctr">
+          <a:solidFill>
+            <a:schemeClr val="phClr"/>
+          </a:solidFill>
+          <a:prstDash val="solid"/>
+          <a:miter lim="800000"/>
+        </a:ln>
+        <a:ln w="19050" cap="flat" cmpd="sng" algn="ctr">
+          <a:solidFill>
+            <a:schemeClr val="phClr"/>
+          </a:solidFill>
+          <a:prstDash val="solid"/>
+          <a:miter lim="800000"/>
+        </a:ln>
+      </a:lnStyleLst>
+      <a:effectStyleLst>
+        <a:effectStyle>
+          <a:effectLst/>
+        </a:effectStyle>
+        <a:effectStyle>
+          <a:effectLst/>
+        </a:effectStyle>
+        <a:effectStyle>
+          <a:effectLst>
+            <a:outerShdw blurRad="57150" dist="19050" dir="5400000" algn="ctr" rotWithShape="0">
+              <a:srgbClr val="000000">
+                <a:alpha val="63000"/>
+              </a:srgbClr>
+            </a:outerShdw>
+          </a:effectLst>
+        </a:effectStyle>
+      </a:effectStyleLst>
+      <a:bgFillStyleLst>
+        <a:solidFill>
+          <a:schemeClr val="phClr"/>
+        </a:solidFill>
+        <a:solidFill>
+          <a:schemeClr val="phClr">
+            <a:tint val="95000"/>
+            <a:satMod val="170000"/>
+          </a:schemeClr>
+        </a:solidFill>
+        <a:gradFill rotWithShape="1">
+          <a:gsLst>
+            <a:gs pos="0">
+              <a:schemeClr val="phClr">
+                <a:tint val="93000"/>
+                <a:satMod val="150000"/>
+                <a:shade val="98000"/>
+                <a:lumMod val="102000"/>
+              </a:schemeClr>
+            </a:gs>
+            <a:gs pos="50000">
+              <a:schemeClr val="phClr">
+                <a:tint val="98000"/>
+                <a:satMod val="130000"/>
+                <a:shade val="90000"/>
+                <a:lumMod val="103000"/>
+              </a:schemeClr>
+            </a:gs>
+            <a:gs pos="100000">
+              <a:schemeClr val="phClr">
+                <a:shade val="63000"/>
+                <a:satMod val="120000"/>
+              </a:schemeClr>
+            </a:gs>
+          </a:gsLst>
+          <a:lin ang="5400000" scaled="0"/>
+        </a:gradFill>
+      </a:bgFillStyleLst>
+    </a:fmtScheme>
+  </a:themeElements>
+  <a:objectDefaults/>
+  <a:extraClrSchemeLst/>
+  <a:extLst>
+    <a:ext uri="{05A4C25C-085E-4340-85A3-A5531E510DB2}">
+      <thm15:themeFamily xmlns:thm15="http://schemas.microsoft.com/office/thememl/2012/main" name="Office Theme" id="{62F939B6-93AF-4DB8-9C6B-D6C7DFDC589F}" vid="{4A3C46E8-61CC-4603-A589-7422A47A8E4A}"/>
+    </a:ext>
+  </a:extLst>
 </a:theme>
 </file>